--- a/assets/Image.pptx
+++ b/assets/Image.pptx
@@ -8,6 +8,7 @@
     <p:sldId id="256" r:id="rId3"/>
     <p:sldId id="257" r:id="rId4"/>
     <p:sldId id="258" r:id="rId5"/>
+    <p:sldId id="259" r:id="rId6"/>
   </p:sldIdLst>
   <p:sldSz cx="12192000" cy="6858000"/>
   <p:notesSz cx="6858000" cy="9144000"/>
@@ -3835,7 +3836,6 @@
             <a:pPr algn="ctr"/>
             <a:r>
               <a:rPr lang="en-US" b="1">
-                <a:ln/>
                 <a:solidFill>
                   <a:schemeClr val="tx1"/>
                 </a:solidFill>
@@ -3850,7 +3850,6 @@
               <a:t>1</a:t>
             </a:r>
             <a:endParaRPr lang="en-US" b="1">
-              <a:ln/>
               <a:solidFill>
                 <a:schemeClr val="tx1"/>
               </a:solidFill>
@@ -4944,6 +4943,3439 @@
         <p:nvPr/>
       </p:nvGrpSpPr>
       <p:grpSpPr/>
+      <p:grpSp>
+        <p:nvGrpSpPr>
+          <p:cNvPr id="52" name="Group 51"/>
+          <p:cNvGrpSpPr/>
+          <p:nvPr/>
+        </p:nvGrpSpPr>
+        <p:grpSpPr>
+          <a:xfrm>
+            <a:off x="942975" y="0"/>
+            <a:ext cx="8700135" cy="6420485"/>
+            <a:chOff x="1485" y="0"/>
+            <a:chExt cx="13701" cy="10111"/>
+          </a:xfrm>
+        </p:grpSpPr>
+        <p:pic>
+          <p:nvPicPr>
+            <p:cNvPr id="27" name="Picture 26" descr="Inside_Network-1024x759"/>
+            <p:cNvPicPr>
+              <a:picLocks noChangeAspect="1"/>
+            </p:cNvPicPr>
+            <p:nvPr/>
+          </p:nvPicPr>
+          <p:blipFill>
+            <a:blip r:embed="rId1">
+              <a:biLevel thresh="50000"/>
+              <a:lum bright="96000"/>
+            </a:blip>
+            <a:stretch>
+              <a:fillRect/>
+            </a:stretch>
+          </p:blipFill>
+          <p:spPr>
+            <a:xfrm>
+              <a:off x="1485" y="819"/>
+              <a:ext cx="12536" cy="9292"/>
+            </a:xfrm>
+            <a:prstGeom prst="rect">
+              <a:avLst/>
+            </a:prstGeom>
+            <a:ln>
+              <a:noFill/>
+            </a:ln>
+          </p:spPr>
+        </p:pic>
+        <p:grpSp>
+          <p:nvGrpSpPr>
+            <p:cNvPr id="23" name="Group 22"/>
+            <p:cNvGrpSpPr/>
+            <p:nvPr/>
+          </p:nvGrpSpPr>
+          <p:grpSpPr>
+            <a:xfrm>
+              <a:off x="1485" y="4936"/>
+              <a:ext cx="2612" cy="1742"/>
+              <a:chOff x="885" y="4936"/>
+              <a:chExt cx="2612" cy="1742"/>
+            </a:xfrm>
+          </p:grpSpPr>
+          <p:pic>
+            <p:nvPicPr>
+              <p:cNvPr id="6" name="Picture 5" descr="Devices-cuate"/>
+              <p:cNvPicPr>
+                <a:picLocks noChangeAspect="1"/>
+              </p:cNvPicPr>
+              <p:nvPr/>
+            </p:nvPicPr>
+            <p:blipFill>
+              <a:blip r:embed="rId2">
+                <a:extLst>
+                  <a:ext uri="{96DAC541-7B7A-43D3-8B79-37D633B846F1}">
+                    <asvg:svgBlip xmlns:asvg="http://schemas.microsoft.com/office/drawing/2016/SVG/main" r:embed="rId3"/>
+                  </a:ext>
+                </a:extLst>
+              </a:blip>
+              <a:stretch>
+                <a:fillRect/>
+              </a:stretch>
+            </p:blipFill>
+            <p:spPr>
+              <a:xfrm>
+                <a:off x="885" y="4936"/>
+                <a:ext cx="2613" cy="1742"/>
+              </a:xfrm>
+              <a:prstGeom prst="rect">
+                <a:avLst/>
+              </a:prstGeom>
+            </p:spPr>
+          </p:pic>
+          <p:pic>
+            <p:nvPicPr>
+              <p:cNvPr id="16" name="Picture 15" descr="LogosChrome"/>
+              <p:cNvPicPr>
+                <a:picLocks noChangeAspect="1"/>
+              </p:cNvPicPr>
+              <p:nvPr/>
+            </p:nvPicPr>
+            <p:blipFill>
+              <a:blip r:embed="rId4">
+                <a:extLst>
+                  <a:ext uri="{96DAC541-7B7A-43D3-8B79-37D633B846F1}">
+                    <asvg:svgBlip xmlns:asvg="http://schemas.microsoft.com/office/drawing/2016/SVG/main" r:embed="rId5"/>
+                  </a:ext>
+                </a:extLst>
+              </a:blip>
+              <a:stretch>
+                <a:fillRect/>
+              </a:stretch>
+            </p:blipFill>
+            <p:spPr>
+              <a:xfrm>
+                <a:off x="1251" y="5103"/>
+                <a:ext cx="480" cy="480"/>
+              </a:xfrm>
+              <a:prstGeom prst="rect">
+                <a:avLst/>
+              </a:prstGeom>
+            </p:spPr>
+          </p:pic>
+          <p:pic>
+            <p:nvPicPr>
+              <p:cNvPr id="17" name="Picture 16" descr="LogosFirefox"/>
+              <p:cNvPicPr>
+                <a:picLocks noChangeAspect="1"/>
+              </p:cNvPicPr>
+              <p:nvPr/>
+            </p:nvPicPr>
+            <p:blipFill>
+              <a:blip r:embed="rId6">
+                <a:extLst>
+                  <a:ext uri="{96DAC541-7B7A-43D3-8B79-37D633B846F1}">
+                    <asvg:svgBlip xmlns:asvg="http://schemas.microsoft.com/office/drawing/2016/SVG/main" r:embed="rId7"/>
+                  </a:ext>
+                </a:extLst>
+              </a:blip>
+              <a:stretch>
+                <a:fillRect/>
+              </a:stretch>
+            </p:blipFill>
+            <p:spPr>
+              <a:xfrm>
+                <a:off x="1035" y="6063"/>
+                <a:ext cx="450" cy="480"/>
+              </a:xfrm>
+              <a:prstGeom prst="rect">
+                <a:avLst/>
+              </a:prstGeom>
+            </p:spPr>
+          </p:pic>
+          <p:pic>
+            <p:nvPicPr>
+              <p:cNvPr id="18" name="Picture 17" descr="LogosSafari"/>
+              <p:cNvPicPr>
+                <a:picLocks noChangeAspect="1"/>
+              </p:cNvPicPr>
+              <p:nvPr/>
+            </p:nvPicPr>
+            <p:blipFill>
+              <a:blip r:embed="rId8">
+                <a:extLst>
+                  <a:ext uri="{96DAC541-7B7A-43D3-8B79-37D633B846F1}">
+                    <asvg:svgBlip xmlns:asvg="http://schemas.microsoft.com/office/drawing/2016/SVG/main" r:embed="rId9"/>
+                  </a:ext>
+                </a:extLst>
+              </a:blip>
+              <a:stretch>
+                <a:fillRect/>
+              </a:stretch>
+            </p:blipFill>
+            <p:spPr>
+              <a:xfrm>
+                <a:off x="2571" y="5103"/>
+                <a:ext cx="480" cy="480"/>
+              </a:xfrm>
+              <a:prstGeom prst="rect">
+                <a:avLst/>
+              </a:prstGeom>
+            </p:spPr>
+          </p:pic>
+        </p:grpSp>
+        <p:grpSp>
+          <p:nvGrpSpPr>
+            <p:cNvPr id="24" name="Group 23"/>
+            <p:cNvGrpSpPr/>
+            <p:nvPr/>
+          </p:nvGrpSpPr>
+          <p:grpSpPr>
+            <a:xfrm>
+              <a:off x="2331" y="1291"/>
+              <a:ext cx="2160" cy="2160"/>
+              <a:chOff x="1731" y="1131"/>
+              <a:chExt cx="2160" cy="2160"/>
+            </a:xfrm>
+          </p:grpSpPr>
+          <p:pic>
+            <p:nvPicPr>
+              <p:cNvPr id="5" name="Picture 4" descr="Mobile login-bro"/>
+              <p:cNvPicPr>
+                <a:picLocks noChangeAspect="1"/>
+              </p:cNvPicPr>
+              <p:nvPr/>
+            </p:nvPicPr>
+            <p:blipFill>
+              <a:blip r:embed="rId10">
+                <a:extLst>
+                  <a:ext uri="{96DAC541-7B7A-43D3-8B79-37D633B846F1}">
+                    <asvg:svgBlip xmlns:asvg="http://schemas.microsoft.com/office/drawing/2016/SVG/main" r:embed="rId11"/>
+                  </a:ext>
+                </a:extLst>
+              </a:blip>
+              <a:stretch>
+                <a:fillRect/>
+              </a:stretch>
+            </p:blipFill>
+            <p:spPr>
+              <a:xfrm>
+                <a:off x="1731" y="1131"/>
+                <a:ext cx="2160" cy="2160"/>
+              </a:xfrm>
+              <a:prstGeom prst="rect">
+                <a:avLst/>
+              </a:prstGeom>
+            </p:spPr>
+          </p:pic>
+          <p:pic>
+            <p:nvPicPr>
+              <p:cNvPr id="19" name="Picture 18" descr="LogosChrome"/>
+              <p:cNvPicPr>
+                <a:picLocks noChangeAspect="1"/>
+              </p:cNvPicPr>
+              <p:nvPr>
+                <p:custDataLst>
+                  <p:tags r:id="rId12"/>
+                </p:custDataLst>
+              </p:nvPr>
+            </p:nvPicPr>
+            <p:blipFill>
+              <a:blip r:embed="rId4">
+                <a:extLst>
+                  <a:ext uri="{96DAC541-7B7A-43D3-8B79-37D633B846F1}">
+                    <asvg:svgBlip xmlns:asvg="http://schemas.microsoft.com/office/drawing/2016/SVG/main" r:embed="rId5"/>
+                  </a:ext>
+                </a:extLst>
+              </a:blip>
+              <a:stretch>
+                <a:fillRect/>
+              </a:stretch>
+            </p:blipFill>
+            <p:spPr>
+              <a:xfrm>
+                <a:off x="3018" y="1131"/>
+                <a:ext cx="480" cy="480"/>
+              </a:xfrm>
+              <a:prstGeom prst="rect">
+                <a:avLst/>
+              </a:prstGeom>
+            </p:spPr>
+          </p:pic>
+        </p:grpSp>
+        <p:grpSp>
+          <p:nvGrpSpPr>
+            <p:cNvPr id="22" name="Group 21"/>
+            <p:cNvGrpSpPr/>
+            <p:nvPr/>
+          </p:nvGrpSpPr>
+          <p:grpSpPr>
+            <a:xfrm>
+              <a:off x="3992" y="8163"/>
+              <a:ext cx="1860" cy="1860"/>
+              <a:chOff x="4584" y="8163"/>
+              <a:chExt cx="1860" cy="1860"/>
+            </a:xfrm>
+          </p:grpSpPr>
+          <p:pic>
+            <p:nvPicPr>
+              <p:cNvPr id="7" name="Picture 6" descr="Mobile inbox-pana"/>
+              <p:cNvPicPr>
+                <a:picLocks noChangeAspect="1"/>
+              </p:cNvPicPr>
+              <p:nvPr/>
+            </p:nvPicPr>
+            <p:blipFill>
+              <a:blip r:embed="rId13">
+                <a:extLst>
+                  <a:ext uri="{96DAC541-7B7A-43D3-8B79-37D633B846F1}">
+                    <asvg:svgBlip xmlns:asvg="http://schemas.microsoft.com/office/drawing/2016/SVG/main" r:embed="rId14"/>
+                  </a:ext>
+                </a:extLst>
+              </a:blip>
+              <a:stretch>
+                <a:fillRect/>
+              </a:stretch>
+            </p:blipFill>
+            <p:spPr>
+              <a:xfrm>
+                <a:off x="4584" y="8163"/>
+                <a:ext cx="1861" cy="1861"/>
+              </a:xfrm>
+              <a:prstGeom prst="rect">
+                <a:avLst/>
+              </a:prstGeom>
+            </p:spPr>
+          </p:pic>
+          <p:pic>
+            <p:nvPicPr>
+              <p:cNvPr id="20" name="Picture 19" descr="LogosFirefox"/>
+              <p:cNvPicPr>
+                <a:picLocks noChangeAspect="1"/>
+              </p:cNvPicPr>
+              <p:nvPr>
+                <p:custDataLst>
+                  <p:tags r:id="rId15"/>
+                </p:custDataLst>
+              </p:nvPr>
+            </p:nvPicPr>
+            <p:blipFill>
+              <a:blip r:embed="rId6">
+                <a:extLst>
+                  <a:ext uri="{96DAC541-7B7A-43D3-8B79-37D633B846F1}">
+                    <asvg:svgBlip xmlns:asvg="http://schemas.microsoft.com/office/drawing/2016/SVG/main" r:embed="rId7"/>
+                  </a:ext>
+                </a:extLst>
+              </a:blip>
+              <a:stretch>
+                <a:fillRect/>
+              </a:stretch>
+            </p:blipFill>
+            <p:spPr>
+              <a:xfrm>
+                <a:off x="4826" y="8163"/>
+                <a:ext cx="450" cy="480"/>
+              </a:xfrm>
+              <a:prstGeom prst="rect">
+                <a:avLst/>
+              </a:prstGeom>
+            </p:spPr>
+          </p:pic>
+        </p:grpSp>
+        <p:grpSp>
+          <p:nvGrpSpPr>
+            <p:cNvPr id="25" name="Group 24"/>
+            <p:cNvGrpSpPr/>
+            <p:nvPr/>
+          </p:nvGrpSpPr>
+          <p:grpSpPr>
+            <a:xfrm>
+              <a:off x="7048" y="0"/>
+              <a:ext cx="2452" cy="2452"/>
+              <a:chOff x="7309" y="0"/>
+              <a:chExt cx="2452" cy="2452"/>
+            </a:xfrm>
+          </p:grpSpPr>
+          <p:pic>
+            <p:nvPicPr>
+              <p:cNvPr id="8" name="Picture 7" descr="Security On-pana"/>
+              <p:cNvPicPr>
+                <a:picLocks noChangeAspect="1"/>
+              </p:cNvPicPr>
+              <p:nvPr/>
+            </p:nvPicPr>
+            <p:blipFill>
+              <a:blip r:embed="rId16">
+                <a:extLst>
+                  <a:ext uri="{96DAC541-7B7A-43D3-8B79-37D633B846F1}">
+                    <asvg:svgBlip xmlns:asvg="http://schemas.microsoft.com/office/drawing/2016/SVG/main" r:embed="rId17"/>
+                  </a:ext>
+                </a:extLst>
+              </a:blip>
+              <a:stretch>
+                <a:fillRect/>
+              </a:stretch>
+            </p:blipFill>
+            <p:spPr>
+              <a:xfrm>
+                <a:off x="7309" y="0"/>
+                <a:ext cx="2452" cy="2452"/>
+              </a:xfrm>
+              <a:prstGeom prst="rect">
+                <a:avLst/>
+              </a:prstGeom>
+            </p:spPr>
+          </p:pic>
+          <p:pic>
+            <p:nvPicPr>
+              <p:cNvPr id="21" name="Picture 20" descr="LogosSafari"/>
+              <p:cNvPicPr>
+                <a:picLocks noChangeAspect="1"/>
+              </p:cNvPicPr>
+              <p:nvPr>
+                <p:custDataLst>
+                  <p:tags r:id="rId18"/>
+                </p:custDataLst>
+              </p:nvPr>
+            </p:nvPicPr>
+            <p:blipFill>
+              <a:blip r:embed="rId8">
+                <a:extLst>
+                  <a:ext uri="{96DAC541-7B7A-43D3-8B79-37D633B846F1}">
+                    <asvg:svgBlip xmlns:asvg="http://schemas.microsoft.com/office/drawing/2016/SVG/main" r:embed="rId9"/>
+                  </a:ext>
+                </a:extLst>
+              </a:blip>
+              <a:stretch>
+                <a:fillRect/>
+              </a:stretch>
+            </p:blipFill>
+            <p:spPr>
+              <a:xfrm>
+                <a:off x="7834" y="819"/>
+                <a:ext cx="480" cy="480"/>
+              </a:xfrm>
+              <a:prstGeom prst="rect">
+                <a:avLst/>
+              </a:prstGeom>
+            </p:spPr>
+          </p:pic>
+        </p:grpSp>
+        <p:pic>
+          <p:nvPicPr>
+            <p:cNvPr id="26" name="Picture 25" descr="Computer login-pana"/>
+            <p:cNvPicPr>
+              <a:picLocks noChangeAspect="1"/>
+            </p:cNvPicPr>
+            <p:nvPr/>
+          </p:nvPicPr>
+          <p:blipFill>
+            <a:blip r:embed="rId19">
+              <a:extLst>
+                <a:ext uri="{96DAC541-7B7A-43D3-8B79-37D633B846F1}">
+                  <asvg:svgBlip xmlns:asvg="http://schemas.microsoft.com/office/drawing/2016/SVG/main" r:embed="rId20"/>
+                </a:ext>
+              </a:extLst>
+            </a:blip>
+            <a:stretch>
+              <a:fillRect/>
+            </a:stretch>
+          </p:blipFill>
+          <p:spPr>
+            <a:xfrm>
+              <a:off x="11658" y="484"/>
+              <a:ext cx="2951" cy="1968"/>
+            </a:xfrm>
+            <a:prstGeom prst="rect">
+              <a:avLst/>
+            </a:prstGeom>
+          </p:spPr>
+        </p:pic>
+        <p:grpSp>
+          <p:nvGrpSpPr>
+            <p:cNvPr id="37" name="Group 36"/>
+            <p:cNvGrpSpPr/>
+            <p:nvPr/>
+          </p:nvGrpSpPr>
+          <p:grpSpPr>
+            <a:xfrm>
+              <a:off x="8374" y="3183"/>
+              <a:ext cx="6813" cy="3986"/>
+              <a:chOff x="8374" y="3183"/>
+              <a:chExt cx="6813" cy="3986"/>
+            </a:xfrm>
+          </p:grpSpPr>
+          <p:sp>
+            <p:nvSpPr>
+              <p:cNvPr id="36" name="Rounded Rectangle 35"/>
+              <p:cNvSpPr/>
+              <p:nvPr/>
+            </p:nvSpPr>
+            <p:spPr>
+              <a:xfrm>
+                <a:off x="8374" y="3308"/>
+                <a:ext cx="6618" cy="3503"/>
+              </a:xfrm>
+              <a:prstGeom prst="roundRect">
+                <a:avLst/>
+              </a:prstGeom>
+              <a:solidFill>
+                <a:schemeClr val="bg1">
+                  <a:lumMod val="95000"/>
+                </a:schemeClr>
+              </a:solidFill>
+              <a:ln w="19050">
+                <a:solidFill>
+                  <a:srgbClr val="FFC000"/>
+                </a:solidFill>
+              </a:ln>
+            </p:spPr>
+            <p:style>
+              <a:lnRef idx="2">
+                <a:schemeClr val="accent1">
+                  <a:lumMod val="75000"/>
+                </a:schemeClr>
+              </a:lnRef>
+              <a:fillRef idx="1">
+                <a:schemeClr val="accent1"/>
+              </a:fillRef>
+              <a:effectRef idx="0">
+                <a:srgbClr val="FFFFFF"/>
+              </a:effectRef>
+              <a:fontRef idx="minor">
+                <a:schemeClr val="lt1"/>
+              </a:fontRef>
+            </p:style>
+            <p:txBody>
+              <a:bodyPr rtlCol="0" anchor="ctr"/>
+              <a:p>
+                <a:pPr algn="ctr"/>
+                <a:endParaRPr lang="en-US" sz="1400">
+                  <a:ln/>
+                  <a:solidFill>
+                    <a:schemeClr val="tx1"/>
+                  </a:solidFill>
+                  <a:effectLst>
+                    <a:outerShdw blurRad="38100" dist="19050" dir="2700000" algn="tl" rotWithShape="0">
+                      <a:schemeClr val="dk1">
+                        <a:alpha val="40000"/>
+                      </a:schemeClr>
+                    </a:outerShdw>
+                  </a:effectLst>
+                </a:endParaRPr>
+              </a:p>
+            </p:txBody>
+          </p:sp>
+          <p:grpSp>
+            <p:nvGrpSpPr>
+              <p:cNvPr id="15" name="Group 14"/>
+              <p:cNvGrpSpPr/>
+              <p:nvPr/>
+            </p:nvGrpSpPr>
+            <p:grpSpPr>
+              <a:xfrm>
+                <a:off x="8505" y="3183"/>
+                <a:ext cx="6683" cy="3262"/>
+                <a:chOff x="6126" y="3291"/>
+                <a:chExt cx="6683" cy="3262"/>
+              </a:xfrm>
+            </p:grpSpPr>
+            <p:pic>
+              <p:nvPicPr>
+                <p:cNvPr id="2" name="Picture 1" descr="Memory storage-bro"/>
+                <p:cNvPicPr>
+                  <a:picLocks noChangeAspect="1"/>
+                </p:cNvPicPr>
+                <p:nvPr/>
+              </p:nvPicPr>
+              <p:blipFill>
+                <a:blip r:embed="rId21">
+                  <a:extLst>
+                    <a:ext uri="{96DAC541-7B7A-43D3-8B79-37D633B846F1}">
+                      <asvg:svgBlip xmlns:asvg="http://schemas.microsoft.com/office/drawing/2016/SVG/main" r:embed="rId22"/>
+                    </a:ext>
+                  </a:extLst>
+                </a:blip>
+                <a:stretch>
+                  <a:fillRect/>
+                </a:stretch>
+              </p:blipFill>
+              <p:spPr>
+                <a:xfrm>
+                  <a:off x="6126" y="3291"/>
+                  <a:ext cx="2880" cy="2880"/>
+                </a:xfrm>
+                <a:prstGeom prst="rect">
+                  <a:avLst/>
+                </a:prstGeom>
+              </p:spPr>
+            </p:pic>
+            <p:pic>
+              <p:nvPicPr>
+                <p:cNvPr id="9" name="Picture 8" descr="Secure Server-bro"/>
+                <p:cNvPicPr>
+                  <a:picLocks noChangeAspect="1"/>
+                </p:cNvPicPr>
+                <p:nvPr/>
+              </p:nvPicPr>
+              <p:blipFill>
+                <a:blip r:embed="rId23">
+                  <a:extLst>
+                    <a:ext uri="{96DAC541-7B7A-43D3-8B79-37D633B846F1}">
+                      <asvg:svgBlip xmlns:asvg="http://schemas.microsoft.com/office/drawing/2016/SVG/main" r:embed="rId24"/>
+                    </a:ext>
+                  </a:extLst>
+                </a:blip>
+                <a:stretch>
+                  <a:fillRect/>
+                </a:stretch>
+              </p:blipFill>
+              <p:spPr>
+                <a:xfrm>
+                  <a:off x="9929" y="3382"/>
+                  <a:ext cx="2880" cy="2880"/>
+                </a:xfrm>
+                <a:prstGeom prst="rect">
+                  <a:avLst/>
+                </a:prstGeom>
+              </p:spPr>
+            </p:pic>
+            <p:sp>
+              <p:nvSpPr>
+                <p:cNvPr id="10" name="Left-Right Arrow 9"/>
+                <p:cNvSpPr/>
+                <p:nvPr/>
+              </p:nvSpPr>
+              <p:spPr>
+                <a:xfrm>
+                  <a:off x="9006" y="4623"/>
+                  <a:ext cx="1125" cy="402"/>
+                </a:xfrm>
+                <a:prstGeom prst="leftRightArrow">
+                  <a:avLst/>
+                </a:prstGeom>
+                <a:noFill/>
+                <a:ln w="38100">
+                  <a:solidFill>
+                    <a:schemeClr val="bg2">
+                      <a:lumMod val="75000"/>
+                    </a:schemeClr>
+                  </a:solidFill>
+                </a:ln>
+              </p:spPr>
+              <p:style>
+                <a:lnRef idx="2">
+                  <a:schemeClr val="accent1">
+                    <a:lumMod val="75000"/>
+                  </a:schemeClr>
+                </a:lnRef>
+                <a:fillRef idx="1">
+                  <a:schemeClr val="accent1"/>
+                </a:fillRef>
+                <a:effectRef idx="0">
+                  <a:srgbClr val="FFFFFF"/>
+                </a:effectRef>
+                <a:fontRef idx="minor">
+                  <a:schemeClr val="lt1"/>
+                </a:fontRef>
+              </p:style>
+              <p:txBody>
+                <a:bodyPr rtlCol="0" anchor="ctr"/>
+                <a:p>
+                  <a:pPr algn="ctr"/>
+                  <a:endParaRPr lang="en-US"/>
+                </a:p>
+              </p:txBody>
+            </p:sp>
+            <p:sp>
+              <p:nvSpPr>
+                <p:cNvPr id="11" name="Rounded Rectangle 10"/>
+                <p:cNvSpPr/>
+                <p:nvPr/>
+              </p:nvSpPr>
+              <p:spPr>
+                <a:xfrm>
+                  <a:off x="6249" y="6063"/>
+                  <a:ext cx="2635" cy="490"/>
+                </a:xfrm>
+                <a:prstGeom prst="roundRect">
+                  <a:avLst>
+                    <a:gd name="adj" fmla="val 50000"/>
+                  </a:avLst>
+                </a:prstGeom>
+                <a:noFill/>
+                <a:ln w="19050">
+                  <a:solidFill>
+                    <a:srgbClr val="FFC000"/>
+                  </a:solidFill>
+                </a:ln>
+              </p:spPr>
+              <p:style>
+                <a:lnRef idx="2">
+                  <a:schemeClr val="accent1">
+                    <a:lumMod val="75000"/>
+                  </a:schemeClr>
+                </a:lnRef>
+                <a:fillRef idx="1">
+                  <a:schemeClr val="accent1"/>
+                </a:fillRef>
+                <a:effectRef idx="0">
+                  <a:srgbClr val="FFFFFF"/>
+                </a:effectRef>
+                <a:fontRef idx="minor">
+                  <a:schemeClr val="lt1"/>
+                </a:fontRef>
+              </p:style>
+              <p:txBody>
+                <a:bodyPr rtlCol="0" anchor="ctr"/>
+                <a:p>
+                  <a:pPr algn="ctr"/>
+                  <a:r>
+                    <a:rPr lang="en-US" sz="1400">
+                      <a:ln/>
+                      <a:solidFill>
+                        <a:schemeClr val="tx1"/>
+                      </a:solidFill>
+                      <a:effectLst>
+                        <a:outerShdw blurRad="38100" dist="19050" dir="2700000" algn="tl" rotWithShape="0">
+                          <a:schemeClr val="dk1">
+                            <a:alpha val="40000"/>
+                          </a:schemeClr>
+                        </a:outerShdw>
+                      </a:effectLst>
+                    </a:rPr>
+                    <a:t>PHP Server</a:t>
+                  </a:r>
+                  <a:endParaRPr lang="en-US" sz="1400">
+                    <a:ln/>
+                    <a:solidFill>
+                      <a:schemeClr val="tx1"/>
+                    </a:solidFill>
+                    <a:effectLst>
+                      <a:outerShdw blurRad="38100" dist="19050" dir="2700000" algn="tl" rotWithShape="0">
+                        <a:schemeClr val="dk1">
+                          <a:alpha val="40000"/>
+                        </a:schemeClr>
+                      </a:outerShdw>
+                    </a:effectLst>
+                  </a:endParaRPr>
+                </a:p>
+              </p:txBody>
+            </p:sp>
+            <p:sp>
+              <p:nvSpPr>
+                <p:cNvPr id="12" name="Rounded Rectangle 11"/>
+                <p:cNvSpPr/>
+                <p:nvPr>
+                  <p:custDataLst>
+                    <p:tags r:id="rId25"/>
+                  </p:custDataLst>
+                </p:nvPr>
+              </p:nvSpPr>
+              <p:spPr>
+                <a:xfrm>
+                  <a:off x="10423" y="6063"/>
+                  <a:ext cx="1893" cy="490"/>
+                </a:xfrm>
+                <a:prstGeom prst="roundRect">
+                  <a:avLst>
+                    <a:gd name="adj" fmla="val 50000"/>
+                  </a:avLst>
+                </a:prstGeom>
+                <a:noFill/>
+                <a:ln w="19050">
+                  <a:solidFill>
+                    <a:srgbClr val="FFC000"/>
+                  </a:solidFill>
+                </a:ln>
+              </p:spPr>
+              <p:style>
+                <a:lnRef idx="2">
+                  <a:schemeClr val="accent1">
+                    <a:lumMod val="75000"/>
+                  </a:schemeClr>
+                </a:lnRef>
+                <a:fillRef idx="1">
+                  <a:schemeClr val="accent1"/>
+                </a:fillRef>
+                <a:effectRef idx="0">
+                  <a:srgbClr val="FFFFFF"/>
+                </a:effectRef>
+                <a:fontRef idx="minor">
+                  <a:schemeClr val="lt1"/>
+                </a:fontRef>
+              </p:style>
+              <p:txBody>
+                <a:bodyPr rtlCol="0" anchor="ctr"/>
+                <a:p>
+                  <a:pPr algn="ctr"/>
+                  <a:r>
+                    <a:rPr lang="en-US" sz="1400">
+                      <a:solidFill>
+                        <a:schemeClr val="tx1"/>
+                      </a:solidFill>
+                      <a:effectLst>
+                        <a:outerShdw blurRad="38100" dist="19050" dir="2700000" algn="tl" rotWithShape="0">
+                          <a:schemeClr val="dk1">
+                            <a:alpha val="40000"/>
+                          </a:schemeClr>
+                        </a:outerShdw>
+                      </a:effectLst>
+                    </a:rPr>
+                    <a:t>DB Server</a:t>
+                  </a:r>
+                  <a:endParaRPr lang="en-US" sz="1400">
+                    <a:solidFill>
+                      <a:schemeClr val="tx1"/>
+                    </a:solidFill>
+                    <a:effectLst>
+                      <a:outerShdw blurRad="38100" dist="19050" dir="2700000" algn="tl" rotWithShape="0">
+                        <a:schemeClr val="dk1">
+                          <a:alpha val="40000"/>
+                        </a:schemeClr>
+                      </a:outerShdw>
+                    </a:effectLst>
+                  </a:endParaRPr>
+                </a:p>
+              </p:txBody>
+            </p:sp>
+          </p:grpSp>
+          <p:sp>
+            <p:nvSpPr>
+              <p:cNvPr id="35" name="Rounded Rectangle 34"/>
+              <p:cNvSpPr/>
+              <p:nvPr/>
+            </p:nvSpPr>
+            <p:spPr>
+              <a:xfrm>
+                <a:off x="10377" y="6561"/>
+                <a:ext cx="2962" cy="609"/>
+              </a:xfrm>
+              <a:prstGeom prst="roundRect">
+                <a:avLst/>
+              </a:prstGeom>
+              <a:solidFill>
+                <a:schemeClr val="bg2"/>
+              </a:solidFill>
+              <a:ln w="19050">
+                <a:solidFill>
+                  <a:srgbClr val="FFC000"/>
+                </a:solidFill>
+              </a:ln>
+            </p:spPr>
+            <p:style>
+              <a:lnRef idx="2">
+                <a:schemeClr val="accent1">
+                  <a:lumMod val="75000"/>
+                </a:schemeClr>
+              </a:lnRef>
+              <a:fillRef idx="1">
+                <a:schemeClr val="accent1"/>
+              </a:fillRef>
+              <a:effectRef idx="0">
+                <a:srgbClr val="FFFFFF"/>
+              </a:effectRef>
+              <a:fontRef idx="minor">
+                <a:schemeClr val="lt1"/>
+              </a:fontRef>
+            </p:style>
+            <p:txBody>
+              <a:bodyPr rtlCol="0" anchor="ctr"/>
+              <a:p>
+                <a:pPr algn="ctr"/>
+                <a:r>
+                  <a:rPr lang="en-US" sz="1400">
+                    <a:ln/>
+                    <a:solidFill>
+                      <a:schemeClr val="tx1"/>
+                    </a:solidFill>
+                    <a:effectLst>
+                      <a:outerShdw blurRad="38100" dist="19050" dir="2700000" algn="tl" rotWithShape="0">
+                        <a:schemeClr val="dk1">
+                          <a:alpha val="40000"/>
+                        </a:schemeClr>
+                      </a:outerShdw>
+                    </a:effectLst>
+                  </a:rPr>
+                  <a:t>Mô hình client-server</a:t>
+                </a:r>
+                <a:endParaRPr lang="en-US" sz="1400">
+                  <a:ln/>
+                  <a:solidFill>
+                    <a:schemeClr val="tx1"/>
+                  </a:solidFill>
+                  <a:effectLst>
+                    <a:outerShdw blurRad="38100" dist="19050" dir="2700000" algn="tl" rotWithShape="0">
+                      <a:schemeClr val="dk1">
+                        <a:alpha val="40000"/>
+                      </a:schemeClr>
+                    </a:outerShdw>
+                  </a:effectLst>
+                </a:endParaRPr>
+              </a:p>
+            </p:txBody>
+          </p:sp>
+        </p:grpSp>
+        <p:grpSp>
+          <p:nvGrpSpPr>
+            <p:cNvPr id="45" name="Group 44"/>
+            <p:cNvGrpSpPr/>
+            <p:nvPr/>
+          </p:nvGrpSpPr>
+          <p:grpSpPr>
+            <a:xfrm>
+              <a:off x="4491" y="2371"/>
+              <a:ext cx="4304" cy="2292"/>
+              <a:chOff x="4491" y="2371"/>
+              <a:chExt cx="4304" cy="2292"/>
+            </a:xfrm>
+          </p:grpSpPr>
+          <p:cxnSp>
+            <p:nvCxnSpPr>
+              <p:cNvPr id="31" name="Straight Arrow Connector 30"/>
+              <p:cNvCxnSpPr>
+                <a:stCxn id="5" idx="3"/>
+              </p:cNvCxnSpPr>
+              <p:nvPr>
+                <p:custDataLst>
+                  <p:tags r:id="rId26"/>
+                </p:custDataLst>
+              </p:nvPr>
+            </p:nvCxnSpPr>
+            <p:spPr>
+              <a:xfrm>
+                <a:off x="4491" y="2371"/>
+                <a:ext cx="4304" cy="2292"/>
+              </a:xfrm>
+              <a:prstGeom prst="straightConnector1">
+                <a:avLst/>
+              </a:prstGeom>
+              <a:ln>
+                <a:headEnd type="arrow"/>
+                <a:tailEnd type="arrow"/>
+              </a:ln>
+            </p:spPr>
+            <p:style>
+              <a:lnRef idx="2">
+                <a:schemeClr val="accent1"/>
+              </a:lnRef>
+              <a:fillRef idx="0">
+                <a:srgbClr val="FFFFFF"/>
+              </a:fillRef>
+              <a:effectRef idx="0">
+                <a:srgbClr val="FFFFFF"/>
+              </a:effectRef>
+              <a:fontRef idx="minor">
+                <a:schemeClr val="tx1"/>
+              </a:fontRef>
+            </p:style>
+          </p:cxnSp>
+          <p:sp>
+            <p:nvSpPr>
+              <p:cNvPr id="38" name="Rounded Rectangle 37"/>
+              <p:cNvSpPr/>
+              <p:nvPr/>
+            </p:nvSpPr>
+            <p:spPr>
+              <a:xfrm>
+                <a:off x="5700" y="3183"/>
+                <a:ext cx="1526" cy="269"/>
+              </a:xfrm>
+              <a:prstGeom prst="roundRect">
+                <a:avLst/>
+              </a:prstGeom>
+              <a:solidFill>
+                <a:schemeClr val="bg1"/>
+              </a:solidFill>
+              <a:ln w="19050">
+                <a:solidFill>
+                  <a:srgbClr val="FFC000"/>
+                </a:solidFill>
+              </a:ln>
+            </p:spPr>
+            <p:style>
+              <a:lnRef idx="2">
+                <a:schemeClr val="accent1">
+                  <a:lumMod val="75000"/>
+                </a:schemeClr>
+              </a:lnRef>
+              <a:fillRef idx="1">
+                <a:schemeClr val="accent1"/>
+              </a:fillRef>
+              <a:effectRef idx="0">
+                <a:srgbClr val="FFFFFF"/>
+              </a:effectRef>
+              <a:fontRef idx="minor">
+                <a:schemeClr val="lt1"/>
+              </a:fontRef>
+            </p:style>
+            <p:txBody>
+              <a:bodyPr rtlCol="0" anchor="ctr"/>
+              <a:p>
+                <a:pPr algn="ctr"/>
+                <a:r>
+                  <a:rPr lang="en-US" sz="900">
+                    <a:ln/>
+                    <a:solidFill>
+                      <a:schemeClr val="tx1"/>
+                    </a:solidFill>
+                    <a:effectLst>
+                      <a:outerShdw blurRad="38100" dist="19050" dir="2700000" algn="tl" rotWithShape="0">
+                        <a:schemeClr val="dk1">
+                          <a:alpha val="40000"/>
+                        </a:schemeClr>
+                      </a:outerShdw>
+                    </a:effectLst>
+                  </a:rPr>
+                  <a:t>HTTP Request</a:t>
+                </a:r>
+                <a:endParaRPr lang="en-US" sz="900">
+                  <a:ln/>
+                  <a:solidFill>
+                    <a:schemeClr val="tx1"/>
+                  </a:solidFill>
+                  <a:effectLst>
+                    <a:outerShdw blurRad="38100" dist="19050" dir="2700000" algn="tl" rotWithShape="0">
+                      <a:schemeClr val="dk1">
+                        <a:alpha val="40000"/>
+                      </a:schemeClr>
+                    </a:outerShdw>
+                  </a:effectLst>
+                </a:endParaRPr>
+              </a:p>
+            </p:txBody>
+          </p:sp>
+        </p:grpSp>
+        <p:grpSp>
+          <p:nvGrpSpPr>
+            <p:cNvPr id="46" name="Group 45"/>
+            <p:cNvGrpSpPr/>
+            <p:nvPr/>
+          </p:nvGrpSpPr>
+          <p:grpSpPr>
+            <a:xfrm>
+              <a:off x="4098" y="4965"/>
+              <a:ext cx="4696" cy="842"/>
+              <a:chOff x="4098" y="4965"/>
+              <a:chExt cx="4696" cy="842"/>
+            </a:xfrm>
+          </p:grpSpPr>
+          <p:cxnSp>
+            <p:nvCxnSpPr>
+              <p:cNvPr id="32" name="Straight Arrow Connector 31"/>
+              <p:cNvCxnSpPr>
+                <a:stCxn id="6" idx="3"/>
+              </p:cNvCxnSpPr>
+              <p:nvPr>
+                <p:custDataLst>
+                  <p:tags r:id="rId27"/>
+                </p:custDataLst>
+              </p:nvPr>
+            </p:nvCxnSpPr>
+            <p:spPr>
+              <a:xfrm flipV="1">
+                <a:off x="4098" y="4965"/>
+                <a:ext cx="4697" cy="842"/>
+              </a:xfrm>
+              <a:prstGeom prst="straightConnector1">
+                <a:avLst/>
+              </a:prstGeom>
+              <a:ln>
+                <a:headEnd type="arrow"/>
+                <a:tailEnd type="arrow"/>
+              </a:ln>
+            </p:spPr>
+            <p:style>
+              <a:lnRef idx="2">
+                <a:schemeClr val="accent1"/>
+              </a:lnRef>
+              <a:fillRef idx="0">
+                <a:srgbClr val="FFFFFF"/>
+              </a:fillRef>
+              <a:effectRef idx="0">
+                <a:srgbClr val="FFFFFF"/>
+              </a:effectRef>
+              <a:fontRef idx="minor">
+                <a:schemeClr val="tx1"/>
+              </a:fontRef>
+            </p:style>
+          </p:cxnSp>
+          <p:sp>
+            <p:nvSpPr>
+              <p:cNvPr id="39" name="Rounded Rectangle 38"/>
+              <p:cNvSpPr/>
+              <p:nvPr>
+                <p:custDataLst>
+                  <p:tags r:id="rId28"/>
+                </p:custDataLst>
+              </p:nvPr>
+            </p:nvSpPr>
+            <p:spPr>
+              <a:xfrm>
+                <a:off x="5638" y="5209"/>
+                <a:ext cx="1526" cy="269"/>
+              </a:xfrm>
+              <a:prstGeom prst="roundRect">
+                <a:avLst/>
+              </a:prstGeom>
+              <a:solidFill>
+                <a:schemeClr val="bg1"/>
+              </a:solidFill>
+              <a:ln w="19050">
+                <a:solidFill>
+                  <a:srgbClr val="FFC000"/>
+                </a:solidFill>
+              </a:ln>
+            </p:spPr>
+            <p:style>
+              <a:lnRef idx="2">
+                <a:schemeClr val="accent1">
+                  <a:lumMod val="75000"/>
+                </a:schemeClr>
+              </a:lnRef>
+              <a:fillRef idx="1">
+                <a:schemeClr val="accent1"/>
+              </a:fillRef>
+              <a:effectRef idx="0">
+                <a:srgbClr val="FFFFFF"/>
+              </a:effectRef>
+              <a:fontRef idx="minor">
+                <a:schemeClr val="lt1"/>
+              </a:fontRef>
+            </p:style>
+            <p:txBody>
+              <a:bodyPr rtlCol="0" anchor="ctr"/>
+              <a:p>
+                <a:pPr algn="ctr"/>
+                <a:r>
+                  <a:rPr lang="en-US" sz="900">
+                    <a:solidFill>
+                      <a:schemeClr val="tx1"/>
+                    </a:solidFill>
+                    <a:effectLst>
+                      <a:outerShdw blurRad="38100" dist="19050" dir="2700000" algn="tl" rotWithShape="0">
+                        <a:schemeClr val="dk1">
+                          <a:alpha val="40000"/>
+                        </a:schemeClr>
+                      </a:outerShdw>
+                    </a:effectLst>
+                  </a:rPr>
+                  <a:t>HTTP Request</a:t>
+                </a:r>
+                <a:endParaRPr lang="en-US" sz="900">
+                  <a:solidFill>
+                    <a:schemeClr val="tx1"/>
+                  </a:solidFill>
+                  <a:effectLst>
+                    <a:outerShdw blurRad="38100" dist="19050" dir="2700000" algn="tl" rotWithShape="0">
+                      <a:schemeClr val="dk1">
+                        <a:alpha val="40000"/>
+                      </a:schemeClr>
+                    </a:outerShdw>
+                  </a:effectLst>
+                </a:endParaRPr>
+              </a:p>
+            </p:txBody>
+          </p:sp>
+        </p:grpSp>
+        <p:grpSp>
+          <p:nvGrpSpPr>
+            <p:cNvPr id="47" name="Group 46"/>
+            <p:cNvGrpSpPr/>
+            <p:nvPr/>
+          </p:nvGrpSpPr>
+          <p:grpSpPr>
+            <a:xfrm>
+              <a:off x="4923" y="5406"/>
+              <a:ext cx="3830" cy="2756"/>
+              <a:chOff x="4923" y="5406"/>
+              <a:chExt cx="3830" cy="2756"/>
+            </a:xfrm>
+          </p:grpSpPr>
+          <p:cxnSp>
+            <p:nvCxnSpPr>
+              <p:cNvPr id="33" name="Straight Arrow Connector 32"/>
+              <p:cNvCxnSpPr>
+                <a:stCxn id="7" idx="0"/>
+              </p:cNvCxnSpPr>
+              <p:nvPr>
+                <p:custDataLst>
+                  <p:tags r:id="rId29"/>
+                </p:custDataLst>
+              </p:nvPr>
+            </p:nvCxnSpPr>
+            <p:spPr>
+              <a:xfrm flipV="1">
+                <a:off x="4923" y="5406"/>
+                <a:ext cx="3830" cy="2757"/>
+              </a:xfrm>
+              <a:prstGeom prst="straightConnector1">
+                <a:avLst/>
+              </a:prstGeom>
+              <a:ln>
+                <a:headEnd type="arrow"/>
+                <a:tailEnd type="arrow"/>
+              </a:ln>
+            </p:spPr>
+            <p:style>
+              <a:lnRef idx="2">
+                <a:schemeClr val="accent1"/>
+              </a:lnRef>
+              <a:fillRef idx="0">
+                <a:srgbClr val="FFFFFF"/>
+              </a:fillRef>
+              <a:effectRef idx="0">
+                <a:srgbClr val="FFFFFF"/>
+              </a:effectRef>
+              <a:fontRef idx="minor">
+                <a:schemeClr val="tx1"/>
+              </a:fontRef>
+            </p:style>
+          </p:cxnSp>
+          <p:sp>
+            <p:nvSpPr>
+              <p:cNvPr id="40" name="Rounded Rectangle 39"/>
+              <p:cNvSpPr/>
+              <p:nvPr>
+                <p:custDataLst>
+                  <p:tags r:id="rId30"/>
+                </p:custDataLst>
+              </p:nvPr>
+            </p:nvSpPr>
+            <p:spPr>
+              <a:xfrm>
+                <a:off x="5853" y="6811"/>
+                <a:ext cx="1526" cy="269"/>
+              </a:xfrm>
+              <a:prstGeom prst="roundRect">
+                <a:avLst/>
+              </a:prstGeom>
+              <a:solidFill>
+                <a:schemeClr val="bg1"/>
+              </a:solidFill>
+              <a:ln w="19050">
+                <a:solidFill>
+                  <a:srgbClr val="FFC000"/>
+                </a:solidFill>
+              </a:ln>
+            </p:spPr>
+            <p:style>
+              <a:lnRef idx="2">
+                <a:schemeClr val="accent1">
+                  <a:lumMod val="75000"/>
+                </a:schemeClr>
+              </a:lnRef>
+              <a:fillRef idx="1">
+                <a:schemeClr val="accent1"/>
+              </a:fillRef>
+              <a:effectRef idx="0">
+                <a:srgbClr val="FFFFFF"/>
+              </a:effectRef>
+              <a:fontRef idx="minor">
+                <a:schemeClr val="lt1"/>
+              </a:fontRef>
+            </p:style>
+            <p:txBody>
+              <a:bodyPr rtlCol="0" anchor="ctr"/>
+              <a:p>
+                <a:pPr algn="ctr"/>
+                <a:r>
+                  <a:rPr lang="en-US" sz="900">
+                    <a:solidFill>
+                      <a:schemeClr val="tx1"/>
+                    </a:solidFill>
+                    <a:effectLst>
+                      <a:outerShdw blurRad="38100" dist="19050" dir="2700000" algn="tl" rotWithShape="0">
+                        <a:schemeClr val="dk1">
+                          <a:alpha val="40000"/>
+                        </a:schemeClr>
+                      </a:outerShdw>
+                    </a:effectLst>
+                  </a:rPr>
+                  <a:t>HTTP Request</a:t>
+                </a:r>
+                <a:endParaRPr lang="en-US" sz="900">
+                  <a:solidFill>
+                    <a:schemeClr val="tx1"/>
+                  </a:solidFill>
+                  <a:effectLst>
+                    <a:outerShdw blurRad="38100" dist="19050" dir="2700000" algn="tl" rotWithShape="0">
+                      <a:schemeClr val="dk1">
+                        <a:alpha val="40000"/>
+                      </a:schemeClr>
+                    </a:outerShdw>
+                  </a:effectLst>
+                </a:endParaRPr>
+              </a:p>
+            </p:txBody>
+          </p:sp>
+        </p:grpSp>
+        <p:grpSp>
+          <p:nvGrpSpPr>
+            <p:cNvPr id="44" name="Group 43"/>
+            <p:cNvGrpSpPr/>
+            <p:nvPr/>
+          </p:nvGrpSpPr>
+          <p:grpSpPr>
+            <a:xfrm>
+              <a:off x="7819" y="2452"/>
+              <a:ext cx="1526" cy="1728"/>
+              <a:chOff x="7819" y="2452"/>
+              <a:chExt cx="1526" cy="1728"/>
+            </a:xfrm>
+          </p:grpSpPr>
+          <p:cxnSp>
+            <p:nvCxnSpPr>
+              <p:cNvPr id="30" name="Straight Arrow Connector 29"/>
+              <p:cNvCxnSpPr>
+                <a:stCxn id="8" idx="2"/>
+              </p:cNvCxnSpPr>
+              <p:nvPr/>
+            </p:nvCxnSpPr>
+            <p:spPr>
+              <a:xfrm>
+                <a:off x="8274" y="2452"/>
+                <a:ext cx="878" cy="1729"/>
+              </a:xfrm>
+              <a:prstGeom prst="straightConnector1">
+                <a:avLst/>
+              </a:prstGeom>
+              <a:ln>
+                <a:headEnd type="arrow"/>
+                <a:tailEnd type="arrow"/>
+              </a:ln>
+            </p:spPr>
+            <p:style>
+              <a:lnRef idx="2">
+                <a:schemeClr val="accent1"/>
+              </a:lnRef>
+              <a:fillRef idx="0">
+                <a:srgbClr val="FFFFFF"/>
+              </a:fillRef>
+              <a:effectRef idx="0">
+                <a:srgbClr val="FFFFFF"/>
+              </a:effectRef>
+              <a:fontRef idx="minor">
+                <a:schemeClr val="tx1"/>
+              </a:fontRef>
+            </p:style>
+          </p:cxnSp>
+          <p:sp>
+            <p:nvSpPr>
+              <p:cNvPr id="41" name="Rounded Rectangle 40"/>
+              <p:cNvSpPr/>
+              <p:nvPr>
+                <p:custDataLst>
+                  <p:tags r:id="rId31"/>
+                </p:custDataLst>
+              </p:nvPr>
+            </p:nvSpPr>
+            <p:spPr>
+              <a:xfrm>
+                <a:off x="7819" y="2748"/>
+                <a:ext cx="1526" cy="269"/>
+              </a:xfrm>
+              <a:prstGeom prst="roundRect">
+                <a:avLst/>
+              </a:prstGeom>
+              <a:solidFill>
+                <a:schemeClr val="bg1"/>
+              </a:solidFill>
+              <a:ln w="19050">
+                <a:solidFill>
+                  <a:srgbClr val="FFC000"/>
+                </a:solidFill>
+              </a:ln>
+            </p:spPr>
+            <p:style>
+              <a:lnRef idx="2">
+                <a:schemeClr val="accent1">
+                  <a:lumMod val="75000"/>
+                </a:schemeClr>
+              </a:lnRef>
+              <a:fillRef idx="1">
+                <a:schemeClr val="accent1"/>
+              </a:fillRef>
+              <a:effectRef idx="0">
+                <a:srgbClr val="FFFFFF"/>
+              </a:effectRef>
+              <a:fontRef idx="minor">
+                <a:schemeClr val="lt1"/>
+              </a:fontRef>
+            </p:style>
+            <p:txBody>
+              <a:bodyPr rtlCol="0" anchor="ctr"/>
+              <a:p>
+                <a:pPr algn="ctr"/>
+                <a:r>
+                  <a:rPr lang="en-US" sz="900">
+                    <a:solidFill>
+                      <a:schemeClr val="tx1"/>
+                    </a:solidFill>
+                    <a:effectLst>
+                      <a:outerShdw blurRad="38100" dist="19050" dir="2700000" algn="tl" rotWithShape="0">
+                        <a:schemeClr val="dk1">
+                          <a:alpha val="40000"/>
+                        </a:schemeClr>
+                      </a:outerShdw>
+                    </a:effectLst>
+                  </a:rPr>
+                  <a:t>HTTP Request</a:t>
+                </a:r>
+                <a:endParaRPr lang="en-US" sz="900">
+                  <a:solidFill>
+                    <a:schemeClr val="tx1"/>
+                  </a:solidFill>
+                  <a:effectLst>
+                    <a:outerShdw blurRad="38100" dist="19050" dir="2700000" algn="tl" rotWithShape="0">
+                      <a:schemeClr val="dk1">
+                        <a:alpha val="40000"/>
+                      </a:schemeClr>
+                    </a:outerShdw>
+                  </a:effectLst>
+                </a:endParaRPr>
+              </a:p>
+            </p:txBody>
+          </p:sp>
+        </p:grpSp>
+        <p:grpSp>
+          <p:nvGrpSpPr>
+            <p:cNvPr id="43" name="Group 42"/>
+            <p:cNvGrpSpPr/>
+            <p:nvPr/>
+          </p:nvGrpSpPr>
+          <p:grpSpPr>
+            <a:xfrm>
+              <a:off x="10575" y="2262"/>
+              <a:ext cx="2227" cy="1946"/>
+              <a:chOff x="10575" y="2262"/>
+              <a:chExt cx="2227" cy="1946"/>
+            </a:xfrm>
+          </p:grpSpPr>
+          <p:cxnSp>
+            <p:nvCxnSpPr>
+              <p:cNvPr id="34" name="Straight Arrow Connector 33"/>
+              <p:cNvCxnSpPr>
+                <a:endCxn id="48" idx="1"/>
+              </p:cNvCxnSpPr>
+              <p:nvPr>
+                <p:custDataLst>
+                  <p:tags r:id="rId32"/>
+                </p:custDataLst>
+              </p:nvPr>
+            </p:nvCxnSpPr>
+            <p:spPr>
+              <a:xfrm flipV="1">
+                <a:off x="10575" y="2262"/>
+                <a:ext cx="2227" cy="1946"/>
+              </a:xfrm>
+              <a:prstGeom prst="straightConnector1">
+                <a:avLst/>
+              </a:prstGeom>
+              <a:ln>
+                <a:headEnd type="arrow"/>
+                <a:tailEnd type="arrow"/>
+              </a:ln>
+            </p:spPr>
+            <p:style>
+              <a:lnRef idx="2">
+                <a:schemeClr val="accent1"/>
+              </a:lnRef>
+              <a:fillRef idx="0">
+                <a:srgbClr val="FFFFFF"/>
+              </a:fillRef>
+              <a:effectRef idx="0">
+                <a:srgbClr val="FFFFFF"/>
+              </a:effectRef>
+              <a:fontRef idx="minor">
+                <a:schemeClr val="tx1"/>
+              </a:fontRef>
+            </p:style>
+          </p:cxnSp>
+          <p:sp>
+            <p:nvSpPr>
+              <p:cNvPr id="42" name="Rounded Rectangle 41"/>
+              <p:cNvSpPr/>
+              <p:nvPr>
+                <p:custDataLst>
+                  <p:tags r:id="rId33"/>
+                </p:custDataLst>
+              </p:nvPr>
+            </p:nvSpPr>
+            <p:spPr>
+              <a:xfrm>
+                <a:off x="10635" y="2945"/>
+                <a:ext cx="1526" cy="269"/>
+              </a:xfrm>
+              <a:prstGeom prst="roundRect">
+                <a:avLst/>
+              </a:prstGeom>
+              <a:solidFill>
+                <a:schemeClr val="bg1"/>
+              </a:solidFill>
+              <a:ln w="19050">
+                <a:solidFill>
+                  <a:srgbClr val="FFC000"/>
+                </a:solidFill>
+              </a:ln>
+            </p:spPr>
+            <p:style>
+              <a:lnRef idx="2">
+                <a:schemeClr val="accent1">
+                  <a:lumMod val="75000"/>
+                </a:schemeClr>
+              </a:lnRef>
+              <a:fillRef idx="1">
+                <a:schemeClr val="accent1"/>
+              </a:fillRef>
+              <a:effectRef idx="0">
+                <a:srgbClr val="FFFFFF"/>
+              </a:effectRef>
+              <a:fontRef idx="minor">
+                <a:schemeClr val="lt1"/>
+              </a:fontRef>
+            </p:style>
+            <p:txBody>
+              <a:bodyPr rtlCol="0" anchor="ctr"/>
+              <a:p>
+                <a:pPr algn="ctr"/>
+                <a:r>
+                  <a:rPr lang="en-US" sz="900">
+                    <a:solidFill>
+                      <a:schemeClr val="tx1"/>
+                    </a:solidFill>
+                    <a:effectLst>
+                      <a:outerShdw blurRad="38100" dist="19050" dir="2700000" algn="tl" rotWithShape="0">
+                        <a:schemeClr val="dk1">
+                          <a:alpha val="40000"/>
+                        </a:schemeClr>
+                      </a:outerShdw>
+                    </a:effectLst>
+                  </a:rPr>
+                  <a:t>HTTP Request</a:t>
+                </a:r>
+                <a:endParaRPr lang="en-US" sz="900">
+                  <a:solidFill>
+                    <a:schemeClr val="tx1"/>
+                  </a:solidFill>
+                  <a:effectLst>
+                    <a:outerShdw blurRad="38100" dist="19050" dir="2700000" algn="tl" rotWithShape="0">
+                      <a:schemeClr val="dk1">
+                        <a:alpha val="40000"/>
+                      </a:schemeClr>
+                    </a:outerShdw>
+                  </a:effectLst>
+                </a:endParaRPr>
+              </a:p>
+            </p:txBody>
+          </p:sp>
+        </p:grpSp>
+        <p:pic>
+          <p:nvPicPr>
+            <p:cNvPr id="48" name="Picture 47" descr="LogosChrome"/>
+            <p:cNvPicPr>
+              <a:picLocks noChangeAspect="1"/>
+            </p:cNvPicPr>
+            <p:nvPr>
+              <p:custDataLst>
+                <p:tags r:id="rId34"/>
+              </p:custDataLst>
+            </p:nvPr>
+          </p:nvPicPr>
+          <p:blipFill>
+            <a:blip r:embed="rId4">
+              <a:extLst>
+                <a:ext uri="{96DAC541-7B7A-43D3-8B79-37D633B846F1}">
+                  <asvg:svgBlip xmlns:asvg="http://schemas.microsoft.com/office/drawing/2016/SVG/main" r:embed="rId5"/>
+                </a:ext>
+              </a:extLst>
+            </a:blip>
+            <a:stretch>
+              <a:fillRect/>
+            </a:stretch>
+          </p:blipFill>
+          <p:spPr>
+            <a:xfrm>
+              <a:off x="12802" y="2022"/>
+              <a:ext cx="480" cy="480"/>
+            </a:xfrm>
+            <a:prstGeom prst="rect">
+              <a:avLst/>
+            </a:prstGeom>
+          </p:spPr>
+        </p:pic>
+        <p:pic>
+          <p:nvPicPr>
+            <p:cNvPr id="49" name="Picture 48" descr="LogosFirefox"/>
+            <p:cNvPicPr>
+              <a:picLocks noChangeAspect="1"/>
+            </p:cNvPicPr>
+            <p:nvPr>
+              <p:custDataLst>
+                <p:tags r:id="rId35"/>
+              </p:custDataLst>
+            </p:nvPr>
+          </p:nvPicPr>
+          <p:blipFill>
+            <a:blip r:embed="rId6">
+              <a:extLst>
+                <a:ext uri="{96DAC541-7B7A-43D3-8B79-37D633B846F1}">
+                  <asvg:svgBlip xmlns:asvg="http://schemas.microsoft.com/office/drawing/2016/SVG/main" r:embed="rId7"/>
+                </a:ext>
+              </a:extLst>
+            </a:blip>
+            <a:stretch>
+              <a:fillRect/>
+            </a:stretch>
+          </p:blipFill>
+          <p:spPr>
+            <a:xfrm>
+              <a:off x="13523" y="2022"/>
+              <a:ext cx="450" cy="480"/>
+            </a:xfrm>
+            <a:prstGeom prst="rect">
+              <a:avLst/>
+            </a:prstGeom>
+          </p:spPr>
+        </p:pic>
+        <p:cxnSp>
+          <p:nvCxnSpPr>
+            <p:cNvPr id="50" name="Straight Arrow Connector 49"/>
+            <p:cNvCxnSpPr>
+              <a:endCxn id="49" idx="2"/>
+            </p:cNvCxnSpPr>
+            <p:nvPr>
+              <p:custDataLst>
+                <p:tags r:id="rId36"/>
+              </p:custDataLst>
+            </p:nvPr>
+          </p:nvCxnSpPr>
+          <p:spPr>
+            <a:xfrm flipV="1">
+              <a:off x="10775" y="2502"/>
+              <a:ext cx="2973" cy="1906"/>
+            </a:xfrm>
+            <a:prstGeom prst="straightConnector1">
+              <a:avLst/>
+            </a:prstGeom>
+            <a:ln>
+              <a:headEnd type="arrow"/>
+              <a:tailEnd type="arrow"/>
+            </a:ln>
+          </p:spPr>
+          <p:style>
+            <a:lnRef idx="2">
+              <a:schemeClr val="accent1"/>
+            </a:lnRef>
+            <a:fillRef idx="0">
+              <a:srgbClr val="FFFFFF"/>
+            </a:fillRef>
+            <a:effectRef idx="0">
+              <a:srgbClr val="FFFFFF"/>
+            </a:effectRef>
+            <a:fontRef idx="minor">
+              <a:schemeClr val="tx1"/>
+            </a:fontRef>
+          </p:style>
+        </p:cxnSp>
+        <p:sp>
+          <p:nvSpPr>
+            <p:cNvPr id="51" name="Rounded Rectangle 50"/>
+            <p:cNvSpPr/>
+            <p:nvPr>
+              <p:custDataLst>
+                <p:tags r:id="rId37"/>
+              </p:custDataLst>
+            </p:nvPr>
+          </p:nvSpPr>
+          <p:spPr>
+            <a:xfrm>
+              <a:off x="12857" y="2754"/>
+              <a:ext cx="1526" cy="269"/>
+            </a:xfrm>
+            <a:prstGeom prst="roundRect">
+              <a:avLst/>
+            </a:prstGeom>
+            <a:solidFill>
+              <a:schemeClr val="bg1"/>
+            </a:solidFill>
+            <a:ln w="19050">
+              <a:solidFill>
+                <a:srgbClr val="FFC000"/>
+              </a:solidFill>
+            </a:ln>
+          </p:spPr>
+          <p:style>
+            <a:lnRef idx="2">
+              <a:schemeClr val="accent1">
+                <a:lumMod val="75000"/>
+              </a:schemeClr>
+            </a:lnRef>
+            <a:fillRef idx="1">
+              <a:schemeClr val="accent1"/>
+            </a:fillRef>
+            <a:effectRef idx="0">
+              <a:srgbClr val="FFFFFF"/>
+            </a:effectRef>
+            <a:fontRef idx="minor">
+              <a:schemeClr val="lt1"/>
+            </a:fontRef>
+          </p:style>
+          <p:txBody>
+            <a:bodyPr rtlCol="0" anchor="ctr"/>
+            <a:p>
+              <a:pPr algn="ctr"/>
+              <a:r>
+                <a:rPr lang="en-US" sz="900">
+                  <a:solidFill>
+                    <a:schemeClr val="tx1"/>
+                  </a:solidFill>
+                  <a:effectLst>
+                    <a:outerShdw blurRad="38100" dist="19050" dir="2700000" algn="tl" rotWithShape="0">
+                      <a:schemeClr val="dk1">
+                        <a:alpha val="40000"/>
+                      </a:schemeClr>
+                    </a:outerShdw>
+                  </a:effectLst>
+                </a:rPr>
+                <a:t>HTTP Request</a:t>
+              </a:r>
+              <a:endParaRPr lang="en-US" sz="900">
+                <a:solidFill>
+                  <a:schemeClr val="tx1"/>
+                </a:solidFill>
+                <a:effectLst>
+                  <a:outerShdw blurRad="38100" dist="19050" dir="2700000" algn="tl" rotWithShape="0">
+                    <a:schemeClr val="dk1">
+                      <a:alpha val="40000"/>
+                    </a:schemeClr>
+                  </a:outerShdw>
+                </a:effectLst>
+              </a:endParaRPr>
+            </a:p>
+          </p:txBody>
+        </p:sp>
+      </p:grpSp>
+    </p:spTree>
+  </p:cSld>
+  <p:clrMapOvr>
+    <a:masterClrMapping/>
+  </p:clrMapOvr>
+</p:sld>
+</file>
+
+<file path=ppt/slides/slide4.xml><?xml version="1.0" encoding="utf-8"?>
+<p:sld xmlns:a="http://schemas.openxmlformats.org/drawingml/2006/main" xmlns:r="http://schemas.openxmlformats.org/officeDocument/2006/relationships" xmlns:p="http://schemas.openxmlformats.org/presentationml/2006/main">
+  <p:cSld>
+    <p:spTree>
+      <p:nvGrpSpPr>
+        <p:cNvPr id="1" name=""/>
+        <p:cNvGrpSpPr/>
+        <p:nvPr/>
+      </p:nvGrpSpPr>
+      <p:grpSpPr/>
+      <p:grpSp>
+        <p:nvGrpSpPr>
+          <p:cNvPr id="52" name="Group 51"/>
+          <p:cNvGrpSpPr/>
+          <p:nvPr/>
+        </p:nvGrpSpPr>
+        <p:grpSpPr>
+          <a:xfrm>
+            <a:off x="942975" y="0"/>
+            <a:ext cx="8700135" cy="6420485"/>
+            <a:chOff x="1485" y="0"/>
+            <a:chExt cx="13701" cy="10111"/>
+          </a:xfrm>
+        </p:grpSpPr>
+        <p:pic>
+          <p:nvPicPr>
+            <p:cNvPr id="27" name="Picture 26" descr="Inside_Network-1024x759"/>
+            <p:cNvPicPr>
+              <a:picLocks noChangeAspect="1"/>
+            </p:cNvPicPr>
+            <p:nvPr/>
+          </p:nvPicPr>
+          <p:blipFill>
+            <a:blip r:embed="rId1">
+              <a:biLevel thresh="50000"/>
+              <a:lum bright="96000"/>
+            </a:blip>
+            <a:stretch>
+              <a:fillRect/>
+            </a:stretch>
+          </p:blipFill>
+          <p:spPr>
+            <a:xfrm>
+              <a:off x="1485" y="819"/>
+              <a:ext cx="12536" cy="9292"/>
+            </a:xfrm>
+            <a:prstGeom prst="rect">
+              <a:avLst/>
+            </a:prstGeom>
+            <a:ln>
+              <a:noFill/>
+            </a:ln>
+          </p:spPr>
+        </p:pic>
+        <p:grpSp>
+          <p:nvGrpSpPr>
+            <p:cNvPr id="23" name="Group 22"/>
+            <p:cNvGrpSpPr/>
+            <p:nvPr/>
+          </p:nvGrpSpPr>
+          <p:grpSpPr>
+            <a:xfrm>
+              <a:off x="1485" y="4936"/>
+              <a:ext cx="2612" cy="1742"/>
+              <a:chOff x="885" y="4936"/>
+              <a:chExt cx="2612" cy="1742"/>
+            </a:xfrm>
+          </p:grpSpPr>
+          <p:pic>
+            <p:nvPicPr>
+              <p:cNvPr id="6" name="Picture 5" descr="Devices-cuate"/>
+              <p:cNvPicPr>
+                <a:picLocks noChangeAspect="1"/>
+              </p:cNvPicPr>
+              <p:nvPr/>
+            </p:nvPicPr>
+            <p:blipFill>
+              <a:blip r:embed="rId2">
+                <a:extLst>
+                  <a:ext uri="{96DAC541-7B7A-43D3-8B79-37D633B846F1}">
+                    <asvg:svgBlip xmlns:asvg="http://schemas.microsoft.com/office/drawing/2016/SVG/main" r:embed="rId3"/>
+                  </a:ext>
+                </a:extLst>
+              </a:blip>
+              <a:stretch>
+                <a:fillRect/>
+              </a:stretch>
+            </p:blipFill>
+            <p:spPr>
+              <a:xfrm>
+                <a:off x="885" y="4936"/>
+                <a:ext cx="2613" cy="1742"/>
+              </a:xfrm>
+              <a:prstGeom prst="rect">
+                <a:avLst/>
+              </a:prstGeom>
+            </p:spPr>
+          </p:pic>
+          <p:pic>
+            <p:nvPicPr>
+              <p:cNvPr id="16" name="Picture 15" descr="LogosChrome"/>
+              <p:cNvPicPr>
+                <a:picLocks noChangeAspect="1"/>
+              </p:cNvPicPr>
+              <p:nvPr/>
+            </p:nvPicPr>
+            <p:blipFill>
+              <a:blip r:embed="rId4">
+                <a:extLst>
+                  <a:ext uri="{96DAC541-7B7A-43D3-8B79-37D633B846F1}">
+                    <asvg:svgBlip xmlns:asvg="http://schemas.microsoft.com/office/drawing/2016/SVG/main" r:embed="rId5"/>
+                  </a:ext>
+                </a:extLst>
+              </a:blip>
+              <a:stretch>
+                <a:fillRect/>
+              </a:stretch>
+            </p:blipFill>
+            <p:spPr>
+              <a:xfrm>
+                <a:off x="1251" y="5103"/>
+                <a:ext cx="480" cy="480"/>
+              </a:xfrm>
+              <a:prstGeom prst="rect">
+                <a:avLst/>
+              </a:prstGeom>
+            </p:spPr>
+          </p:pic>
+          <p:pic>
+            <p:nvPicPr>
+              <p:cNvPr id="17" name="Picture 16" descr="LogosFirefox"/>
+              <p:cNvPicPr>
+                <a:picLocks noChangeAspect="1"/>
+              </p:cNvPicPr>
+              <p:nvPr/>
+            </p:nvPicPr>
+            <p:blipFill>
+              <a:blip r:embed="rId6">
+                <a:extLst>
+                  <a:ext uri="{96DAC541-7B7A-43D3-8B79-37D633B846F1}">
+                    <asvg:svgBlip xmlns:asvg="http://schemas.microsoft.com/office/drawing/2016/SVG/main" r:embed="rId7"/>
+                  </a:ext>
+                </a:extLst>
+              </a:blip>
+              <a:stretch>
+                <a:fillRect/>
+              </a:stretch>
+            </p:blipFill>
+            <p:spPr>
+              <a:xfrm>
+                <a:off x="1035" y="6063"/>
+                <a:ext cx="450" cy="480"/>
+              </a:xfrm>
+              <a:prstGeom prst="rect">
+                <a:avLst/>
+              </a:prstGeom>
+            </p:spPr>
+          </p:pic>
+          <p:pic>
+            <p:nvPicPr>
+              <p:cNvPr id="18" name="Picture 17" descr="LogosSafari"/>
+              <p:cNvPicPr>
+                <a:picLocks noChangeAspect="1"/>
+              </p:cNvPicPr>
+              <p:nvPr/>
+            </p:nvPicPr>
+            <p:blipFill>
+              <a:blip r:embed="rId8">
+                <a:extLst>
+                  <a:ext uri="{96DAC541-7B7A-43D3-8B79-37D633B846F1}">
+                    <asvg:svgBlip xmlns:asvg="http://schemas.microsoft.com/office/drawing/2016/SVG/main" r:embed="rId9"/>
+                  </a:ext>
+                </a:extLst>
+              </a:blip>
+              <a:stretch>
+                <a:fillRect/>
+              </a:stretch>
+            </p:blipFill>
+            <p:spPr>
+              <a:xfrm>
+                <a:off x="2571" y="5103"/>
+                <a:ext cx="480" cy="480"/>
+              </a:xfrm>
+              <a:prstGeom prst="rect">
+                <a:avLst/>
+              </a:prstGeom>
+            </p:spPr>
+          </p:pic>
+        </p:grpSp>
+        <p:grpSp>
+          <p:nvGrpSpPr>
+            <p:cNvPr id="24" name="Group 23"/>
+            <p:cNvGrpSpPr/>
+            <p:nvPr/>
+          </p:nvGrpSpPr>
+          <p:grpSpPr>
+            <a:xfrm>
+              <a:off x="2331" y="1291"/>
+              <a:ext cx="2160" cy="2160"/>
+              <a:chOff x="1731" y="1131"/>
+              <a:chExt cx="2160" cy="2160"/>
+            </a:xfrm>
+          </p:grpSpPr>
+          <p:pic>
+            <p:nvPicPr>
+              <p:cNvPr id="5" name="Picture 4" descr="Mobile login-bro"/>
+              <p:cNvPicPr>
+                <a:picLocks noChangeAspect="1"/>
+              </p:cNvPicPr>
+              <p:nvPr/>
+            </p:nvPicPr>
+            <p:blipFill>
+              <a:blip r:embed="rId10">
+                <a:extLst>
+                  <a:ext uri="{96DAC541-7B7A-43D3-8B79-37D633B846F1}">
+                    <asvg:svgBlip xmlns:asvg="http://schemas.microsoft.com/office/drawing/2016/SVG/main" r:embed="rId11"/>
+                  </a:ext>
+                </a:extLst>
+              </a:blip>
+              <a:stretch>
+                <a:fillRect/>
+              </a:stretch>
+            </p:blipFill>
+            <p:spPr>
+              <a:xfrm>
+                <a:off x="1731" y="1131"/>
+                <a:ext cx="2160" cy="2160"/>
+              </a:xfrm>
+              <a:prstGeom prst="rect">
+                <a:avLst/>
+              </a:prstGeom>
+            </p:spPr>
+          </p:pic>
+          <p:pic>
+            <p:nvPicPr>
+              <p:cNvPr id="19" name="Picture 18" descr="LogosChrome"/>
+              <p:cNvPicPr>
+                <a:picLocks noChangeAspect="1"/>
+              </p:cNvPicPr>
+              <p:nvPr>
+                <p:custDataLst>
+                  <p:tags r:id="rId12"/>
+                </p:custDataLst>
+              </p:nvPr>
+            </p:nvPicPr>
+            <p:blipFill>
+              <a:blip r:embed="rId4">
+                <a:extLst>
+                  <a:ext uri="{96DAC541-7B7A-43D3-8B79-37D633B846F1}">
+                    <asvg:svgBlip xmlns:asvg="http://schemas.microsoft.com/office/drawing/2016/SVG/main" r:embed="rId5"/>
+                  </a:ext>
+                </a:extLst>
+              </a:blip>
+              <a:stretch>
+                <a:fillRect/>
+              </a:stretch>
+            </p:blipFill>
+            <p:spPr>
+              <a:xfrm>
+                <a:off x="3018" y="1131"/>
+                <a:ext cx="480" cy="480"/>
+              </a:xfrm>
+              <a:prstGeom prst="rect">
+                <a:avLst/>
+              </a:prstGeom>
+            </p:spPr>
+          </p:pic>
+        </p:grpSp>
+        <p:grpSp>
+          <p:nvGrpSpPr>
+            <p:cNvPr id="22" name="Group 21"/>
+            <p:cNvGrpSpPr/>
+            <p:nvPr/>
+          </p:nvGrpSpPr>
+          <p:grpSpPr>
+            <a:xfrm>
+              <a:off x="3992" y="8163"/>
+              <a:ext cx="1860" cy="1860"/>
+              <a:chOff x="4584" y="8163"/>
+              <a:chExt cx="1860" cy="1860"/>
+            </a:xfrm>
+          </p:grpSpPr>
+          <p:pic>
+            <p:nvPicPr>
+              <p:cNvPr id="7" name="Picture 6" descr="Mobile inbox-pana"/>
+              <p:cNvPicPr>
+                <a:picLocks noChangeAspect="1"/>
+              </p:cNvPicPr>
+              <p:nvPr/>
+            </p:nvPicPr>
+            <p:blipFill>
+              <a:blip r:embed="rId13">
+                <a:extLst>
+                  <a:ext uri="{96DAC541-7B7A-43D3-8B79-37D633B846F1}">
+                    <asvg:svgBlip xmlns:asvg="http://schemas.microsoft.com/office/drawing/2016/SVG/main" r:embed="rId14"/>
+                  </a:ext>
+                </a:extLst>
+              </a:blip>
+              <a:stretch>
+                <a:fillRect/>
+              </a:stretch>
+            </p:blipFill>
+            <p:spPr>
+              <a:xfrm>
+                <a:off x="4584" y="8163"/>
+                <a:ext cx="1861" cy="1861"/>
+              </a:xfrm>
+              <a:prstGeom prst="rect">
+                <a:avLst/>
+              </a:prstGeom>
+            </p:spPr>
+          </p:pic>
+          <p:pic>
+            <p:nvPicPr>
+              <p:cNvPr id="20" name="Picture 19" descr="LogosFirefox"/>
+              <p:cNvPicPr>
+                <a:picLocks noChangeAspect="1"/>
+              </p:cNvPicPr>
+              <p:nvPr>
+                <p:custDataLst>
+                  <p:tags r:id="rId15"/>
+                </p:custDataLst>
+              </p:nvPr>
+            </p:nvPicPr>
+            <p:blipFill>
+              <a:blip r:embed="rId6">
+                <a:extLst>
+                  <a:ext uri="{96DAC541-7B7A-43D3-8B79-37D633B846F1}">
+                    <asvg:svgBlip xmlns:asvg="http://schemas.microsoft.com/office/drawing/2016/SVG/main" r:embed="rId7"/>
+                  </a:ext>
+                </a:extLst>
+              </a:blip>
+              <a:stretch>
+                <a:fillRect/>
+              </a:stretch>
+            </p:blipFill>
+            <p:spPr>
+              <a:xfrm>
+                <a:off x="4826" y="8163"/>
+                <a:ext cx="450" cy="480"/>
+              </a:xfrm>
+              <a:prstGeom prst="rect">
+                <a:avLst/>
+              </a:prstGeom>
+            </p:spPr>
+          </p:pic>
+        </p:grpSp>
+        <p:grpSp>
+          <p:nvGrpSpPr>
+            <p:cNvPr id="25" name="Group 24"/>
+            <p:cNvGrpSpPr/>
+            <p:nvPr/>
+          </p:nvGrpSpPr>
+          <p:grpSpPr>
+            <a:xfrm>
+              <a:off x="7048" y="0"/>
+              <a:ext cx="2452" cy="2452"/>
+              <a:chOff x="7309" y="0"/>
+              <a:chExt cx="2452" cy="2452"/>
+            </a:xfrm>
+          </p:grpSpPr>
+          <p:pic>
+            <p:nvPicPr>
+              <p:cNvPr id="8" name="Picture 7" descr="Security On-pana"/>
+              <p:cNvPicPr>
+                <a:picLocks noChangeAspect="1"/>
+              </p:cNvPicPr>
+              <p:nvPr/>
+            </p:nvPicPr>
+            <p:blipFill>
+              <a:blip r:embed="rId16">
+                <a:extLst>
+                  <a:ext uri="{96DAC541-7B7A-43D3-8B79-37D633B846F1}">
+                    <asvg:svgBlip xmlns:asvg="http://schemas.microsoft.com/office/drawing/2016/SVG/main" r:embed="rId17"/>
+                  </a:ext>
+                </a:extLst>
+              </a:blip>
+              <a:stretch>
+                <a:fillRect/>
+              </a:stretch>
+            </p:blipFill>
+            <p:spPr>
+              <a:xfrm>
+                <a:off x="7309" y="0"/>
+                <a:ext cx="2452" cy="2452"/>
+              </a:xfrm>
+              <a:prstGeom prst="rect">
+                <a:avLst/>
+              </a:prstGeom>
+            </p:spPr>
+          </p:pic>
+          <p:pic>
+            <p:nvPicPr>
+              <p:cNvPr id="21" name="Picture 20" descr="LogosSafari"/>
+              <p:cNvPicPr>
+                <a:picLocks noChangeAspect="1"/>
+              </p:cNvPicPr>
+              <p:nvPr>
+                <p:custDataLst>
+                  <p:tags r:id="rId18"/>
+                </p:custDataLst>
+              </p:nvPr>
+            </p:nvPicPr>
+            <p:blipFill>
+              <a:blip r:embed="rId8">
+                <a:extLst>
+                  <a:ext uri="{96DAC541-7B7A-43D3-8B79-37D633B846F1}">
+                    <asvg:svgBlip xmlns:asvg="http://schemas.microsoft.com/office/drawing/2016/SVG/main" r:embed="rId9"/>
+                  </a:ext>
+                </a:extLst>
+              </a:blip>
+              <a:stretch>
+                <a:fillRect/>
+              </a:stretch>
+            </p:blipFill>
+            <p:spPr>
+              <a:xfrm>
+                <a:off x="7834" y="819"/>
+                <a:ext cx="480" cy="480"/>
+              </a:xfrm>
+              <a:prstGeom prst="rect">
+                <a:avLst/>
+              </a:prstGeom>
+            </p:spPr>
+          </p:pic>
+        </p:grpSp>
+        <p:pic>
+          <p:nvPicPr>
+            <p:cNvPr id="26" name="Picture 25" descr="Computer login-pana"/>
+            <p:cNvPicPr>
+              <a:picLocks noChangeAspect="1"/>
+            </p:cNvPicPr>
+            <p:nvPr/>
+          </p:nvPicPr>
+          <p:blipFill>
+            <a:blip r:embed="rId19">
+              <a:extLst>
+                <a:ext uri="{96DAC541-7B7A-43D3-8B79-37D633B846F1}">
+                  <asvg:svgBlip xmlns:asvg="http://schemas.microsoft.com/office/drawing/2016/SVG/main" r:embed="rId20"/>
+                </a:ext>
+              </a:extLst>
+            </a:blip>
+            <a:stretch>
+              <a:fillRect/>
+            </a:stretch>
+          </p:blipFill>
+          <p:spPr>
+            <a:xfrm>
+              <a:off x="11658" y="484"/>
+              <a:ext cx="2951" cy="1968"/>
+            </a:xfrm>
+            <a:prstGeom prst="rect">
+              <a:avLst/>
+            </a:prstGeom>
+          </p:spPr>
+        </p:pic>
+        <p:grpSp>
+          <p:nvGrpSpPr>
+            <p:cNvPr id="37" name="Group 36"/>
+            <p:cNvGrpSpPr/>
+            <p:nvPr/>
+          </p:nvGrpSpPr>
+          <p:grpSpPr>
+            <a:xfrm>
+              <a:off x="8374" y="3183"/>
+              <a:ext cx="6813" cy="3986"/>
+              <a:chOff x="8374" y="3183"/>
+              <a:chExt cx="6813" cy="3986"/>
+            </a:xfrm>
+          </p:grpSpPr>
+          <p:sp>
+            <p:nvSpPr>
+              <p:cNvPr id="36" name="Rounded Rectangle 35"/>
+              <p:cNvSpPr/>
+              <p:nvPr/>
+            </p:nvSpPr>
+            <p:spPr>
+              <a:xfrm>
+                <a:off x="8374" y="3308"/>
+                <a:ext cx="6618" cy="3503"/>
+              </a:xfrm>
+              <a:prstGeom prst="roundRect">
+                <a:avLst/>
+              </a:prstGeom>
+              <a:solidFill>
+                <a:schemeClr val="bg1">
+                  <a:lumMod val="95000"/>
+                </a:schemeClr>
+              </a:solidFill>
+              <a:ln w="19050">
+                <a:solidFill>
+                  <a:srgbClr val="FFC000"/>
+                </a:solidFill>
+              </a:ln>
+            </p:spPr>
+            <p:style>
+              <a:lnRef idx="2">
+                <a:schemeClr val="accent1">
+                  <a:lumMod val="75000"/>
+                </a:schemeClr>
+              </a:lnRef>
+              <a:fillRef idx="1">
+                <a:schemeClr val="accent1"/>
+              </a:fillRef>
+              <a:effectRef idx="0">
+                <a:srgbClr val="FFFFFF"/>
+              </a:effectRef>
+              <a:fontRef idx="minor">
+                <a:schemeClr val="lt1"/>
+              </a:fontRef>
+            </p:style>
+            <p:txBody>
+              <a:bodyPr rtlCol="0" anchor="ctr"/>
+              <a:p>
+                <a:pPr algn="ctr"/>
+                <a:endParaRPr lang="en-US" sz="1400">
+                  <a:solidFill>
+                    <a:schemeClr val="tx1"/>
+                  </a:solidFill>
+                  <a:effectLst>
+                    <a:outerShdw blurRad="38100" dist="19050" dir="2700000" algn="tl" rotWithShape="0">
+                      <a:schemeClr val="dk1">
+                        <a:alpha val="40000"/>
+                      </a:schemeClr>
+                    </a:outerShdw>
+                  </a:effectLst>
+                </a:endParaRPr>
+              </a:p>
+            </p:txBody>
+          </p:sp>
+          <p:grpSp>
+            <p:nvGrpSpPr>
+              <p:cNvPr id="15" name="Group 14"/>
+              <p:cNvGrpSpPr/>
+              <p:nvPr/>
+            </p:nvGrpSpPr>
+            <p:grpSpPr>
+              <a:xfrm>
+                <a:off x="8505" y="3183"/>
+                <a:ext cx="6683" cy="3262"/>
+                <a:chOff x="6126" y="3291"/>
+                <a:chExt cx="6683" cy="3262"/>
+              </a:xfrm>
+            </p:grpSpPr>
+            <p:pic>
+              <p:nvPicPr>
+                <p:cNvPr id="2" name="Picture 1" descr="Memory storage-bro"/>
+                <p:cNvPicPr>
+                  <a:picLocks noChangeAspect="1"/>
+                </p:cNvPicPr>
+                <p:nvPr/>
+              </p:nvPicPr>
+              <p:blipFill>
+                <a:blip r:embed="rId21">
+                  <a:extLst>
+                    <a:ext uri="{96DAC541-7B7A-43D3-8B79-37D633B846F1}">
+                      <asvg:svgBlip xmlns:asvg="http://schemas.microsoft.com/office/drawing/2016/SVG/main" r:embed="rId22"/>
+                    </a:ext>
+                  </a:extLst>
+                </a:blip>
+                <a:stretch>
+                  <a:fillRect/>
+                </a:stretch>
+              </p:blipFill>
+              <p:spPr>
+                <a:xfrm>
+                  <a:off x="6126" y="3291"/>
+                  <a:ext cx="2880" cy="2880"/>
+                </a:xfrm>
+                <a:prstGeom prst="rect">
+                  <a:avLst/>
+                </a:prstGeom>
+              </p:spPr>
+            </p:pic>
+            <p:pic>
+              <p:nvPicPr>
+                <p:cNvPr id="9" name="Picture 8" descr="Secure Server-bro"/>
+                <p:cNvPicPr>
+                  <a:picLocks noChangeAspect="1"/>
+                </p:cNvPicPr>
+                <p:nvPr/>
+              </p:nvPicPr>
+              <p:blipFill>
+                <a:blip r:embed="rId23">
+                  <a:extLst>
+                    <a:ext uri="{96DAC541-7B7A-43D3-8B79-37D633B846F1}">
+                      <asvg:svgBlip xmlns:asvg="http://schemas.microsoft.com/office/drawing/2016/SVG/main" r:embed="rId24"/>
+                    </a:ext>
+                  </a:extLst>
+                </a:blip>
+                <a:stretch>
+                  <a:fillRect/>
+                </a:stretch>
+              </p:blipFill>
+              <p:spPr>
+                <a:xfrm>
+                  <a:off x="9929" y="3382"/>
+                  <a:ext cx="2880" cy="2880"/>
+                </a:xfrm>
+                <a:prstGeom prst="rect">
+                  <a:avLst/>
+                </a:prstGeom>
+              </p:spPr>
+            </p:pic>
+            <p:sp>
+              <p:nvSpPr>
+                <p:cNvPr id="10" name="Left-Right Arrow 9"/>
+                <p:cNvSpPr/>
+                <p:nvPr/>
+              </p:nvSpPr>
+              <p:spPr>
+                <a:xfrm>
+                  <a:off x="9006" y="4623"/>
+                  <a:ext cx="1125" cy="402"/>
+                </a:xfrm>
+                <a:prstGeom prst="leftRightArrow">
+                  <a:avLst/>
+                </a:prstGeom>
+                <a:noFill/>
+                <a:ln w="38100">
+                  <a:solidFill>
+                    <a:schemeClr val="bg2">
+                      <a:lumMod val="75000"/>
+                    </a:schemeClr>
+                  </a:solidFill>
+                </a:ln>
+              </p:spPr>
+              <p:style>
+                <a:lnRef idx="2">
+                  <a:schemeClr val="accent1">
+                    <a:lumMod val="75000"/>
+                  </a:schemeClr>
+                </a:lnRef>
+                <a:fillRef idx="1">
+                  <a:schemeClr val="accent1"/>
+                </a:fillRef>
+                <a:effectRef idx="0">
+                  <a:srgbClr val="FFFFFF"/>
+                </a:effectRef>
+                <a:fontRef idx="minor">
+                  <a:schemeClr val="lt1"/>
+                </a:fontRef>
+              </p:style>
+              <p:txBody>
+                <a:bodyPr rtlCol="0" anchor="ctr"/>
+                <a:p>
+                  <a:pPr algn="ctr"/>
+                  <a:endParaRPr lang="en-US"/>
+                </a:p>
+              </p:txBody>
+            </p:sp>
+            <p:sp>
+              <p:nvSpPr>
+                <p:cNvPr id="11" name="Rounded Rectangle 10"/>
+                <p:cNvSpPr/>
+                <p:nvPr/>
+              </p:nvSpPr>
+              <p:spPr>
+                <a:xfrm>
+                  <a:off x="6249" y="6063"/>
+                  <a:ext cx="2635" cy="490"/>
+                </a:xfrm>
+                <a:prstGeom prst="roundRect">
+                  <a:avLst>
+                    <a:gd name="adj" fmla="val 50000"/>
+                  </a:avLst>
+                </a:prstGeom>
+                <a:noFill/>
+                <a:ln w="19050">
+                  <a:solidFill>
+                    <a:srgbClr val="FFC000"/>
+                  </a:solidFill>
+                </a:ln>
+              </p:spPr>
+              <p:style>
+                <a:lnRef idx="2">
+                  <a:schemeClr val="accent1">
+                    <a:lumMod val="75000"/>
+                  </a:schemeClr>
+                </a:lnRef>
+                <a:fillRef idx="1">
+                  <a:schemeClr val="accent1"/>
+                </a:fillRef>
+                <a:effectRef idx="0">
+                  <a:srgbClr val="FFFFFF"/>
+                </a:effectRef>
+                <a:fontRef idx="minor">
+                  <a:schemeClr val="lt1"/>
+                </a:fontRef>
+              </p:style>
+              <p:txBody>
+                <a:bodyPr rtlCol="0" anchor="ctr"/>
+                <a:p>
+                  <a:pPr algn="ctr"/>
+                  <a:r>
+                    <a:rPr lang="en-US" sz="1400">
+                      <a:solidFill>
+                        <a:schemeClr val="tx1"/>
+                      </a:solidFill>
+                      <a:effectLst>
+                        <a:outerShdw blurRad="38100" dist="19050" dir="2700000" algn="tl" rotWithShape="0">
+                          <a:schemeClr val="dk1">
+                            <a:alpha val="40000"/>
+                          </a:schemeClr>
+                        </a:outerShdw>
+                      </a:effectLst>
+                    </a:rPr>
+                    <a:t>PHP Server</a:t>
+                  </a:r>
+                  <a:endParaRPr lang="en-US" sz="1400">
+                    <a:solidFill>
+                      <a:schemeClr val="tx1"/>
+                    </a:solidFill>
+                    <a:effectLst>
+                      <a:outerShdw blurRad="38100" dist="19050" dir="2700000" algn="tl" rotWithShape="0">
+                        <a:schemeClr val="dk1">
+                          <a:alpha val="40000"/>
+                        </a:schemeClr>
+                      </a:outerShdw>
+                    </a:effectLst>
+                  </a:endParaRPr>
+                </a:p>
+              </p:txBody>
+            </p:sp>
+            <p:sp>
+              <p:nvSpPr>
+                <p:cNvPr id="12" name="Rounded Rectangle 11"/>
+                <p:cNvSpPr/>
+                <p:nvPr>
+                  <p:custDataLst>
+                    <p:tags r:id="rId25"/>
+                  </p:custDataLst>
+                </p:nvPr>
+              </p:nvSpPr>
+              <p:spPr>
+                <a:xfrm>
+                  <a:off x="10423" y="6063"/>
+                  <a:ext cx="1893" cy="490"/>
+                </a:xfrm>
+                <a:prstGeom prst="roundRect">
+                  <a:avLst>
+                    <a:gd name="adj" fmla="val 50000"/>
+                  </a:avLst>
+                </a:prstGeom>
+                <a:noFill/>
+                <a:ln w="19050">
+                  <a:solidFill>
+                    <a:srgbClr val="FFC000"/>
+                  </a:solidFill>
+                </a:ln>
+              </p:spPr>
+              <p:style>
+                <a:lnRef idx="2">
+                  <a:schemeClr val="accent1">
+                    <a:lumMod val="75000"/>
+                  </a:schemeClr>
+                </a:lnRef>
+                <a:fillRef idx="1">
+                  <a:schemeClr val="accent1"/>
+                </a:fillRef>
+                <a:effectRef idx="0">
+                  <a:srgbClr val="FFFFFF"/>
+                </a:effectRef>
+                <a:fontRef idx="minor">
+                  <a:schemeClr val="lt1"/>
+                </a:fontRef>
+              </p:style>
+              <p:txBody>
+                <a:bodyPr rtlCol="0" anchor="ctr"/>
+                <a:p>
+                  <a:pPr algn="ctr"/>
+                  <a:r>
+                    <a:rPr lang="en-US" sz="1400">
+                      <a:solidFill>
+                        <a:schemeClr val="tx1"/>
+                      </a:solidFill>
+                      <a:effectLst>
+                        <a:outerShdw blurRad="38100" dist="19050" dir="2700000" algn="tl" rotWithShape="0">
+                          <a:schemeClr val="dk1">
+                            <a:alpha val="40000"/>
+                          </a:schemeClr>
+                        </a:outerShdw>
+                      </a:effectLst>
+                    </a:rPr>
+                    <a:t>DB Server</a:t>
+                  </a:r>
+                  <a:endParaRPr lang="en-US" sz="1400">
+                    <a:solidFill>
+                      <a:schemeClr val="tx1"/>
+                    </a:solidFill>
+                    <a:effectLst>
+                      <a:outerShdw blurRad="38100" dist="19050" dir="2700000" algn="tl" rotWithShape="0">
+                        <a:schemeClr val="dk1">
+                          <a:alpha val="40000"/>
+                        </a:schemeClr>
+                      </a:outerShdw>
+                    </a:effectLst>
+                  </a:endParaRPr>
+                </a:p>
+              </p:txBody>
+            </p:sp>
+          </p:grpSp>
+          <p:sp>
+            <p:nvSpPr>
+              <p:cNvPr id="35" name="Rounded Rectangle 34"/>
+              <p:cNvSpPr/>
+              <p:nvPr/>
+            </p:nvSpPr>
+            <p:spPr>
+              <a:xfrm>
+                <a:off x="10377" y="6561"/>
+                <a:ext cx="2962" cy="609"/>
+              </a:xfrm>
+              <a:prstGeom prst="roundRect">
+                <a:avLst/>
+              </a:prstGeom>
+              <a:solidFill>
+                <a:schemeClr val="bg2"/>
+              </a:solidFill>
+              <a:ln w="19050">
+                <a:solidFill>
+                  <a:srgbClr val="FFC000"/>
+                </a:solidFill>
+              </a:ln>
+            </p:spPr>
+            <p:style>
+              <a:lnRef idx="2">
+                <a:schemeClr val="accent1">
+                  <a:lumMod val="75000"/>
+                </a:schemeClr>
+              </a:lnRef>
+              <a:fillRef idx="1">
+                <a:schemeClr val="accent1"/>
+              </a:fillRef>
+              <a:effectRef idx="0">
+                <a:srgbClr val="FFFFFF"/>
+              </a:effectRef>
+              <a:fontRef idx="minor">
+                <a:schemeClr val="lt1"/>
+              </a:fontRef>
+            </p:style>
+            <p:txBody>
+              <a:bodyPr rtlCol="0" anchor="ctr"/>
+              <a:p>
+                <a:pPr algn="ctr"/>
+                <a:r>
+                  <a:rPr lang="en-US" sz="1400">
+                    <a:solidFill>
+                      <a:schemeClr val="tx1"/>
+                    </a:solidFill>
+                    <a:effectLst>
+                      <a:outerShdw blurRad="38100" dist="19050" dir="2700000" algn="tl" rotWithShape="0">
+                        <a:schemeClr val="dk1">
+                          <a:alpha val="40000"/>
+                        </a:schemeClr>
+                      </a:outerShdw>
+                    </a:effectLst>
+                  </a:rPr>
+                  <a:t>Mô hình client-server</a:t>
+                </a:r>
+                <a:endParaRPr lang="en-US" sz="1400">
+                  <a:solidFill>
+                    <a:schemeClr val="tx1"/>
+                  </a:solidFill>
+                  <a:effectLst>
+                    <a:outerShdw blurRad="38100" dist="19050" dir="2700000" algn="tl" rotWithShape="0">
+                      <a:schemeClr val="dk1">
+                        <a:alpha val="40000"/>
+                      </a:schemeClr>
+                    </a:outerShdw>
+                  </a:effectLst>
+                </a:endParaRPr>
+              </a:p>
+            </p:txBody>
+          </p:sp>
+        </p:grpSp>
+        <p:grpSp>
+          <p:nvGrpSpPr>
+            <p:cNvPr id="45" name="Group 44"/>
+            <p:cNvGrpSpPr/>
+            <p:nvPr/>
+          </p:nvGrpSpPr>
+          <p:grpSpPr>
+            <a:xfrm>
+              <a:off x="4491" y="2371"/>
+              <a:ext cx="4304" cy="2292"/>
+              <a:chOff x="4491" y="2371"/>
+              <a:chExt cx="4304" cy="2292"/>
+            </a:xfrm>
+          </p:grpSpPr>
+          <p:cxnSp>
+            <p:nvCxnSpPr>
+              <p:cNvPr id="31" name="Straight Arrow Connector 30"/>
+              <p:cNvCxnSpPr>
+                <a:stCxn id="5" idx="3"/>
+              </p:cNvCxnSpPr>
+              <p:nvPr>
+                <p:custDataLst>
+                  <p:tags r:id="rId26"/>
+                </p:custDataLst>
+              </p:nvPr>
+            </p:nvCxnSpPr>
+            <p:spPr>
+              <a:xfrm>
+                <a:off x="4491" y="2371"/>
+                <a:ext cx="4304" cy="2292"/>
+              </a:xfrm>
+              <a:prstGeom prst="straightConnector1">
+                <a:avLst/>
+              </a:prstGeom>
+              <a:ln>
+                <a:headEnd type="arrow"/>
+                <a:tailEnd type="arrow"/>
+              </a:ln>
+            </p:spPr>
+            <p:style>
+              <a:lnRef idx="2">
+                <a:schemeClr val="accent1"/>
+              </a:lnRef>
+              <a:fillRef idx="0">
+                <a:srgbClr val="FFFFFF"/>
+              </a:fillRef>
+              <a:effectRef idx="0">
+                <a:srgbClr val="FFFFFF"/>
+              </a:effectRef>
+              <a:fontRef idx="minor">
+                <a:schemeClr val="tx1"/>
+              </a:fontRef>
+            </p:style>
+          </p:cxnSp>
+          <p:sp>
+            <p:nvSpPr>
+              <p:cNvPr id="38" name="Rounded Rectangle 37"/>
+              <p:cNvSpPr/>
+              <p:nvPr/>
+            </p:nvSpPr>
+            <p:spPr>
+              <a:xfrm>
+                <a:off x="5700" y="3183"/>
+                <a:ext cx="1526" cy="269"/>
+              </a:xfrm>
+              <a:prstGeom prst="roundRect">
+                <a:avLst/>
+              </a:prstGeom>
+              <a:solidFill>
+                <a:schemeClr val="bg1"/>
+              </a:solidFill>
+              <a:ln w="19050">
+                <a:solidFill>
+                  <a:srgbClr val="FFC000"/>
+                </a:solidFill>
+              </a:ln>
+            </p:spPr>
+            <p:style>
+              <a:lnRef idx="2">
+                <a:schemeClr val="accent1">
+                  <a:lumMod val="75000"/>
+                </a:schemeClr>
+              </a:lnRef>
+              <a:fillRef idx="1">
+                <a:schemeClr val="accent1"/>
+              </a:fillRef>
+              <a:effectRef idx="0">
+                <a:srgbClr val="FFFFFF"/>
+              </a:effectRef>
+              <a:fontRef idx="minor">
+                <a:schemeClr val="lt1"/>
+              </a:fontRef>
+            </p:style>
+            <p:txBody>
+              <a:bodyPr rtlCol="0" anchor="ctr"/>
+              <a:p>
+                <a:pPr algn="ctr"/>
+                <a:r>
+                  <a:rPr lang="en-US" sz="900">
+                    <a:solidFill>
+                      <a:schemeClr val="tx1"/>
+                    </a:solidFill>
+                    <a:effectLst>
+                      <a:outerShdw blurRad="38100" dist="19050" dir="2700000" algn="tl" rotWithShape="0">
+                        <a:schemeClr val="dk1">
+                          <a:alpha val="40000"/>
+                        </a:schemeClr>
+                      </a:outerShdw>
+                    </a:effectLst>
+                  </a:rPr>
+                  <a:t>HTTP Request</a:t>
+                </a:r>
+                <a:endParaRPr lang="en-US" sz="900">
+                  <a:solidFill>
+                    <a:schemeClr val="tx1"/>
+                  </a:solidFill>
+                  <a:effectLst>
+                    <a:outerShdw blurRad="38100" dist="19050" dir="2700000" algn="tl" rotWithShape="0">
+                      <a:schemeClr val="dk1">
+                        <a:alpha val="40000"/>
+                      </a:schemeClr>
+                    </a:outerShdw>
+                  </a:effectLst>
+                </a:endParaRPr>
+              </a:p>
+            </p:txBody>
+          </p:sp>
+        </p:grpSp>
+        <p:grpSp>
+          <p:nvGrpSpPr>
+            <p:cNvPr id="46" name="Group 45"/>
+            <p:cNvGrpSpPr/>
+            <p:nvPr/>
+          </p:nvGrpSpPr>
+          <p:grpSpPr>
+            <a:xfrm>
+              <a:off x="4098" y="4965"/>
+              <a:ext cx="4696" cy="842"/>
+              <a:chOff x="4098" y="4965"/>
+              <a:chExt cx="4696" cy="842"/>
+            </a:xfrm>
+          </p:grpSpPr>
+          <p:cxnSp>
+            <p:nvCxnSpPr>
+              <p:cNvPr id="32" name="Straight Arrow Connector 31"/>
+              <p:cNvCxnSpPr>
+                <a:stCxn id="6" idx="3"/>
+              </p:cNvCxnSpPr>
+              <p:nvPr>
+                <p:custDataLst>
+                  <p:tags r:id="rId27"/>
+                </p:custDataLst>
+              </p:nvPr>
+            </p:nvCxnSpPr>
+            <p:spPr>
+              <a:xfrm flipV="1">
+                <a:off x="4098" y="4965"/>
+                <a:ext cx="4697" cy="842"/>
+              </a:xfrm>
+              <a:prstGeom prst="straightConnector1">
+                <a:avLst/>
+              </a:prstGeom>
+              <a:ln>
+                <a:headEnd type="arrow"/>
+                <a:tailEnd type="arrow"/>
+              </a:ln>
+            </p:spPr>
+            <p:style>
+              <a:lnRef idx="2">
+                <a:schemeClr val="accent1"/>
+              </a:lnRef>
+              <a:fillRef idx="0">
+                <a:srgbClr val="FFFFFF"/>
+              </a:fillRef>
+              <a:effectRef idx="0">
+                <a:srgbClr val="FFFFFF"/>
+              </a:effectRef>
+              <a:fontRef idx="minor">
+                <a:schemeClr val="tx1"/>
+              </a:fontRef>
+            </p:style>
+          </p:cxnSp>
+          <p:sp>
+            <p:nvSpPr>
+              <p:cNvPr id="39" name="Rounded Rectangle 38"/>
+              <p:cNvSpPr/>
+              <p:nvPr>
+                <p:custDataLst>
+                  <p:tags r:id="rId28"/>
+                </p:custDataLst>
+              </p:nvPr>
+            </p:nvSpPr>
+            <p:spPr>
+              <a:xfrm>
+                <a:off x="5638" y="5209"/>
+                <a:ext cx="1526" cy="269"/>
+              </a:xfrm>
+              <a:prstGeom prst="roundRect">
+                <a:avLst/>
+              </a:prstGeom>
+              <a:solidFill>
+                <a:schemeClr val="bg1"/>
+              </a:solidFill>
+              <a:ln w="19050">
+                <a:solidFill>
+                  <a:srgbClr val="FFC000"/>
+                </a:solidFill>
+              </a:ln>
+            </p:spPr>
+            <p:style>
+              <a:lnRef idx="2">
+                <a:schemeClr val="accent1">
+                  <a:lumMod val="75000"/>
+                </a:schemeClr>
+              </a:lnRef>
+              <a:fillRef idx="1">
+                <a:schemeClr val="accent1"/>
+              </a:fillRef>
+              <a:effectRef idx="0">
+                <a:srgbClr val="FFFFFF"/>
+              </a:effectRef>
+              <a:fontRef idx="minor">
+                <a:schemeClr val="lt1"/>
+              </a:fontRef>
+            </p:style>
+            <p:txBody>
+              <a:bodyPr rtlCol="0" anchor="ctr"/>
+              <a:p>
+                <a:pPr algn="ctr"/>
+                <a:r>
+                  <a:rPr lang="en-US" sz="900">
+                    <a:solidFill>
+                      <a:schemeClr val="tx1"/>
+                    </a:solidFill>
+                    <a:effectLst>
+                      <a:outerShdw blurRad="38100" dist="19050" dir="2700000" algn="tl" rotWithShape="0">
+                        <a:schemeClr val="dk1">
+                          <a:alpha val="40000"/>
+                        </a:schemeClr>
+                      </a:outerShdw>
+                    </a:effectLst>
+                  </a:rPr>
+                  <a:t>HTTP Request</a:t>
+                </a:r>
+                <a:endParaRPr lang="en-US" sz="900">
+                  <a:solidFill>
+                    <a:schemeClr val="tx1"/>
+                  </a:solidFill>
+                  <a:effectLst>
+                    <a:outerShdw blurRad="38100" dist="19050" dir="2700000" algn="tl" rotWithShape="0">
+                      <a:schemeClr val="dk1">
+                        <a:alpha val="40000"/>
+                      </a:schemeClr>
+                    </a:outerShdw>
+                  </a:effectLst>
+                </a:endParaRPr>
+              </a:p>
+            </p:txBody>
+          </p:sp>
+        </p:grpSp>
+        <p:grpSp>
+          <p:nvGrpSpPr>
+            <p:cNvPr id="47" name="Group 46"/>
+            <p:cNvGrpSpPr/>
+            <p:nvPr/>
+          </p:nvGrpSpPr>
+          <p:grpSpPr>
+            <a:xfrm>
+              <a:off x="4923" y="5406"/>
+              <a:ext cx="3830" cy="2756"/>
+              <a:chOff x="4923" y="5406"/>
+              <a:chExt cx="3830" cy="2756"/>
+            </a:xfrm>
+          </p:grpSpPr>
+          <p:cxnSp>
+            <p:nvCxnSpPr>
+              <p:cNvPr id="33" name="Straight Arrow Connector 32"/>
+              <p:cNvCxnSpPr>
+                <a:stCxn id="7" idx="0"/>
+              </p:cNvCxnSpPr>
+              <p:nvPr>
+                <p:custDataLst>
+                  <p:tags r:id="rId29"/>
+                </p:custDataLst>
+              </p:nvPr>
+            </p:nvCxnSpPr>
+            <p:spPr>
+              <a:xfrm flipV="1">
+                <a:off x="4923" y="5406"/>
+                <a:ext cx="3830" cy="2757"/>
+              </a:xfrm>
+              <a:prstGeom prst="straightConnector1">
+                <a:avLst/>
+              </a:prstGeom>
+              <a:ln>
+                <a:headEnd type="arrow"/>
+                <a:tailEnd type="arrow"/>
+              </a:ln>
+            </p:spPr>
+            <p:style>
+              <a:lnRef idx="2">
+                <a:schemeClr val="accent1"/>
+              </a:lnRef>
+              <a:fillRef idx="0">
+                <a:srgbClr val="FFFFFF"/>
+              </a:fillRef>
+              <a:effectRef idx="0">
+                <a:srgbClr val="FFFFFF"/>
+              </a:effectRef>
+              <a:fontRef idx="minor">
+                <a:schemeClr val="tx1"/>
+              </a:fontRef>
+            </p:style>
+          </p:cxnSp>
+          <p:sp>
+            <p:nvSpPr>
+              <p:cNvPr id="40" name="Rounded Rectangle 39"/>
+              <p:cNvSpPr/>
+              <p:nvPr>
+                <p:custDataLst>
+                  <p:tags r:id="rId30"/>
+                </p:custDataLst>
+              </p:nvPr>
+            </p:nvSpPr>
+            <p:spPr>
+              <a:xfrm>
+                <a:off x="5853" y="6811"/>
+                <a:ext cx="1526" cy="269"/>
+              </a:xfrm>
+              <a:prstGeom prst="roundRect">
+                <a:avLst/>
+              </a:prstGeom>
+              <a:solidFill>
+                <a:schemeClr val="bg1"/>
+              </a:solidFill>
+              <a:ln w="19050">
+                <a:solidFill>
+                  <a:srgbClr val="FFC000"/>
+                </a:solidFill>
+              </a:ln>
+            </p:spPr>
+            <p:style>
+              <a:lnRef idx="2">
+                <a:schemeClr val="accent1">
+                  <a:lumMod val="75000"/>
+                </a:schemeClr>
+              </a:lnRef>
+              <a:fillRef idx="1">
+                <a:schemeClr val="accent1"/>
+              </a:fillRef>
+              <a:effectRef idx="0">
+                <a:srgbClr val="FFFFFF"/>
+              </a:effectRef>
+              <a:fontRef idx="minor">
+                <a:schemeClr val="lt1"/>
+              </a:fontRef>
+            </p:style>
+            <p:txBody>
+              <a:bodyPr rtlCol="0" anchor="ctr"/>
+              <a:p>
+                <a:pPr algn="ctr"/>
+                <a:r>
+                  <a:rPr lang="en-US" sz="900">
+                    <a:solidFill>
+                      <a:schemeClr val="tx1"/>
+                    </a:solidFill>
+                    <a:effectLst>
+                      <a:outerShdw blurRad="38100" dist="19050" dir="2700000" algn="tl" rotWithShape="0">
+                        <a:schemeClr val="dk1">
+                          <a:alpha val="40000"/>
+                        </a:schemeClr>
+                      </a:outerShdw>
+                    </a:effectLst>
+                  </a:rPr>
+                  <a:t>HTTP Request</a:t>
+                </a:r>
+                <a:endParaRPr lang="en-US" sz="900">
+                  <a:solidFill>
+                    <a:schemeClr val="tx1"/>
+                  </a:solidFill>
+                  <a:effectLst>
+                    <a:outerShdw blurRad="38100" dist="19050" dir="2700000" algn="tl" rotWithShape="0">
+                      <a:schemeClr val="dk1">
+                        <a:alpha val="40000"/>
+                      </a:schemeClr>
+                    </a:outerShdw>
+                  </a:effectLst>
+                </a:endParaRPr>
+              </a:p>
+            </p:txBody>
+          </p:sp>
+        </p:grpSp>
+        <p:grpSp>
+          <p:nvGrpSpPr>
+            <p:cNvPr id="44" name="Group 43"/>
+            <p:cNvGrpSpPr/>
+            <p:nvPr/>
+          </p:nvGrpSpPr>
+          <p:grpSpPr>
+            <a:xfrm>
+              <a:off x="7819" y="2452"/>
+              <a:ext cx="1526" cy="1728"/>
+              <a:chOff x="7819" y="2452"/>
+              <a:chExt cx="1526" cy="1728"/>
+            </a:xfrm>
+          </p:grpSpPr>
+          <p:cxnSp>
+            <p:nvCxnSpPr>
+              <p:cNvPr id="30" name="Straight Arrow Connector 29"/>
+              <p:cNvCxnSpPr>
+                <a:stCxn id="8" idx="2"/>
+              </p:cNvCxnSpPr>
+              <p:nvPr/>
+            </p:nvCxnSpPr>
+            <p:spPr>
+              <a:xfrm>
+                <a:off x="8274" y="2452"/>
+                <a:ext cx="878" cy="1729"/>
+              </a:xfrm>
+              <a:prstGeom prst="straightConnector1">
+                <a:avLst/>
+              </a:prstGeom>
+              <a:ln>
+                <a:headEnd type="arrow"/>
+                <a:tailEnd type="arrow"/>
+              </a:ln>
+            </p:spPr>
+            <p:style>
+              <a:lnRef idx="2">
+                <a:schemeClr val="accent1"/>
+              </a:lnRef>
+              <a:fillRef idx="0">
+                <a:srgbClr val="FFFFFF"/>
+              </a:fillRef>
+              <a:effectRef idx="0">
+                <a:srgbClr val="FFFFFF"/>
+              </a:effectRef>
+              <a:fontRef idx="minor">
+                <a:schemeClr val="tx1"/>
+              </a:fontRef>
+            </p:style>
+          </p:cxnSp>
+          <p:sp>
+            <p:nvSpPr>
+              <p:cNvPr id="41" name="Rounded Rectangle 40"/>
+              <p:cNvSpPr/>
+              <p:nvPr>
+                <p:custDataLst>
+                  <p:tags r:id="rId31"/>
+                </p:custDataLst>
+              </p:nvPr>
+            </p:nvSpPr>
+            <p:spPr>
+              <a:xfrm>
+                <a:off x="7819" y="2748"/>
+                <a:ext cx="1526" cy="269"/>
+              </a:xfrm>
+              <a:prstGeom prst="roundRect">
+                <a:avLst/>
+              </a:prstGeom>
+              <a:solidFill>
+                <a:schemeClr val="bg1"/>
+              </a:solidFill>
+              <a:ln w="19050">
+                <a:solidFill>
+                  <a:srgbClr val="FFC000"/>
+                </a:solidFill>
+              </a:ln>
+            </p:spPr>
+            <p:style>
+              <a:lnRef idx="2">
+                <a:schemeClr val="accent1">
+                  <a:lumMod val="75000"/>
+                </a:schemeClr>
+              </a:lnRef>
+              <a:fillRef idx="1">
+                <a:schemeClr val="accent1"/>
+              </a:fillRef>
+              <a:effectRef idx="0">
+                <a:srgbClr val="FFFFFF"/>
+              </a:effectRef>
+              <a:fontRef idx="minor">
+                <a:schemeClr val="lt1"/>
+              </a:fontRef>
+            </p:style>
+            <p:txBody>
+              <a:bodyPr rtlCol="0" anchor="ctr"/>
+              <a:p>
+                <a:pPr algn="ctr"/>
+                <a:r>
+                  <a:rPr lang="en-US" sz="900">
+                    <a:solidFill>
+                      <a:schemeClr val="tx1"/>
+                    </a:solidFill>
+                    <a:effectLst>
+                      <a:outerShdw blurRad="38100" dist="19050" dir="2700000" algn="tl" rotWithShape="0">
+                        <a:schemeClr val="dk1">
+                          <a:alpha val="40000"/>
+                        </a:schemeClr>
+                      </a:outerShdw>
+                    </a:effectLst>
+                  </a:rPr>
+                  <a:t>HTTP Request</a:t>
+                </a:r>
+                <a:endParaRPr lang="en-US" sz="900">
+                  <a:solidFill>
+                    <a:schemeClr val="tx1"/>
+                  </a:solidFill>
+                  <a:effectLst>
+                    <a:outerShdw blurRad="38100" dist="19050" dir="2700000" algn="tl" rotWithShape="0">
+                      <a:schemeClr val="dk1">
+                        <a:alpha val="40000"/>
+                      </a:schemeClr>
+                    </a:outerShdw>
+                  </a:effectLst>
+                </a:endParaRPr>
+              </a:p>
+            </p:txBody>
+          </p:sp>
+        </p:grpSp>
+        <p:grpSp>
+          <p:nvGrpSpPr>
+            <p:cNvPr id="43" name="Group 42"/>
+            <p:cNvGrpSpPr/>
+            <p:nvPr/>
+          </p:nvGrpSpPr>
+          <p:grpSpPr>
+            <a:xfrm>
+              <a:off x="10575" y="2262"/>
+              <a:ext cx="2227" cy="1946"/>
+              <a:chOff x="10575" y="2262"/>
+              <a:chExt cx="2227" cy="1946"/>
+            </a:xfrm>
+          </p:grpSpPr>
+          <p:cxnSp>
+            <p:nvCxnSpPr>
+              <p:cNvPr id="34" name="Straight Arrow Connector 33"/>
+              <p:cNvCxnSpPr>
+                <a:endCxn id="48" idx="1"/>
+              </p:cNvCxnSpPr>
+              <p:nvPr>
+                <p:custDataLst>
+                  <p:tags r:id="rId32"/>
+                </p:custDataLst>
+              </p:nvPr>
+            </p:nvCxnSpPr>
+            <p:spPr>
+              <a:xfrm flipV="1">
+                <a:off x="10575" y="2262"/>
+                <a:ext cx="2227" cy="1946"/>
+              </a:xfrm>
+              <a:prstGeom prst="straightConnector1">
+                <a:avLst/>
+              </a:prstGeom>
+              <a:ln>
+                <a:headEnd type="arrow"/>
+                <a:tailEnd type="arrow"/>
+              </a:ln>
+            </p:spPr>
+            <p:style>
+              <a:lnRef idx="2">
+                <a:schemeClr val="accent1"/>
+              </a:lnRef>
+              <a:fillRef idx="0">
+                <a:srgbClr val="FFFFFF"/>
+              </a:fillRef>
+              <a:effectRef idx="0">
+                <a:srgbClr val="FFFFFF"/>
+              </a:effectRef>
+              <a:fontRef idx="minor">
+                <a:schemeClr val="tx1"/>
+              </a:fontRef>
+            </p:style>
+          </p:cxnSp>
+          <p:sp>
+            <p:nvSpPr>
+              <p:cNvPr id="42" name="Rounded Rectangle 41"/>
+              <p:cNvSpPr/>
+              <p:nvPr>
+                <p:custDataLst>
+                  <p:tags r:id="rId33"/>
+                </p:custDataLst>
+              </p:nvPr>
+            </p:nvSpPr>
+            <p:spPr>
+              <a:xfrm>
+                <a:off x="10635" y="2945"/>
+                <a:ext cx="1526" cy="269"/>
+              </a:xfrm>
+              <a:prstGeom prst="roundRect">
+                <a:avLst/>
+              </a:prstGeom>
+              <a:solidFill>
+                <a:schemeClr val="bg1"/>
+              </a:solidFill>
+              <a:ln w="19050">
+                <a:solidFill>
+                  <a:srgbClr val="FFC000"/>
+                </a:solidFill>
+              </a:ln>
+            </p:spPr>
+            <p:style>
+              <a:lnRef idx="2">
+                <a:schemeClr val="accent1">
+                  <a:lumMod val="75000"/>
+                </a:schemeClr>
+              </a:lnRef>
+              <a:fillRef idx="1">
+                <a:schemeClr val="accent1"/>
+              </a:fillRef>
+              <a:effectRef idx="0">
+                <a:srgbClr val="FFFFFF"/>
+              </a:effectRef>
+              <a:fontRef idx="minor">
+                <a:schemeClr val="lt1"/>
+              </a:fontRef>
+            </p:style>
+            <p:txBody>
+              <a:bodyPr rtlCol="0" anchor="ctr"/>
+              <a:p>
+                <a:pPr algn="ctr"/>
+                <a:r>
+                  <a:rPr lang="en-US" sz="900">
+                    <a:solidFill>
+                      <a:schemeClr val="tx1"/>
+                    </a:solidFill>
+                    <a:effectLst>
+                      <a:outerShdw blurRad="38100" dist="19050" dir="2700000" algn="tl" rotWithShape="0">
+                        <a:schemeClr val="dk1">
+                          <a:alpha val="40000"/>
+                        </a:schemeClr>
+                      </a:outerShdw>
+                    </a:effectLst>
+                  </a:rPr>
+                  <a:t>HTTP Request</a:t>
+                </a:r>
+                <a:endParaRPr lang="en-US" sz="900">
+                  <a:solidFill>
+                    <a:schemeClr val="tx1"/>
+                  </a:solidFill>
+                  <a:effectLst>
+                    <a:outerShdw blurRad="38100" dist="19050" dir="2700000" algn="tl" rotWithShape="0">
+                      <a:schemeClr val="dk1">
+                        <a:alpha val="40000"/>
+                      </a:schemeClr>
+                    </a:outerShdw>
+                  </a:effectLst>
+                </a:endParaRPr>
+              </a:p>
+            </p:txBody>
+          </p:sp>
+        </p:grpSp>
+        <p:pic>
+          <p:nvPicPr>
+            <p:cNvPr id="48" name="Picture 47" descr="LogosChrome"/>
+            <p:cNvPicPr>
+              <a:picLocks noChangeAspect="1"/>
+            </p:cNvPicPr>
+            <p:nvPr>
+              <p:custDataLst>
+                <p:tags r:id="rId34"/>
+              </p:custDataLst>
+            </p:nvPr>
+          </p:nvPicPr>
+          <p:blipFill>
+            <a:blip r:embed="rId4">
+              <a:extLst>
+                <a:ext uri="{96DAC541-7B7A-43D3-8B79-37D633B846F1}">
+                  <asvg:svgBlip xmlns:asvg="http://schemas.microsoft.com/office/drawing/2016/SVG/main" r:embed="rId5"/>
+                </a:ext>
+              </a:extLst>
+            </a:blip>
+            <a:stretch>
+              <a:fillRect/>
+            </a:stretch>
+          </p:blipFill>
+          <p:spPr>
+            <a:xfrm>
+              <a:off x="12802" y="2022"/>
+              <a:ext cx="480" cy="480"/>
+            </a:xfrm>
+            <a:prstGeom prst="rect">
+              <a:avLst/>
+            </a:prstGeom>
+          </p:spPr>
+        </p:pic>
+        <p:pic>
+          <p:nvPicPr>
+            <p:cNvPr id="49" name="Picture 48" descr="LogosFirefox"/>
+            <p:cNvPicPr>
+              <a:picLocks noChangeAspect="1"/>
+            </p:cNvPicPr>
+            <p:nvPr>
+              <p:custDataLst>
+                <p:tags r:id="rId35"/>
+              </p:custDataLst>
+            </p:nvPr>
+          </p:nvPicPr>
+          <p:blipFill>
+            <a:blip r:embed="rId6">
+              <a:extLst>
+                <a:ext uri="{96DAC541-7B7A-43D3-8B79-37D633B846F1}">
+                  <asvg:svgBlip xmlns:asvg="http://schemas.microsoft.com/office/drawing/2016/SVG/main" r:embed="rId7"/>
+                </a:ext>
+              </a:extLst>
+            </a:blip>
+            <a:stretch>
+              <a:fillRect/>
+            </a:stretch>
+          </p:blipFill>
+          <p:spPr>
+            <a:xfrm>
+              <a:off x="13523" y="2022"/>
+              <a:ext cx="450" cy="480"/>
+            </a:xfrm>
+            <a:prstGeom prst="rect">
+              <a:avLst/>
+            </a:prstGeom>
+          </p:spPr>
+        </p:pic>
+        <p:cxnSp>
+          <p:nvCxnSpPr>
+            <p:cNvPr id="50" name="Straight Arrow Connector 49"/>
+            <p:cNvCxnSpPr>
+              <a:endCxn id="49" idx="2"/>
+            </p:cNvCxnSpPr>
+            <p:nvPr>
+              <p:custDataLst>
+                <p:tags r:id="rId36"/>
+              </p:custDataLst>
+            </p:nvPr>
+          </p:nvCxnSpPr>
+          <p:spPr>
+            <a:xfrm flipV="1">
+              <a:off x="10775" y="2502"/>
+              <a:ext cx="2973" cy="1906"/>
+            </a:xfrm>
+            <a:prstGeom prst="straightConnector1">
+              <a:avLst/>
+            </a:prstGeom>
+            <a:ln>
+              <a:headEnd type="arrow"/>
+              <a:tailEnd type="arrow"/>
+            </a:ln>
+          </p:spPr>
+          <p:style>
+            <a:lnRef idx="2">
+              <a:schemeClr val="accent1"/>
+            </a:lnRef>
+            <a:fillRef idx="0">
+              <a:srgbClr val="FFFFFF"/>
+            </a:fillRef>
+            <a:effectRef idx="0">
+              <a:srgbClr val="FFFFFF"/>
+            </a:effectRef>
+            <a:fontRef idx="minor">
+              <a:schemeClr val="tx1"/>
+            </a:fontRef>
+          </p:style>
+        </p:cxnSp>
+        <p:sp>
+          <p:nvSpPr>
+            <p:cNvPr id="51" name="Rounded Rectangle 50"/>
+            <p:cNvSpPr/>
+            <p:nvPr>
+              <p:custDataLst>
+                <p:tags r:id="rId37"/>
+              </p:custDataLst>
+            </p:nvPr>
+          </p:nvSpPr>
+          <p:spPr>
+            <a:xfrm>
+              <a:off x="12857" y="2754"/>
+              <a:ext cx="1526" cy="269"/>
+            </a:xfrm>
+            <a:prstGeom prst="roundRect">
+              <a:avLst/>
+            </a:prstGeom>
+            <a:solidFill>
+              <a:schemeClr val="bg1"/>
+            </a:solidFill>
+            <a:ln w="19050">
+              <a:solidFill>
+                <a:srgbClr val="FFC000"/>
+              </a:solidFill>
+            </a:ln>
+          </p:spPr>
+          <p:style>
+            <a:lnRef idx="2">
+              <a:schemeClr val="accent1">
+                <a:lumMod val="75000"/>
+              </a:schemeClr>
+            </a:lnRef>
+            <a:fillRef idx="1">
+              <a:schemeClr val="accent1"/>
+            </a:fillRef>
+            <a:effectRef idx="0">
+              <a:srgbClr val="FFFFFF"/>
+            </a:effectRef>
+            <a:fontRef idx="minor">
+              <a:schemeClr val="lt1"/>
+            </a:fontRef>
+          </p:style>
+          <p:txBody>
+            <a:bodyPr rtlCol="0" anchor="ctr"/>
+            <a:p>
+              <a:pPr algn="ctr"/>
+              <a:r>
+                <a:rPr lang="en-US" sz="900">
+                  <a:solidFill>
+                    <a:schemeClr val="tx1"/>
+                  </a:solidFill>
+                  <a:effectLst>
+                    <a:outerShdw blurRad="38100" dist="19050" dir="2700000" algn="tl" rotWithShape="0">
+                      <a:schemeClr val="dk1">
+                        <a:alpha val="40000"/>
+                      </a:schemeClr>
+                    </a:outerShdw>
+                  </a:effectLst>
+                </a:rPr>
+                <a:t>HTTP Request</a:t>
+              </a:r>
+              <a:endParaRPr lang="en-US" sz="900">
+                <a:solidFill>
+                  <a:schemeClr val="tx1"/>
+                </a:solidFill>
+                <a:effectLst>
+                  <a:outerShdw blurRad="38100" dist="19050" dir="2700000" algn="tl" rotWithShape="0">
+                    <a:schemeClr val="dk1">
+                      <a:alpha val="40000"/>
+                    </a:schemeClr>
+                  </a:outerShdw>
+                </a:effectLst>
+              </a:endParaRPr>
+            </a:p>
+          </p:txBody>
+        </p:sp>
+      </p:grpSp>
     </p:spTree>
   </p:cSld>
   <p:clrMapOvr>
@@ -5090,7 +8522,127 @@
 </p:tagLst>
 </file>
 
+<file path=ppt/tags/tag30.xml><?xml version="1.0" encoding="utf-8"?>
+<p:tagLst xmlns:p="http://schemas.openxmlformats.org/presentationml/2006/main">
+  <p:tag name="KSO_WM_BEAUTIFY_FLAG" val=""/>
+</p:tagLst>
+</file>
+
+<file path=ppt/tags/tag31.xml><?xml version="1.0" encoding="utf-8"?>
+<p:tagLst xmlns:p="http://schemas.openxmlformats.org/presentationml/2006/main">
+  <p:tag name="KSO_WM_BEAUTIFY_FLAG" val=""/>
+</p:tagLst>
+</file>
+
+<file path=ppt/tags/tag32.xml><?xml version="1.0" encoding="utf-8"?>
+<p:tagLst xmlns:p="http://schemas.openxmlformats.org/presentationml/2006/main">
+  <p:tag name="KSO_WM_BEAUTIFY_FLAG" val=""/>
+</p:tagLst>
+</file>
+
+<file path=ppt/tags/tag33.xml><?xml version="1.0" encoding="utf-8"?>
+<p:tagLst xmlns:p="http://schemas.openxmlformats.org/presentationml/2006/main">
+  <p:tag name="KSO_WM_BEAUTIFY_FLAG" val=""/>
+</p:tagLst>
+</file>
+
+<file path=ppt/tags/tag34.xml><?xml version="1.0" encoding="utf-8"?>
+<p:tagLst xmlns:p="http://schemas.openxmlformats.org/presentationml/2006/main">
+  <p:tag name="KSO_WM_BEAUTIFY_FLAG" val=""/>
+</p:tagLst>
+</file>
+
+<file path=ppt/tags/tag35.xml><?xml version="1.0" encoding="utf-8"?>
+<p:tagLst xmlns:p="http://schemas.openxmlformats.org/presentationml/2006/main">
+  <p:tag name="KSO_WM_BEAUTIFY_FLAG" val=""/>
+</p:tagLst>
+</file>
+
+<file path=ppt/tags/tag36.xml><?xml version="1.0" encoding="utf-8"?>
+<p:tagLst xmlns:p="http://schemas.openxmlformats.org/presentationml/2006/main">
+  <p:tag name="KSO_WM_BEAUTIFY_FLAG" val=""/>
+</p:tagLst>
+</file>
+
+<file path=ppt/tags/tag37.xml><?xml version="1.0" encoding="utf-8"?>
+<p:tagLst xmlns:p="http://schemas.openxmlformats.org/presentationml/2006/main">
+  <p:tag name="KSO_WM_BEAUTIFY_FLAG" val=""/>
+</p:tagLst>
+</file>
+
+<file path=ppt/tags/tag38.xml><?xml version="1.0" encoding="utf-8"?>
+<p:tagLst xmlns:p="http://schemas.openxmlformats.org/presentationml/2006/main">
+  <p:tag name="KSO_WM_BEAUTIFY_FLAG" val=""/>
+</p:tagLst>
+</file>
+
+<file path=ppt/tags/tag39.xml><?xml version="1.0" encoding="utf-8"?>
+<p:tagLst xmlns:p="http://schemas.openxmlformats.org/presentationml/2006/main">
+  <p:tag name="KSO_WM_BEAUTIFY_FLAG" val=""/>
+</p:tagLst>
+</file>
+
 <file path=ppt/tags/tag4.xml><?xml version="1.0" encoding="utf-8"?>
+<p:tagLst xmlns:p="http://schemas.openxmlformats.org/presentationml/2006/main">
+  <p:tag name="KSO_WM_BEAUTIFY_FLAG" val=""/>
+</p:tagLst>
+</file>
+
+<file path=ppt/tags/tag40.xml><?xml version="1.0" encoding="utf-8"?>
+<p:tagLst xmlns:p="http://schemas.openxmlformats.org/presentationml/2006/main">
+  <p:tag name="KSO_WM_BEAUTIFY_FLAG" val=""/>
+</p:tagLst>
+</file>
+
+<file path=ppt/tags/tag41.xml><?xml version="1.0" encoding="utf-8"?>
+<p:tagLst xmlns:p="http://schemas.openxmlformats.org/presentationml/2006/main">
+  <p:tag name="KSO_WM_BEAUTIFY_FLAG" val=""/>
+</p:tagLst>
+</file>
+
+<file path=ppt/tags/tag42.xml><?xml version="1.0" encoding="utf-8"?>
+<p:tagLst xmlns:p="http://schemas.openxmlformats.org/presentationml/2006/main">
+  <p:tag name="KSO_WM_BEAUTIFY_FLAG" val=""/>
+</p:tagLst>
+</file>
+
+<file path=ppt/tags/tag43.xml><?xml version="1.0" encoding="utf-8"?>
+<p:tagLst xmlns:p="http://schemas.openxmlformats.org/presentationml/2006/main">
+  <p:tag name="KSO_WM_BEAUTIFY_FLAG" val=""/>
+</p:tagLst>
+</file>
+
+<file path=ppt/tags/tag44.xml><?xml version="1.0" encoding="utf-8"?>
+<p:tagLst xmlns:p="http://schemas.openxmlformats.org/presentationml/2006/main">
+  <p:tag name="KSO_WM_BEAUTIFY_FLAG" val=""/>
+</p:tagLst>
+</file>
+
+<file path=ppt/tags/tag45.xml><?xml version="1.0" encoding="utf-8"?>
+<p:tagLst xmlns:p="http://schemas.openxmlformats.org/presentationml/2006/main">
+  <p:tag name="KSO_WM_BEAUTIFY_FLAG" val=""/>
+</p:tagLst>
+</file>
+
+<file path=ppt/tags/tag46.xml><?xml version="1.0" encoding="utf-8"?>
+<p:tagLst xmlns:p="http://schemas.openxmlformats.org/presentationml/2006/main">
+  <p:tag name="KSO_WM_BEAUTIFY_FLAG" val=""/>
+</p:tagLst>
+</file>
+
+<file path=ppt/tags/tag47.xml><?xml version="1.0" encoding="utf-8"?>
+<p:tagLst xmlns:p="http://schemas.openxmlformats.org/presentationml/2006/main">
+  <p:tag name="KSO_WM_BEAUTIFY_FLAG" val=""/>
+</p:tagLst>
+</file>
+
+<file path=ppt/tags/tag48.xml><?xml version="1.0" encoding="utf-8"?>
+<p:tagLst xmlns:p="http://schemas.openxmlformats.org/presentationml/2006/main">
+  <p:tag name="KSO_WM_BEAUTIFY_FLAG" val=""/>
+</p:tagLst>
+</file>
+
+<file path=ppt/tags/tag49.xml><?xml version="1.0" encoding="utf-8"?>
 <p:tagLst xmlns:p="http://schemas.openxmlformats.org/presentationml/2006/main">
   <p:tag name="KSO_WM_BEAUTIFY_FLAG" val=""/>
 </p:tagLst>
@@ -5102,7 +8654,79 @@
 </p:tagLst>
 </file>
 
+<file path=ppt/tags/tag50.xml><?xml version="1.0" encoding="utf-8"?>
+<p:tagLst xmlns:p="http://schemas.openxmlformats.org/presentationml/2006/main">
+  <p:tag name="KSO_WM_BEAUTIFY_FLAG" val=""/>
+</p:tagLst>
+</file>
+
+<file path=ppt/tags/tag51.xml><?xml version="1.0" encoding="utf-8"?>
+<p:tagLst xmlns:p="http://schemas.openxmlformats.org/presentationml/2006/main">
+  <p:tag name="KSO_WM_BEAUTIFY_FLAG" val=""/>
+</p:tagLst>
+</file>
+
+<file path=ppt/tags/tag52.xml><?xml version="1.0" encoding="utf-8"?>
+<p:tagLst xmlns:p="http://schemas.openxmlformats.org/presentationml/2006/main">
+  <p:tag name="KSO_WM_BEAUTIFY_FLAG" val=""/>
+</p:tagLst>
+</file>
+
+<file path=ppt/tags/tag53.xml><?xml version="1.0" encoding="utf-8"?>
+<p:tagLst xmlns:p="http://schemas.openxmlformats.org/presentationml/2006/main">
+  <p:tag name="KSO_WM_BEAUTIFY_FLAG" val=""/>
+</p:tagLst>
+</file>
+
+<file path=ppt/tags/tag54.xml><?xml version="1.0" encoding="utf-8"?>
+<p:tagLst xmlns:p="http://schemas.openxmlformats.org/presentationml/2006/main">
+  <p:tag name="KSO_WM_BEAUTIFY_FLAG" val=""/>
+</p:tagLst>
+</file>
+
+<file path=ppt/tags/tag55.xml><?xml version="1.0" encoding="utf-8"?>
+<p:tagLst xmlns:p="http://schemas.openxmlformats.org/presentationml/2006/main">
+  <p:tag name="KSO_WM_BEAUTIFY_FLAG" val=""/>
+</p:tagLst>
+</file>
+
+<file path=ppt/tags/tag56.xml><?xml version="1.0" encoding="utf-8"?>
+<p:tagLst xmlns:p="http://schemas.openxmlformats.org/presentationml/2006/main">
+  <p:tag name="KSO_WM_BEAUTIFY_FLAG" val=""/>
+</p:tagLst>
+</file>
+
+<file path=ppt/tags/tag57.xml><?xml version="1.0" encoding="utf-8"?>
+<p:tagLst xmlns:p="http://schemas.openxmlformats.org/presentationml/2006/main">
+  <p:tag name="KSO_WM_BEAUTIFY_FLAG" val=""/>
+</p:tagLst>
+</file>
+
+<file path=ppt/tags/tag58.xml><?xml version="1.0" encoding="utf-8"?>
+<p:tagLst xmlns:p="http://schemas.openxmlformats.org/presentationml/2006/main">
+  <p:tag name="KSO_WM_BEAUTIFY_FLAG" val=""/>
+</p:tagLst>
+</file>
+
+<file path=ppt/tags/tag59.xml><?xml version="1.0" encoding="utf-8"?>
+<p:tagLst xmlns:p="http://schemas.openxmlformats.org/presentationml/2006/main">
+  <p:tag name="KSO_WM_BEAUTIFY_FLAG" val=""/>
+</p:tagLst>
+</file>
+
 <file path=ppt/tags/tag6.xml><?xml version="1.0" encoding="utf-8"?>
+<p:tagLst xmlns:p="http://schemas.openxmlformats.org/presentationml/2006/main">
+  <p:tag name="KSO_WM_BEAUTIFY_FLAG" val=""/>
+</p:tagLst>
+</file>
+
+<file path=ppt/tags/tag60.xml><?xml version="1.0" encoding="utf-8"?>
+<p:tagLst xmlns:p="http://schemas.openxmlformats.org/presentationml/2006/main">
+  <p:tag name="KSO_WM_BEAUTIFY_FLAG" val=""/>
+</p:tagLst>
+</file>
+
+<file path=ppt/tags/tag61.xml><?xml version="1.0" encoding="utf-8"?>
 <p:tagLst xmlns:p="http://schemas.openxmlformats.org/presentationml/2006/main">
   <p:tag name="KSO_WM_BEAUTIFY_FLAG" val=""/>
 </p:tagLst>
@@ -5381,16 +9005,28 @@
     <a:spDef>
       <a:spPr>
         <a:noFill/>
-        <a:ln w="38100">
+        <a:ln w="19050">
           <a:solidFill>
-            <a:srgbClr val="FF0000"/>
+            <a:srgbClr val="FFC000"/>
           </a:solidFill>
         </a:ln>
       </a:spPr>
       <a:bodyPr rtlCol="0" anchor="ctr"/>
       <a:lstStyle>
         <a:defPPr algn="ctr">
-          <a:defRPr lang="en-US"/>
+          <a:defRPr lang="en-US" sz="1400">
+            <a:ln/>
+            <a:solidFill>
+              <a:schemeClr val="tx1"/>
+            </a:solidFill>
+            <a:effectLst>
+              <a:outerShdw blurRad="38100" dist="19050" dir="2700000" algn="tl" rotWithShape="0">
+                <a:schemeClr val="dk1">
+                  <a:alpha val="40000"/>
+                </a:schemeClr>
+              </a:outerShdw>
+            </a:effectLst>
+          </a:defRPr>
         </a:defPPr>
       </a:lstStyle>
       <a:style>

--- a/assets/Image.pptx
+++ b/assets/Image.pptx
@@ -8,7 +8,10 @@
     <p:sldId id="256" r:id="rId3"/>
     <p:sldId id="257" r:id="rId4"/>
     <p:sldId id="258" r:id="rId5"/>
-    <p:sldId id="259" r:id="rId6"/>
+    <p:sldId id="262" r:id="rId6"/>
+    <p:sldId id="259" r:id="rId7"/>
+    <p:sldId id="260" r:id="rId8"/>
+    <p:sldId id="261" r:id="rId9"/>
   </p:sldIdLst>
   <p:sldSz cx="12192000" cy="6858000"/>
   <p:notesSz cx="6858000" cy="9144000"/>
@@ -107,6 +110,22 @@
       </a:defRPr>
     </a:lvl9pPr>
   </p:defaultTextStyle>
+  <p:extLst>
+    <p:ext uri="{EFAFB233-063F-42B5-8137-9DF3F51BA10A}">
+      <p15:sldGuideLst xmlns:p15="http://schemas.microsoft.com/office/powerpoint/2012/main">
+        <p15:guide id="1" orient="horz" pos="2160" userDrawn="1">
+          <p15:clr>
+            <a:srgbClr val="A4A3A4"/>
+          </p15:clr>
+        </p15:guide>
+        <p15:guide id="2" pos="3840" userDrawn="1">
+          <p15:clr>
+            <a:srgbClr val="A4A3A4"/>
+          </p15:clr>
+        </p15:guide>
+      </p15:sldGuideLst>
+    </p:ext>
+  </p:extLst>
 </p:presentation>
 </file>
 
@@ -4934,1735 +4953,6 @@
 </file>
 
 <file path=ppt/slides/slide3.xml><?xml version="1.0" encoding="utf-8"?>
-<p:sld xmlns:a="http://schemas.openxmlformats.org/drawingml/2006/main" xmlns:r="http://schemas.openxmlformats.org/officeDocument/2006/relationships" xmlns:p="http://schemas.openxmlformats.org/presentationml/2006/main">
-  <p:cSld>
-    <p:spTree>
-      <p:nvGrpSpPr>
-        <p:cNvPr id="1" name=""/>
-        <p:cNvGrpSpPr/>
-        <p:nvPr/>
-      </p:nvGrpSpPr>
-      <p:grpSpPr/>
-      <p:grpSp>
-        <p:nvGrpSpPr>
-          <p:cNvPr id="52" name="Group 51"/>
-          <p:cNvGrpSpPr/>
-          <p:nvPr/>
-        </p:nvGrpSpPr>
-        <p:grpSpPr>
-          <a:xfrm>
-            <a:off x="942975" y="0"/>
-            <a:ext cx="8700135" cy="6420485"/>
-            <a:chOff x="1485" y="0"/>
-            <a:chExt cx="13701" cy="10111"/>
-          </a:xfrm>
-        </p:grpSpPr>
-        <p:pic>
-          <p:nvPicPr>
-            <p:cNvPr id="27" name="Picture 26" descr="Inside_Network-1024x759"/>
-            <p:cNvPicPr>
-              <a:picLocks noChangeAspect="1"/>
-            </p:cNvPicPr>
-            <p:nvPr/>
-          </p:nvPicPr>
-          <p:blipFill>
-            <a:blip r:embed="rId1">
-              <a:biLevel thresh="50000"/>
-              <a:lum bright="96000"/>
-            </a:blip>
-            <a:stretch>
-              <a:fillRect/>
-            </a:stretch>
-          </p:blipFill>
-          <p:spPr>
-            <a:xfrm>
-              <a:off x="1485" y="819"/>
-              <a:ext cx="12536" cy="9292"/>
-            </a:xfrm>
-            <a:prstGeom prst="rect">
-              <a:avLst/>
-            </a:prstGeom>
-            <a:ln>
-              <a:noFill/>
-            </a:ln>
-          </p:spPr>
-        </p:pic>
-        <p:grpSp>
-          <p:nvGrpSpPr>
-            <p:cNvPr id="23" name="Group 22"/>
-            <p:cNvGrpSpPr/>
-            <p:nvPr/>
-          </p:nvGrpSpPr>
-          <p:grpSpPr>
-            <a:xfrm>
-              <a:off x="1485" y="4936"/>
-              <a:ext cx="2612" cy="1742"/>
-              <a:chOff x="885" y="4936"/>
-              <a:chExt cx="2612" cy="1742"/>
-            </a:xfrm>
-          </p:grpSpPr>
-          <p:pic>
-            <p:nvPicPr>
-              <p:cNvPr id="6" name="Picture 5" descr="Devices-cuate"/>
-              <p:cNvPicPr>
-                <a:picLocks noChangeAspect="1"/>
-              </p:cNvPicPr>
-              <p:nvPr/>
-            </p:nvPicPr>
-            <p:blipFill>
-              <a:blip r:embed="rId2">
-                <a:extLst>
-                  <a:ext uri="{96DAC541-7B7A-43D3-8B79-37D633B846F1}">
-                    <asvg:svgBlip xmlns:asvg="http://schemas.microsoft.com/office/drawing/2016/SVG/main" r:embed="rId3"/>
-                  </a:ext>
-                </a:extLst>
-              </a:blip>
-              <a:stretch>
-                <a:fillRect/>
-              </a:stretch>
-            </p:blipFill>
-            <p:spPr>
-              <a:xfrm>
-                <a:off x="885" y="4936"/>
-                <a:ext cx="2613" cy="1742"/>
-              </a:xfrm>
-              <a:prstGeom prst="rect">
-                <a:avLst/>
-              </a:prstGeom>
-            </p:spPr>
-          </p:pic>
-          <p:pic>
-            <p:nvPicPr>
-              <p:cNvPr id="16" name="Picture 15" descr="LogosChrome"/>
-              <p:cNvPicPr>
-                <a:picLocks noChangeAspect="1"/>
-              </p:cNvPicPr>
-              <p:nvPr/>
-            </p:nvPicPr>
-            <p:blipFill>
-              <a:blip r:embed="rId4">
-                <a:extLst>
-                  <a:ext uri="{96DAC541-7B7A-43D3-8B79-37D633B846F1}">
-                    <asvg:svgBlip xmlns:asvg="http://schemas.microsoft.com/office/drawing/2016/SVG/main" r:embed="rId5"/>
-                  </a:ext>
-                </a:extLst>
-              </a:blip>
-              <a:stretch>
-                <a:fillRect/>
-              </a:stretch>
-            </p:blipFill>
-            <p:spPr>
-              <a:xfrm>
-                <a:off x="1251" y="5103"/>
-                <a:ext cx="480" cy="480"/>
-              </a:xfrm>
-              <a:prstGeom prst="rect">
-                <a:avLst/>
-              </a:prstGeom>
-            </p:spPr>
-          </p:pic>
-          <p:pic>
-            <p:nvPicPr>
-              <p:cNvPr id="17" name="Picture 16" descr="LogosFirefox"/>
-              <p:cNvPicPr>
-                <a:picLocks noChangeAspect="1"/>
-              </p:cNvPicPr>
-              <p:nvPr/>
-            </p:nvPicPr>
-            <p:blipFill>
-              <a:blip r:embed="rId6">
-                <a:extLst>
-                  <a:ext uri="{96DAC541-7B7A-43D3-8B79-37D633B846F1}">
-                    <asvg:svgBlip xmlns:asvg="http://schemas.microsoft.com/office/drawing/2016/SVG/main" r:embed="rId7"/>
-                  </a:ext>
-                </a:extLst>
-              </a:blip>
-              <a:stretch>
-                <a:fillRect/>
-              </a:stretch>
-            </p:blipFill>
-            <p:spPr>
-              <a:xfrm>
-                <a:off x="1035" y="6063"/>
-                <a:ext cx="450" cy="480"/>
-              </a:xfrm>
-              <a:prstGeom prst="rect">
-                <a:avLst/>
-              </a:prstGeom>
-            </p:spPr>
-          </p:pic>
-          <p:pic>
-            <p:nvPicPr>
-              <p:cNvPr id="18" name="Picture 17" descr="LogosSafari"/>
-              <p:cNvPicPr>
-                <a:picLocks noChangeAspect="1"/>
-              </p:cNvPicPr>
-              <p:nvPr/>
-            </p:nvPicPr>
-            <p:blipFill>
-              <a:blip r:embed="rId8">
-                <a:extLst>
-                  <a:ext uri="{96DAC541-7B7A-43D3-8B79-37D633B846F1}">
-                    <asvg:svgBlip xmlns:asvg="http://schemas.microsoft.com/office/drawing/2016/SVG/main" r:embed="rId9"/>
-                  </a:ext>
-                </a:extLst>
-              </a:blip>
-              <a:stretch>
-                <a:fillRect/>
-              </a:stretch>
-            </p:blipFill>
-            <p:spPr>
-              <a:xfrm>
-                <a:off x="2571" y="5103"/>
-                <a:ext cx="480" cy="480"/>
-              </a:xfrm>
-              <a:prstGeom prst="rect">
-                <a:avLst/>
-              </a:prstGeom>
-            </p:spPr>
-          </p:pic>
-        </p:grpSp>
-        <p:grpSp>
-          <p:nvGrpSpPr>
-            <p:cNvPr id="24" name="Group 23"/>
-            <p:cNvGrpSpPr/>
-            <p:nvPr/>
-          </p:nvGrpSpPr>
-          <p:grpSpPr>
-            <a:xfrm>
-              <a:off x="2331" y="1291"/>
-              <a:ext cx="2160" cy="2160"/>
-              <a:chOff x="1731" y="1131"/>
-              <a:chExt cx="2160" cy="2160"/>
-            </a:xfrm>
-          </p:grpSpPr>
-          <p:pic>
-            <p:nvPicPr>
-              <p:cNvPr id="5" name="Picture 4" descr="Mobile login-bro"/>
-              <p:cNvPicPr>
-                <a:picLocks noChangeAspect="1"/>
-              </p:cNvPicPr>
-              <p:nvPr/>
-            </p:nvPicPr>
-            <p:blipFill>
-              <a:blip r:embed="rId10">
-                <a:extLst>
-                  <a:ext uri="{96DAC541-7B7A-43D3-8B79-37D633B846F1}">
-                    <asvg:svgBlip xmlns:asvg="http://schemas.microsoft.com/office/drawing/2016/SVG/main" r:embed="rId11"/>
-                  </a:ext>
-                </a:extLst>
-              </a:blip>
-              <a:stretch>
-                <a:fillRect/>
-              </a:stretch>
-            </p:blipFill>
-            <p:spPr>
-              <a:xfrm>
-                <a:off x="1731" y="1131"/>
-                <a:ext cx="2160" cy="2160"/>
-              </a:xfrm>
-              <a:prstGeom prst="rect">
-                <a:avLst/>
-              </a:prstGeom>
-            </p:spPr>
-          </p:pic>
-          <p:pic>
-            <p:nvPicPr>
-              <p:cNvPr id="19" name="Picture 18" descr="LogosChrome"/>
-              <p:cNvPicPr>
-                <a:picLocks noChangeAspect="1"/>
-              </p:cNvPicPr>
-              <p:nvPr>
-                <p:custDataLst>
-                  <p:tags r:id="rId12"/>
-                </p:custDataLst>
-              </p:nvPr>
-            </p:nvPicPr>
-            <p:blipFill>
-              <a:blip r:embed="rId4">
-                <a:extLst>
-                  <a:ext uri="{96DAC541-7B7A-43D3-8B79-37D633B846F1}">
-                    <asvg:svgBlip xmlns:asvg="http://schemas.microsoft.com/office/drawing/2016/SVG/main" r:embed="rId5"/>
-                  </a:ext>
-                </a:extLst>
-              </a:blip>
-              <a:stretch>
-                <a:fillRect/>
-              </a:stretch>
-            </p:blipFill>
-            <p:spPr>
-              <a:xfrm>
-                <a:off x="3018" y="1131"/>
-                <a:ext cx="480" cy="480"/>
-              </a:xfrm>
-              <a:prstGeom prst="rect">
-                <a:avLst/>
-              </a:prstGeom>
-            </p:spPr>
-          </p:pic>
-        </p:grpSp>
-        <p:grpSp>
-          <p:nvGrpSpPr>
-            <p:cNvPr id="22" name="Group 21"/>
-            <p:cNvGrpSpPr/>
-            <p:nvPr/>
-          </p:nvGrpSpPr>
-          <p:grpSpPr>
-            <a:xfrm>
-              <a:off x="3992" y="8163"/>
-              <a:ext cx="1860" cy="1860"/>
-              <a:chOff x="4584" y="8163"/>
-              <a:chExt cx="1860" cy="1860"/>
-            </a:xfrm>
-          </p:grpSpPr>
-          <p:pic>
-            <p:nvPicPr>
-              <p:cNvPr id="7" name="Picture 6" descr="Mobile inbox-pana"/>
-              <p:cNvPicPr>
-                <a:picLocks noChangeAspect="1"/>
-              </p:cNvPicPr>
-              <p:nvPr/>
-            </p:nvPicPr>
-            <p:blipFill>
-              <a:blip r:embed="rId13">
-                <a:extLst>
-                  <a:ext uri="{96DAC541-7B7A-43D3-8B79-37D633B846F1}">
-                    <asvg:svgBlip xmlns:asvg="http://schemas.microsoft.com/office/drawing/2016/SVG/main" r:embed="rId14"/>
-                  </a:ext>
-                </a:extLst>
-              </a:blip>
-              <a:stretch>
-                <a:fillRect/>
-              </a:stretch>
-            </p:blipFill>
-            <p:spPr>
-              <a:xfrm>
-                <a:off x="4584" y="8163"/>
-                <a:ext cx="1861" cy="1861"/>
-              </a:xfrm>
-              <a:prstGeom prst="rect">
-                <a:avLst/>
-              </a:prstGeom>
-            </p:spPr>
-          </p:pic>
-          <p:pic>
-            <p:nvPicPr>
-              <p:cNvPr id="20" name="Picture 19" descr="LogosFirefox"/>
-              <p:cNvPicPr>
-                <a:picLocks noChangeAspect="1"/>
-              </p:cNvPicPr>
-              <p:nvPr>
-                <p:custDataLst>
-                  <p:tags r:id="rId15"/>
-                </p:custDataLst>
-              </p:nvPr>
-            </p:nvPicPr>
-            <p:blipFill>
-              <a:blip r:embed="rId6">
-                <a:extLst>
-                  <a:ext uri="{96DAC541-7B7A-43D3-8B79-37D633B846F1}">
-                    <asvg:svgBlip xmlns:asvg="http://schemas.microsoft.com/office/drawing/2016/SVG/main" r:embed="rId7"/>
-                  </a:ext>
-                </a:extLst>
-              </a:blip>
-              <a:stretch>
-                <a:fillRect/>
-              </a:stretch>
-            </p:blipFill>
-            <p:spPr>
-              <a:xfrm>
-                <a:off x="4826" y="8163"/>
-                <a:ext cx="450" cy="480"/>
-              </a:xfrm>
-              <a:prstGeom prst="rect">
-                <a:avLst/>
-              </a:prstGeom>
-            </p:spPr>
-          </p:pic>
-        </p:grpSp>
-        <p:grpSp>
-          <p:nvGrpSpPr>
-            <p:cNvPr id="25" name="Group 24"/>
-            <p:cNvGrpSpPr/>
-            <p:nvPr/>
-          </p:nvGrpSpPr>
-          <p:grpSpPr>
-            <a:xfrm>
-              <a:off x="7048" y="0"/>
-              <a:ext cx="2452" cy="2452"/>
-              <a:chOff x="7309" y="0"/>
-              <a:chExt cx="2452" cy="2452"/>
-            </a:xfrm>
-          </p:grpSpPr>
-          <p:pic>
-            <p:nvPicPr>
-              <p:cNvPr id="8" name="Picture 7" descr="Security On-pana"/>
-              <p:cNvPicPr>
-                <a:picLocks noChangeAspect="1"/>
-              </p:cNvPicPr>
-              <p:nvPr/>
-            </p:nvPicPr>
-            <p:blipFill>
-              <a:blip r:embed="rId16">
-                <a:extLst>
-                  <a:ext uri="{96DAC541-7B7A-43D3-8B79-37D633B846F1}">
-                    <asvg:svgBlip xmlns:asvg="http://schemas.microsoft.com/office/drawing/2016/SVG/main" r:embed="rId17"/>
-                  </a:ext>
-                </a:extLst>
-              </a:blip>
-              <a:stretch>
-                <a:fillRect/>
-              </a:stretch>
-            </p:blipFill>
-            <p:spPr>
-              <a:xfrm>
-                <a:off x="7309" y="0"/>
-                <a:ext cx="2452" cy="2452"/>
-              </a:xfrm>
-              <a:prstGeom prst="rect">
-                <a:avLst/>
-              </a:prstGeom>
-            </p:spPr>
-          </p:pic>
-          <p:pic>
-            <p:nvPicPr>
-              <p:cNvPr id="21" name="Picture 20" descr="LogosSafari"/>
-              <p:cNvPicPr>
-                <a:picLocks noChangeAspect="1"/>
-              </p:cNvPicPr>
-              <p:nvPr>
-                <p:custDataLst>
-                  <p:tags r:id="rId18"/>
-                </p:custDataLst>
-              </p:nvPr>
-            </p:nvPicPr>
-            <p:blipFill>
-              <a:blip r:embed="rId8">
-                <a:extLst>
-                  <a:ext uri="{96DAC541-7B7A-43D3-8B79-37D633B846F1}">
-                    <asvg:svgBlip xmlns:asvg="http://schemas.microsoft.com/office/drawing/2016/SVG/main" r:embed="rId9"/>
-                  </a:ext>
-                </a:extLst>
-              </a:blip>
-              <a:stretch>
-                <a:fillRect/>
-              </a:stretch>
-            </p:blipFill>
-            <p:spPr>
-              <a:xfrm>
-                <a:off x="7834" y="819"/>
-                <a:ext cx="480" cy="480"/>
-              </a:xfrm>
-              <a:prstGeom prst="rect">
-                <a:avLst/>
-              </a:prstGeom>
-            </p:spPr>
-          </p:pic>
-        </p:grpSp>
-        <p:pic>
-          <p:nvPicPr>
-            <p:cNvPr id="26" name="Picture 25" descr="Computer login-pana"/>
-            <p:cNvPicPr>
-              <a:picLocks noChangeAspect="1"/>
-            </p:cNvPicPr>
-            <p:nvPr/>
-          </p:nvPicPr>
-          <p:blipFill>
-            <a:blip r:embed="rId19">
-              <a:extLst>
-                <a:ext uri="{96DAC541-7B7A-43D3-8B79-37D633B846F1}">
-                  <asvg:svgBlip xmlns:asvg="http://schemas.microsoft.com/office/drawing/2016/SVG/main" r:embed="rId20"/>
-                </a:ext>
-              </a:extLst>
-            </a:blip>
-            <a:stretch>
-              <a:fillRect/>
-            </a:stretch>
-          </p:blipFill>
-          <p:spPr>
-            <a:xfrm>
-              <a:off x="11658" y="484"/>
-              <a:ext cx="2951" cy="1968"/>
-            </a:xfrm>
-            <a:prstGeom prst="rect">
-              <a:avLst/>
-            </a:prstGeom>
-          </p:spPr>
-        </p:pic>
-        <p:grpSp>
-          <p:nvGrpSpPr>
-            <p:cNvPr id="37" name="Group 36"/>
-            <p:cNvGrpSpPr/>
-            <p:nvPr/>
-          </p:nvGrpSpPr>
-          <p:grpSpPr>
-            <a:xfrm>
-              <a:off x="8374" y="3183"/>
-              <a:ext cx="6813" cy="3986"/>
-              <a:chOff x="8374" y="3183"/>
-              <a:chExt cx="6813" cy="3986"/>
-            </a:xfrm>
-          </p:grpSpPr>
-          <p:sp>
-            <p:nvSpPr>
-              <p:cNvPr id="36" name="Rounded Rectangle 35"/>
-              <p:cNvSpPr/>
-              <p:nvPr/>
-            </p:nvSpPr>
-            <p:spPr>
-              <a:xfrm>
-                <a:off x="8374" y="3308"/>
-                <a:ext cx="6618" cy="3503"/>
-              </a:xfrm>
-              <a:prstGeom prst="roundRect">
-                <a:avLst/>
-              </a:prstGeom>
-              <a:solidFill>
-                <a:schemeClr val="bg1">
-                  <a:lumMod val="95000"/>
-                </a:schemeClr>
-              </a:solidFill>
-              <a:ln w="19050">
-                <a:solidFill>
-                  <a:srgbClr val="FFC000"/>
-                </a:solidFill>
-              </a:ln>
-            </p:spPr>
-            <p:style>
-              <a:lnRef idx="2">
-                <a:schemeClr val="accent1">
-                  <a:lumMod val="75000"/>
-                </a:schemeClr>
-              </a:lnRef>
-              <a:fillRef idx="1">
-                <a:schemeClr val="accent1"/>
-              </a:fillRef>
-              <a:effectRef idx="0">
-                <a:srgbClr val="FFFFFF"/>
-              </a:effectRef>
-              <a:fontRef idx="minor">
-                <a:schemeClr val="lt1"/>
-              </a:fontRef>
-            </p:style>
-            <p:txBody>
-              <a:bodyPr rtlCol="0" anchor="ctr"/>
-              <a:p>
-                <a:pPr algn="ctr"/>
-                <a:endParaRPr lang="en-US" sz="1400">
-                  <a:ln/>
-                  <a:solidFill>
-                    <a:schemeClr val="tx1"/>
-                  </a:solidFill>
-                  <a:effectLst>
-                    <a:outerShdw blurRad="38100" dist="19050" dir="2700000" algn="tl" rotWithShape="0">
-                      <a:schemeClr val="dk1">
-                        <a:alpha val="40000"/>
-                      </a:schemeClr>
-                    </a:outerShdw>
-                  </a:effectLst>
-                </a:endParaRPr>
-              </a:p>
-            </p:txBody>
-          </p:sp>
-          <p:grpSp>
-            <p:nvGrpSpPr>
-              <p:cNvPr id="15" name="Group 14"/>
-              <p:cNvGrpSpPr/>
-              <p:nvPr/>
-            </p:nvGrpSpPr>
-            <p:grpSpPr>
-              <a:xfrm>
-                <a:off x="8505" y="3183"/>
-                <a:ext cx="6683" cy="3262"/>
-                <a:chOff x="6126" y="3291"/>
-                <a:chExt cx="6683" cy="3262"/>
-              </a:xfrm>
-            </p:grpSpPr>
-            <p:pic>
-              <p:nvPicPr>
-                <p:cNvPr id="2" name="Picture 1" descr="Memory storage-bro"/>
-                <p:cNvPicPr>
-                  <a:picLocks noChangeAspect="1"/>
-                </p:cNvPicPr>
-                <p:nvPr/>
-              </p:nvPicPr>
-              <p:blipFill>
-                <a:blip r:embed="rId21">
-                  <a:extLst>
-                    <a:ext uri="{96DAC541-7B7A-43D3-8B79-37D633B846F1}">
-                      <asvg:svgBlip xmlns:asvg="http://schemas.microsoft.com/office/drawing/2016/SVG/main" r:embed="rId22"/>
-                    </a:ext>
-                  </a:extLst>
-                </a:blip>
-                <a:stretch>
-                  <a:fillRect/>
-                </a:stretch>
-              </p:blipFill>
-              <p:spPr>
-                <a:xfrm>
-                  <a:off x="6126" y="3291"/>
-                  <a:ext cx="2880" cy="2880"/>
-                </a:xfrm>
-                <a:prstGeom prst="rect">
-                  <a:avLst/>
-                </a:prstGeom>
-              </p:spPr>
-            </p:pic>
-            <p:pic>
-              <p:nvPicPr>
-                <p:cNvPr id="9" name="Picture 8" descr="Secure Server-bro"/>
-                <p:cNvPicPr>
-                  <a:picLocks noChangeAspect="1"/>
-                </p:cNvPicPr>
-                <p:nvPr/>
-              </p:nvPicPr>
-              <p:blipFill>
-                <a:blip r:embed="rId23">
-                  <a:extLst>
-                    <a:ext uri="{96DAC541-7B7A-43D3-8B79-37D633B846F1}">
-                      <asvg:svgBlip xmlns:asvg="http://schemas.microsoft.com/office/drawing/2016/SVG/main" r:embed="rId24"/>
-                    </a:ext>
-                  </a:extLst>
-                </a:blip>
-                <a:stretch>
-                  <a:fillRect/>
-                </a:stretch>
-              </p:blipFill>
-              <p:spPr>
-                <a:xfrm>
-                  <a:off x="9929" y="3382"/>
-                  <a:ext cx="2880" cy="2880"/>
-                </a:xfrm>
-                <a:prstGeom prst="rect">
-                  <a:avLst/>
-                </a:prstGeom>
-              </p:spPr>
-            </p:pic>
-            <p:sp>
-              <p:nvSpPr>
-                <p:cNvPr id="10" name="Left-Right Arrow 9"/>
-                <p:cNvSpPr/>
-                <p:nvPr/>
-              </p:nvSpPr>
-              <p:spPr>
-                <a:xfrm>
-                  <a:off x="9006" y="4623"/>
-                  <a:ext cx="1125" cy="402"/>
-                </a:xfrm>
-                <a:prstGeom prst="leftRightArrow">
-                  <a:avLst/>
-                </a:prstGeom>
-                <a:noFill/>
-                <a:ln w="38100">
-                  <a:solidFill>
-                    <a:schemeClr val="bg2">
-                      <a:lumMod val="75000"/>
-                    </a:schemeClr>
-                  </a:solidFill>
-                </a:ln>
-              </p:spPr>
-              <p:style>
-                <a:lnRef idx="2">
-                  <a:schemeClr val="accent1">
-                    <a:lumMod val="75000"/>
-                  </a:schemeClr>
-                </a:lnRef>
-                <a:fillRef idx="1">
-                  <a:schemeClr val="accent1"/>
-                </a:fillRef>
-                <a:effectRef idx="0">
-                  <a:srgbClr val="FFFFFF"/>
-                </a:effectRef>
-                <a:fontRef idx="minor">
-                  <a:schemeClr val="lt1"/>
-                </a:fontRef>
-              </p:style>
-              <p:txBody>
-                <a:bodyPr rtlCol="0" anchor="ctr"/>
-                <a:p>
-                  <a:pPr algn="ctr"/>
-                  <a:endParaRPr lang="en-US"/>
-                </a:p>
-              </p:txBody>
-            </p:sp>
-            <p:sp>
-              <p:nvSpPr>
-                <p:cNvPr id="11" name="Rounded Rectangle 10"/>
-                <p:cNvSpPr/>
-                <p:nvPr/>
-              </p:nvSpPr>
-              <p:spPr>
-                <a:xfrm>
-                  <a:off x="6249" y="6063"/>
-                  <a:ext cx="2635" cy="490"/>
-                </a:xfrm>
-                <a:prstGeom prst="roundRect">
-                  <a:avLst>
-                    <a:gd name="adj" fmla="val 50000"/>
-                  </a:avLst>
-                </a:prstGeom>
-                <a:noFill/>
-                <a:ln w="19050">
-                  <a:solidFill>
-                    <a:srgbClr val="FFC000"/>
-                  </a:solidFill>
-                </a:ln>
-              </p:spPr>
-              <p:style>
-                <a:lnRef idx="2">
-                  <a:schemeClr val="accent1">
-                    <a:lumMod val="75000"/>
-                  </a:schemeClr>
-                </a:lnRef>
-                <a:fillRef idx="1">
-                  <a:schemeClr val="accent1"/>
-                </a:fillRef>
-                <a:effectRef idx="0">
-                  <a:srgbClr val="FFFFFF"/>
-                </a:effectRef>
-                <a:fontRef idx="minor">
-                  <a:schemeClr val="lt1"/>
-                </a:fontRef>
-              </p:style>
-              <p:txBody>
-                <a:bodyPr rtlCol="0" anchor="ctr"/>
-                <a:p>
-                  <a:pPr algn="ctr"/>
-                  <a:r>
-                    <a:rPr lang="en-US" sz="1400">
-                      <a:ln/>
-                      <a:solidFill>
-                        <a:schemeClr val="tx1"/>
-                      </a:solidFill>
-                      <a:effectLst>
-                        <a:outerShdw blurRad="38100" dist="19050" dir="2700000" algn="tl" rotWithShape="0">
-                          <a:schemeClr val="dk1">
-                            <a:alpha val="40000"/>
-                          </a:schemeClr>
-                        </a:outerShdw>
-                      </a:effectLst>
-                    </a:rPr>
-                    <a:t>PHP Server</a:t>
-                  </a:r>
-                  <a:endParaRPr lang="en-US" sz="1400">
-                    <a:ln/>
-                    <a:solidFill>
-                      <a:schemeClr val="tx1"/>
-                    </a:solidFill>
-                    <a:effectLst>
-                      <a:outerShdw blurRad="38100" dist="19050" dir="2700000" algn="tl" rotWithShape="0">
-                        <a:schemeClr val="dk1">
-                          <a:alpha val="40000"/>
-                        </a:schemeClr>
-                      </a:outerShdw>
-                    </a:effectLst>
-                  </a:endParaRPr>
-                </a:p>
-              </p:txBody>
-            </p:sp>
-            <p:sp>
-              <p:nvSpPr>
-                <p:cNvPr id="12" name="Rounded Rectangle 11"/>
-                <p:cNvSpPr/>
-                <p:nvPr>
-                  <p:custDataLst>
-                    <p:tags r:id="rId25"/>
-                  </p:custDataLst>
-                </p:nvPr>
-              </p:nvSpPr>
-              <p:spPr>
-                <a:xfrm>
-                  <a:off x="10423" y="6063"/>
-                  <a:ext cx="1893" cy="490"/>
-                </a:xfrm>
-                <a:prstGeom prst="roundRect">
-                  <a:avLst>
-                    <a:gd name="adj" fmla="val 50000"/>
-                  </a:avLst>
-                </a:prstGeom>
-                <a:noFill/>
-                <a:ln w="19050">
-                  <a:solidFill>
-                    <a:srgbClr val="FFC000"/>
-                  </a:solidFill>
-                </a:ln>
-              </p:spPr>
-              <p:style>
-                <a:lnRef idx="2">
-                  <a:schemeClr val="accent1">
-                    <a:lumMod val="75000"/>
-                  </a:schemeClr>
-                </a:lnRef>
-                <a:fillRef idx="1">
-                  <a:schemeClr val="accent1"/>
-                </a:fillRef>
-                <a:effectRef idx="0">
-                  <a:srgbClr val="FFFFFF"/>
-                </a:effectRef>
-                <a:fontRef idx="minor">
-                  <a:schemeClr val="lt1"/>
-                </a:fontRef>
-              </p:style>
-              <p:txBody>
-                <a:bodyPr rtlCol="0" anchor="ctr"/>
-                <a:p>
-                  <a:pPr algn="ctr"/>
-                  <a:r>
-                    <a:rPr lang="en-US" sz="1400">
-                      <a:solidFill>
-                        <a:schemeClr val="tx1"/>
-                      </a:solidFill>
-                      <a:effectLst>
-                        <a:outerShdw blurRad="38100" dist="19050" dir="2700000" algn="tl" rotWithShape="0">
-                          <a:schemeClr val="dk1">
-                            <a:alpha val="40000"/>
-                          </a:schemeClr>
-                        </a:outerShdw>
-                      </a:effectLst>
-                    </a:rPr>
-                    <a:t>DB Server</a:t>
-                  </a:r>
-                  <a:endParaRPr lang="en-US" sz="1400">
-                    <a:solidFill>
-                      <a:schemeClr val="tx1"/>
-                    </a:solidFill>
-                    <a:effectLst>
-                      <a:outerShdw blurRad="38100" dist="19050" dir="2700000" algn="tl" rotWithShape="0">
-                        <a:schemeClr val="dk1">
-                          <a:alpha val="40000"/>
-                        </a:schemeClr>
-                      </a:outerShdw>
-                    </a:effectLst>
-                  </a:endParaRPr>
-                </a:p>
-              </p:txBody>
-            </p:sp>
-          </p:grpSp>
-          <p:sp>
-            <p:nvSpPr>
-              <p:cNvPr id="35" name="Rounded Rectangle 34"/>
-              <p:cNvSpPr/>
-              <p:nvPr/>
-            </p:nvSpPr>
-            <p:spPr>
-              <a:xfrm>
-                <a:off x="10377" y="6561"/>
-                <a:ext cx="2962" cy="609"/>
-              </a:xfrm>
-              <a:prstGeom prst="roundRect">
-                <a:avLst/>
-              </a:prstGeom>
-              <a:solidFill>
-                <a:schemeClr val="bg2"/>
-              </a:solidFill>
-              <a:ln w="19050">
-                <a:solidFill>
-                  <a:srgbClr val="FFC000"/>
-                </a:solidFill>
-              </a:ln>
-            </p:spPr>
-            <p:style>
-              <a:lnRef idx="2">
-                <a:schemeClr val="accent1">
-                  <a:lumMod val="75000"/>
-                </a:schemeClr>
-              </a:lnRef>
-              <a:fillRef idx="1">
-                <a:schemeClr val="accent1"/>
-              </a:fillRef>
-              <a:effectRef idx="0">
-                <a:srgbClr val="FFFFFF"/>
-              </a:effectRef>
-              <a:fontRef idx="minor">
-                <a:schemeClr val="lt1"/>
-              </a:fontRef>
-            </p:style>
-            <p:txBody>
-              <a:bodyPr rtlCol="0" anchor="ctr"/>
-              <a:p>
-                <a:pPr algn="ctr"/>
-                <a:r>
-                  <a:rPr lang="en-US" sz="1400">
-                    <a:ln/>
-                    <a:solidFill>
-                      <a:schemeClr val="tx1"/>
-                    </a:solidFill>
-                    <a:effectLst>
-                      <a:outerShdw blurRad="38100" dist="19050" dir="2700000" algn="tl" rotWithShape="0">
-                        <a:schemeClr val="dk1">
-                          <a:alpha val="40000"/>
-                        </a:schemeClr>
-                      </a:outerShdw>
-                    </a:effectLst>
-                  </a:rPr>
-                  <a:t>Mô hình client-server</a:t>
-                </a:r>
-                <a:endParaRPr lang="en-US" sz="1400">
-                  <a:ln/>
-                  <a:solidFill>
-                    <a:schemeClr val="tx1"/>
-                  </a:solidFill>
-                  <a:effectLst>
-                    <a:outerShdw blurRad="38100" dist="19050" dir="2700000" algn="tl" rotWithShape="0">
-                      <a:schemeClr val="dk1">
-                        <a:alpha val="40000"/>
-                      </a:schemeClr>
-                    </a:outerShdw>
-                  </a:effectLst>
-                </a:endParaRPr>
-              </a:p>
-            </p:txBody>
-          </p:sp>
-        </p:grpSp>
-        <p:grpSp>
-          <p:nvGrpSpPr>
-            <p:cNvPr id="45" name="Group 44"/>
-            <p:cNvGrpSpPr/>
-            <p:nvPr/>
-          </p:nvGrpSpPr>
-          <p:grpSpPr>
-            <a:xfrm>
-              <a:off x="4491" y="2371"/>
-              <a:ext cx="4304" cy="2292"/>
-              <a:chOff x="4491" y="2371"/>
-              <a:chExt cx="4304" cy="2292"/>
-            </a:xfrm>
-          </p:grpSpPr>
-          <p:cxnSp>
-            <p:nvCxnSpPr>
-              <p:cNvPr id="31" name="Straight Arrow Connector 30"/>
-              <p:cNvCxnSpPr>
-                <a:stCxn id="5" idx="3"/>
-              </p:cNvCxnSpPr>
-              <p:nvPr>
-                <p:custDataLst>
-                  <p:tags r:id="rId26"/>
-                </p:custDataLst>
-              </p:nvPr>
-            </p:nvCxnSpPr>
-            <p:spPr>
-              <a:xfrm>
-                <a:off x="4491" y="2371"/>
-                <a:ext cx="4304" cy="2292"/>
-              </a:xfrm>
-              <a:prstGeom prst="straightConnector1">
-                <a:avLst/>
-              </a:prstGeom>
-              <a:ln>
-                <a:headEnd type="arrow"/>
-                <a:tailEnd type="arrow"/>
-              </a:ln>
-            </p:spPr>
-            <p:style>
-              <a:lnRef idx="2">
-                <a:schemeClr val="accent1"/>
-              </a:lnRef>
-              <a:fillRef idx="0">
-                <a:srgbClr val="FFFFFF"/>
-              </a:fillRef>
-              <a:effectRef idx="0">
-                <a:srgbClr val="FFFFFF"/>
-              </a:effectRef>
-              <a:fontRef idx="minor">
-                <a:schemeClr val="tx1"/>
-              </a:fontRef>
-            </p:style>
-          </p:cxnSp>
-          <p:sp>
-            <p:nvSpPr>
-              <p:cNvPr id="38" name="Rounded Rectangle 37"/>
-              <p:cNvSpPr/>
-              <p:nvPr/>
-            </p:nvSpPr>
-            <p:spPr>
-              <a:xfrm>
-                <a:off x="5700" y="3183"/>
-                <a:ext cx="1526" cy="269"/>
-              </a:xfrm>
-              <a:prstGeom prst="roundRect">
-                <a:avLst/>
-              </a:prstGeom>
-              <a:solidFill>
-                <a:schemeClr val="bg1"/>
-              </a:solidFill>
-              <a:ln w="19050">
-                <a:solidFill>
-                  <a:srgbClr val="FFC000"/>
-                </a:solidFill>
-              </a:ln>
-            </p:spPr>
-            <p:style>
-              <a:lnRef idx="2">
-                <a:schemeClr val="accent1">
-                  <a:lumMod val="75000"/>
-                </a:schemeClr>
-              </a:lnRef>
-              <a:fillRef idx="1">
-                <a:schemeClr val="accent1"/>
-              </a:fillRef>
-              <a:effectRef idx="0">
-                <a:srgbClr val="FFFFFF"/>
-              </a:effectRef>
-              <a:fontRef idx="minor">
-                <a:schemeClr val="lt1"/>
-              </a:fontRef>
-            </p:style>
-            <p:txBody>
-              <a:bodyPr rtlCol="0" anchor="ctr"/>
-              <a:p>
-                <a:pPr algn="ctr"/>
-                <a:r>
-                  <a:rPr lang="en-US" sz="900">
-                    <a:ln/>
-                    <a:solidFill>
-                      <a:schemeClr val="tx1"/>
-                    </a:solidFill>
-                    <a:effectLst>
-                      <a:outerShdw blurRad="38100" dist="19050" dir="2700000" algn="tl" rotWithShape="0">
-                        <a:schemeClr val="dk1">
-                          <a:alpha val="40000"/>
-                        </a:schemeClr>
-                      </a:outerShdw>
-                    </a:effectLst>
-                  </a:rPr>
-                  <a:t>HTTP Request</a:t>
-                </a:r>
-                <a:endParaRPr lang="en-US" sz="900">
-                  <a:ln/>
-                  <a:solidFill>
-                    <a:schemeClr val="tx1"/>
-                  </a:solidFill>
-                  <a:effectLst>
-                    <a:outerShdw blurRad="38100" dist="19050" dir="2700000" algn="tl" rotWithShape="0">
-                      <a:schemeClr val="dk1">
-                        <a:alpha val="40000"/>
-                      </a:schemeClr>
-                    </a:outerShdw>
-                  </a:effectLst>
-                </a:endParaRPr>
-              </a:p>
-            </p:txBody>
-          </p:sp>
-        </p:grpSp>
-        <p:grpSp>
-          <p:nvGrpSpPr>
-            <p:cNvPr id="46" name="Group 45"/>
-            <p:cNvGrpSpPr/>
-            <p:nvPr/>
-          </p:nvGrpSpPr>
-          <p:grpSpPr>
-            <a:xfrm>
-              <a:off x="4098" y="4965"/>
-              <a:ext cx="4696" cy="842"/>
-              <a:chOff x="4098" y="4965"/>
-              <a:chExt cx="4696" cy="842"/>
-            </a:xfrm>
-          </p:grpSpPr>
-          <p:cxnSp>
-            <p:nvCxnSpPr>
-              <p:cNvPr id="32" name="Straight Arrow Connector 31"/>
-              <p:cNvCxnSpPr>
-                <a:stCxn id="6" idx="3"/>
-              </p:cNvCxnSpPr>
-              <p:nvPr>
-                <p:custDataLst>
-                  <p:tags r:id="rId27"/>
-                </p:custDataLst>
-              </p:nvPr>
-            </p:nvCxnSpPr>
-            <p:spPr>
-              <a:xfrm flipV="1">
-                <a:off x="4098" y="4965"/>
-                <a:ext cx="4697" cy="842"/>
-              </a:xfrm>
-              <a:prstGeom prst="straightConnector1">
-                <a:avLst/>
-              </a:prstGeom>
-              <a:ln>
-                <a:headEnd type="arrow"/>
-                <a:tailEnd type="arrow"/>
-              </a:ln>
-            </p:spPr>
-            <p:style>
-              <a:lnRef idx="2">
-                <a:schemeClr val="accent1"/>
-              </a:lnRef>
-              <a:fillRef idx="0">
-                <a:srgbClr val="FFFFFF"/>
-              </a:fillRef>
-              <a:effectRef idx="0">
-                <a:srgbClr val="FFFFFF"/>
-              </a:effectRef>
-              <a:fontRef idx="minor">
-                <a:schemeClr val="tx1"/>
-              </a:fontRef>
-            </p:style>
-          </p:cxnSp>
-          <p:sp>
-            <p:nvSpPr>
-              <p:cNvPr id="39" name="Rounded Rectangle 38"/>
-              <p:cNvSpPr/>
-              <p:nvPr>
-                <p:custDataLst>
-                  <p:tags r:id="rId28"/>
-                </p:custDataLst>
-              </p:nvPr>
-            </p:nvSpPr>
-            <p:spPr>
-              <a:xfrm>
-                <a:off x="5638" y="5209"/>
-                <a:ext cx="1526" cy="269"/>
-              </a:xfrm>
-              <a:prstGeom prst="roundRect">
-                <a:avLst/>
-              </a:prstGeom>
-              <a:solidFill>
-                <a:schemeClr val="bg1"/>
-              </a:solidFill>
-              <a:ln w="19050">
-                <a:solidFill>
-                  <a:srgbClr val="FFC000"/>
-                </a:solidFill>
-              </a:ln>
-            </p:spPr>
-            <p:style>
-              <a:lnRef idx="2">
-                <a:schemeClr val="accent1">
-                  <a:lumMod val="75000"/>
-                </a:schemeClr>
-              </a:lnRef>
-              <a:fillRef idx="1">
-                <a:schemeClr val="accent1"/>
-              </a:fillRef>
-              <a:effectRef idx="0">
-                <a:srgbClr val="FFFFFF"/>
-              </a:effectRef>
-              <a:fontRef idx="minor">
-                <a:schemeClr val="lt1"/>
-              </a:fontRef>
-            </p:style>
-            <p:txBody>
-              <a:bodyPr rtlCol="0" anchor="ctr"/>
-              <a:p>
-                <a:pPr algn="ctr"/>
-                <a:r>
-                  <a:rPr lang="en-US" sz="900">
-                    <a:solidFill>
-                      <a:schemeClr val="tx1"/>
-                    </a:solidFill>
-                    <a:effectLst>
-                      <a:outerShdw blurRad="38100" dist="19050" dir="2700000" algn="tl" rotWithShape="0">
-                        <a:schemeClr val="dk1">
-                          <a:alpha val="40000"/>
-                        </a:schemeClr>
-                      </a:outerShdw>
-                    </a:effectLst>
-                  </a:rPr>
-                  <a:t>HTTP Request</a:t>
-                </a:r>
-                <a:endParaRPr lang="en-US" sz="900">
-                  <a:solidFill>
-                    <a:schemeClr val="tx1"/>
-                  </a:solidFill>
-                  <a:effectLst>
-                    <a:outerShdw blurRad="38100" dist="19050" dir="2700000" algn="tl" rotWithShape="0">
-                      <a:schemeClr val="dk1">
-                        <a:alpha val="40000"/>
-                      </a:schemeClr>
-                    </a:outerShdw>
-                  </a:effectLst>
-                </a:endParaRPr>
-              </a:p>
-            </p:txBody>
-          </p:sp>
-        </p:grpSp>
-        <p:grpSp>
-          <p:nvGrpSpPr>
-            <p:cNvPr id="47" name="Group 46"/>
-            <p:cNvGrpSpPr/>
-            <p:nvPr/>
-          </p:nvGrpSpPr>
-          <p:grpSpPr>
-            <a:xfrm>
-              <a:off x="4923" y="5406"/>
-              <a:ext cx="3830" cy="2756"/>
-              <a:chOff x="4923" y="5406"/>
-              <a:chExt cx="3830" cy="2756"/>
-            </a:xfrm>
-          </p:grpSpPr>
-          <p:cxnSp>
-            <p:nvCxnSpPr>
-              <p:cNvPr id="33" name="Straight Arrow Connector 32"/>
-              <p:cNvCxnSpPr>
-                <a:stCxn id="7" idx="0"/>
-              </p:cNvCxnSpPr>
-              <p:nvPr>
-                <p:custDataLst>
-                  <p:tags r:id="rId29"/>
-                </p:custDataLst>
-              </p:nvPr>
-            </p:nvCxnSpPr>
-            <p:spPr>
-              <a:xfrm flipV="1">
-                <a:off x="4923" y="5406"/>
-                <a:ext cx="3830" cy="2757"/>
-              </a:xfrm>
-              <a:prstGeom prst="straightConnector1">
-                <a:avLst/>
-              </a:prstGeom>
-              <a:ln>
-                <a:headEnd type="arrow"/>
-                <a:tailEnd type="arrow"/>
-              </a:ln>
-            </p:spPr>
-            <p:style>
-              <a:lnRef idx="2">
-                <a:schemeClr val="accent1"/>
-              </a:lnRef>
-              <a:fillRef idx="0">
-                <a:srgbClr val="FFFFFF"/>
-              </a:fillRef>
-              <a:effectRef idx="0">
-                <a:srgbClr val="FFFFFF"/>
-              </a:effectRef>
-              <a:fontRef idx="minor">
-                <a:schemeClr val="tx1"/>
-              </a:fontRef>
-            </p:style>
-          </p:cxnSp>
-          <p:sp>
-            <p:nvSpPr>
-              <p:cNvPr id="40" name="Rounded Rectangle 39"/>
-              <p:cNvSpPr/>
-              <p:nvPr>
-                <p:custDataLst>
-                  <p:tags r:id="rId30"/>
-                </p:custDataLst>
-              </p:nvPr>
-            </p:nvSpPr>
-            <p:spPr>
-              <a:xfrm>
-                <a:off x="5853" y="6811"/>
-                <a:ext cx="1526" cy="269"/>
-              </a:xfrm>
-              <a:prstGeom prst="roundRect">
-                <a:avLst/>
-              </a:prstGeom>
-              <a:solidFill>
-                <a:schemeClr val="bg1"/>
-              </a:solidFill>
-              <a:ln w="19050">
-                <a:solidFill>
-                  <a:srgbClr val="FFC000"/>
-                </a:solidFill>
-              </a:ln>
-            </p:spPr>
-            <p:style>
-              <a:lnRef idx="2">
-                <a:schemeClr val="accent1">
-                  <a:lumMod val="75000"/>
-                </a:schemeClr>
-              </a:lnRef>
-              <a:fillRef idx="1">
-                <a:schemeClr val="accent1"/>
-              </a:fillRef>
-              <a:effectRef idx="0">
-                <a:srgbClr val="FFFFFF"/>
-              </a:effectRef>
-              <a:fontRef idx="minor">
-                <a:schemeClr val="lt1"/>
-              </a:fontRef>
-            </p:style>
-            <p:txBody>
-              <a:bodyPr rtlCol="0" anchor="ctr"/>
-              <a:p>
-                <a:pPr algn="ctr"/>
-                <a:r>
-                  <a:rPr lang="en-US" sz="900">
-                    <a:solidFill>
-                      <a:schemeClr val="tx1"/>
-                    </a:solidFill>
-                    <a:effectLst>
-                      <a:outerShdw blurRad="38100" dist="19050" dir="2700000" algn="tl" rotWithShape="0">
-                        <a:schemeClr val="dk1">
-                          <a:alpha val="40000"/>
-                        </a:schemeClr>
-                      </a:outerShdw>
-                    </a:effectLst>
-                  </a:rPr>
-                  <a:t>HTTP Request</a:t>
-                </a:r>
-                <a:endParaRPr lang="en-US" sz="900">
-                  <a:solidFill>
-                    <a:schemeClr val="tx1"/>
-                  </a:solidFill>
-                  <a:effectLst>
-                    <a:outerShdw blurRad="38100" dist="19050" dir="2700000" algn="tl" rotWithShape="0">
-                      <a:schemeClr val="dk1">
-                        <a:alpha val="40000"/>
-                      </a:schemeClr>
-                    </a:outerShdw>
-                  </a:effectLst>
-                </a:endParaRPr>
-              </a:p>
-            </p:txBody>
-          </p:sp>
-        </p:grpSp>
-        <p:grpSp>
-          <p:nvGrpSpPr>
-            <p:cNvPr id="44" name="Group 43"/>
-            <p:cNvGrpSpPr/>
-            <p:nvPr/>
-          </p:nvGrpSpPr>
-          <p:grpSpPr>
-            <a:xfrm>
-              <a:off x="7819" y="2452"/>
-              <a:ext cx="1526" cy="1728"/>
-              <a:chOff x="7819" y="2452"/>
-              <a:chExt cx="1526" cy="1728"/>
-            </a:xfrm>
-          </p:grpSpPr>
-          <p:cxnSp>
-            <p:nvCxnSpPr>
-              <p:cNvPr id="30" name="Straight Arrow Connector 29"/>
-              <p:cNvCxnSpPr>
-                <a:stCxn id="8" idx="2"/>
-              </p:cNvCxnSpPr>
-              <p:nvPr/>
-            </p:nvCxnSpPr>
-            <p:spPr>
-              <a:xfrm>
-                <a:off x="8274" y="2452"/>
-                <a:ext cx="878" cy="1729"/>
-              </a:xfrm>
-              <a:prstGeom prst="straightConnector1">
-                <a:avLst/>
-              </a:prstGeom>
-              <a:ln>
-                <a:headEnd type="arrow"/>
-                <a:tailEnd type="arrow"/>
-              </a:ln>
-            </p:spPr>
-            <p:style>
-              <a:lnRef idx="2">
-                <a:schemeClr val="accent1"/>
-              </a:lnRef>
-              <a:fillRef idx="0">
-                <a:srgbClr val="FFFFFF"/>
-              </a:fillRef>
-              <a:effectRef idx="0">
-                <a:srgbClr val="FFFFFF"/>
-              </a:effectRef>
-              <a:fontRef idx="minor">
-                <a:schemeClr val="tx1"/>
-              </a:fontRef>
-            </p:style>
-          </p:cxnSp>
-          <p:sp>
-            <p:nvSpPr>
-              <p:cNvPr id="41" name="Rounded Rectangle 40"/>
-              <p:cNvSpPr/>
-              <p:nvPr>
-                <p:custDataLst>
-                  <p:tags r:id="rId31"/>
-                </p:custDataLst>
-              </p:nvPr>
-            </p:nvSpPr>
-            <p:spPr>
-              <a:xfrm>
-                <a:off x="7819" y="2748"/>
-                <a:ext cx="1526" cy="269"/>
-              </a:xfrm>
-              <a:prstGeom prst="roundRect">
-                <a:avLst/>
-              </a:prstGeom>
-              <a:solidFill>
-                <a:schemeClr val="bg1"/>
-              </a:solidFill>
-              <a:ln w="19050">
-                <a:solidFill>
-                  <a:srgbClr val="FFC000"/>
-                </a:solidFill>
-              </a:ln>
-            </p:spPr>
-            <p:style>
-              <a:lnRef idx="2">
-                <a:schemeClr val="accent1">
-                  <a:lumMod val="75000"/>
-                </a:schemeClr>
-              </a:lnRef>
-              <a:fillRef idx="1">
-                <a:schemeClr val="accent1"/>
-              </a:fillRef>
-              <a:effectRef idx="0">
-                <a:srgbClr val="FFFFFF"/>
-              </a:effectRef>
-              <a:fontRef idx="minor">
-                <a:schemeClr val="lt1"/>
-              </a:fontRef>
-            </p:style>
-            <p:txBody>
-              <a:bodyPr rtlCol="0" anchor="ctr"/>
-              <a:p>
-                <a:pPr algn="ctr"/>
-                <a:r>
-                  <a:rPr lang="en-US" sz="900">
-                    <a:solidFill>
-                      <a:schemeClr val="tx1"/>
-                    </a:solidFill>
-                    <a:effectLst>
-                      <a:outerShdw blurRad="38100" dist="19050" dir="2700000" algn="tl" rotWithShape="0">
-                        <a:schemeClr val="dk1">
-                          <a:alpha val="40000"/>
-                        </a:schemeClr>
-                      </a:outerShdw>
-                    </a:effectLst>
-                  </a:rPr>
-                  <a:t>HTTP Request</a:t>
-                </a:r>
-                <a:endParaRPr lang="en-US" sz="900">
-                  <a:solidFill>
-                    <a:schemeClr val="tx1"/>
-                  </a:solidFill>
-                  <a:effectLst>
-                    <a:outerShdw blurRad="38100" dist="19050" dir="2700000" algn="tl" rotWithShape="0">
-                      <a:schemeClr val="dk1">
-                        <a:alpha val="40000"/>
-                      </a:schemeClr>
-                    </a:outerShdw>
-                  </a:effectLst>
-                </a:endParaRPr>
-              </a:p>
-            </p:txBody>
-          </p:sp>
-        </p:grpSp>
-        <p:grpSp>
-          <p:nvGrpSpPr>
-            <p:cNvPr id="43" name="Group 42"/>
-            <p:cNvGrpSpPr/>
-            <p:nvPr/>
-          </p:nvGrpSpPr>
-          <p:grpSpPr>
-            <a:xfrm>
-              <a:off x="10575" y="2262"/>
-              <a:ext cx="2227" cy="1946"/>
-              <a:chOff x="10575" y="2262"/>
-              <a:chExt cx="2227" cy="1946"/>
-            </a:xfrm>
-          </p:grpSpPr>
-          <p:cxnSp>
-            <p:nvCxnSpPr>
-              <p:cNvPr id="34" name="Straight Arrow Connector 33"/>
-              <p:cNvCxnSpPr>
-                <a:endCxn id="48" idx="1"/>
-              </p:cNvCxnSpPr>
-              <p:nvPr>
-                <p:custDataLst>
-                  <p:tags r:id="rId32"/>
-                </p:custDataLst>
-              </p:nvPr>
-            </p:nvCxnSpPr>
-            <p:spPr>
-              <a:xfrm flipV="1">
-                <a:off x="10575" y="2262"/>
-                <a:ext cx="2227" cy="1946"/>
-              </a:xfrm>
-              <a:prstGeom prst="straightConnector1">
-                <a:avLst/>
-              </a:prstGeom>
-              <a:ln>
-                <a:headEnd type="arrow"/>
-                <a:tailEnd type="arrow"/>
-              </a:ln>
-            </p:spPr>
-            <p:style>
-              <a:lnRef idx="2">
-                <a:schemeClr val="accent1"/>
-              </a:lnRef>
-              <a:fillRef idx="0">
-                <a:srgbClr val="FFFFFF"/>
-              </a:fillRef>
-              <a:effectRef idx="0">
-                <a:srgbClr val="FFFFFF"/>
-              </a:effectRef>
-              <a:fontRef idx="minor">
-                <a:schemeClr val="tx1"/>
-              </a:fontRef>
-            </p:style>
-          </p:cxnSp>
-          <p:sp>
-            <p:nvSpPr>
-              <p:cNvPr id="42" name="Rounded Rectangle 41"/>
-              <p:cNvSpPr/>
-              <p:nvPr>
-                <p:custDataLst>
-                  <p:tags r:id="rId33"/>
-                </p:custDataLst>
-              </p:nvPr>
-            </p:nvSpPr>
-            <p:spPr>
-              <a:xfrm>
-                <a:off x="10635" y="2945"/>
-                <a:ext cx="1526" cy="269"/>
-              </a:xfrm>
-              <a:prstGeom prst="roundRect">
-                <a:avLst/>
-              </a:prstGeom>
-              <a:solidFill>
-                <a:schemeClr val="bg1"/>
-              </a:solidFill>
-              <a:ln w="19050">
-                <a:solidFill>
-                  <a:srgbClr val="FFC000"/>
-                </a:solidFill>
-              </a:ln>
-            </p:spPr>
-            <p:style>
-              <a:lnRef idx="2">
-                <a:schemeClr val="accent1">
-                  <a:lumMod val="75000"/>
-                </a:schemeClr>
-              </a:lnRef>
-              <a:fillRef idx="1">
-                <a:schemeClr val="accent1"/>
-              </a:fillRef>
-              <a:effectRef idx="0">
-                <a:srgbClr val="FFFFFF"/>
-              </a:effectRef>
-              <a:fontRef idx="minor">
-                <a:schemeClr val="lt1"/>
-              </a:fontRef>
-            </p:style>
-            <p:txBody>
-              <a:bodyPr rtlCol="0" anchor="ctr"/>
-              <a:p>
-                <a:pPr algn="ctr"/>
-                <a:r>
-                  <a:rPr lang="en-US" sz="900">
-                    <a:solidFill>
-                      <a:schemeClr val="tx1"/>
-                    </a:solidFill>
-                    <a:effectLst>
-                      <a:outerShdw blurRad="38100" dist="19050" dir="2700000" algn="tl" rotWithShape="0">
-                        <a:schemeClr val="dk1">
-                          <a:alpha val="40000"/>
-                        </a:schemeClr>
-                      </a:outerShdw>
-                    </a:effectLst>
-                  </a:rPr>
-                  <a:t>HTTP Request</a:t>
-                </a:r>
-                <a:endParaRPr lang="en-US" sz="900">
-                  <a:solidFill>
-                    <a:schemeClr val="tx1"/>
-                  </a:solidFill>
-                  <a:effectLst>
-                    <a:outerShdw blurRad="38100" dist="19050" dir="2700000" algn="tl" rotWithShape="0">
-                      <a:schemeClr val="dk1">
-                        <a:alpha val="40000"/>
-                      </a:schemeClr>
-                    </a:outerShdw>
-                  </a:effectLst>
-                </a:endParaRPr>
-              </a:p>
-            </p:txBody>
-          </p:sp>
-        </p:grpSp>
-        <p:pic>
-          <p:nvPicPr>
-            <p:cNvPr id="48" name="Picture 47" descr="LogosChrome"/>
-            <p:cNvPicPr>
-              <a:picLocks noChangeAspect="1"/>
-            </p:cNvPicPr>
-            <p:nvPr>
-              <p:custDataLst>
-                <p:tags r:id="rId34"/>
-              </p:custDataLst>
-            </p:nvPr>
-          </p:nvPicPr>
-          <p:blipFill>
-            <a:blip r:embed="rId4">
-              <a:extLst>
-                <a:ext uri="{96DAC541-7B7A-43D3-8B79-37D633B846F1}">
-                  <asvg:svgBlip xmlns:asvg="http://schemas.microsoft.com/office/drawing/2016/SVG/main" r:embed="rId5"/>
-                </a:ext>
-              </a:extLst>
-            </a:blip>
-            <a:stretch>
-              <a:fillRect/>
-            </a:stretch>
-          </p:blipFill>
-          <p:spPr>
-            <a:xfrm>
-              <a:off x="12802" y="2022"/>
-              <a:ext cx="480" cy="480"/>
-            </a:xfrm>
-            <a:prstGeom prst="rect">
-              <a:avLst/>
-            </a:prstGeom>
-          </p:spPr>
-        </p:pic>
-        <p:pic>
-          <p:nvPicPr>
-            <p:cNvPr id="49" name="Picture 48" descr="LogosFirefox"/>
-            <p:cNvPicPr>
-              <a:picLocks noChangeAspect="1"/>
-            </p:cNvPicPr>
-            <p:nvPr>
-              <p:custDataLst>
-                <p:tags r:id="rId35"/>
-              </p:custDataLst>
-            </p:nvPr>
-          </p:nvPicPr>
-          <p:blipFill>
-            <a:blip r:embed="rId6">
-              <a:extLst>
-                <a:ext uri="{96DAC541-7B7A-43D3-8B79-37D633B846F1}">
-                  <asvg:svgBlip xmlns:asvg="http://schemas.microsoft.com/office/drawing/2016/SVG/main" r:embed="rId7"/>
-                </a:ext>
-              </a:extLst>
-            </a:blip>
-            <a:stretch>
-              <a:fillRect/>
-            </a:stretch>
-          </p:blipFill>
-          <p:spPr>
-            <a:xfrm>
-              <a:off x="13523" y="2022"/>
-              <a:ext cx="450" cy="480"/>
-            </a:xfrm>
-            <a:prstGeom prst="rect">
-              <a:avLst/>
-            </a:prstGeom>
-          </p:spPr>
-        </p:pic>
-        <p:cxnSp>
-          <p:nvCxnSpPr>
-            <p:cNvPr id="50" name="Straight Arrow Connector 49"/>
-            <p:cNvCxnSpPr>
-              <a:endCxn id="49" idx="2"/>
-            </p:cNvCxnSpPr>
-            <p:nvPr>
-              <p:custDataLst>
-                <p:tags r:id="rId36"/>
-              </p:custDataLst>
-            </p:nvPr>
-          </p:nvCxnSpPr>
-          <p:spPr>
-            <a:xfrm flipV="1">
-              <a:off x="10775" y="2502"/>
-              <a:ext cx="2973" cy="1906"/>
-            </a:xfrm>
-            <a:prstGeom prst="straightConnector1">
-              <a:avLst/>
-            </a:prstGeom>
-            <a:ln>
-              <a:headEnd type="arrow"/>
-              <a:tailEnd type="arrow"/>
-            </a:ln>
-          </p:spPr>
-          <p:style>
-            <a:lnRef idx="2">
-              <a:schemeClr val="accent1"/>
-            </a:lnRef>
-            <a:fillRef idx="0">
-              <a:srgbClr val="FFFFFF"/>
-            </a:fillRef>
-            <a:effectRef idx="0">
-              <a:srgbClr val="FFFFFF"/>
-            </a:effectRef>
-            <a:fontRef idx="minor">
-              <a:schemeClr val="tx1"/>
-            </a:fontRef>
-          </p:style>
-        </p:cxnSp>
-        <p:sp>
-          <p:nvSpPr>
-            <p:cNvPr id="51" name="Rounded Rectangle 50"/>
-            <p:cNvSpPr/>
-            <p:nvPr>
-              <p:custDataLst>
-                <p:tags r:id="rId37"/>
-              </p:custDataLst>
-            </p:nvPr>
-          </p:nvSpPr>
-          <p:spPr>
-            <a:xfrm>
-              <a:off x="12857" y="2754"/>
-              <a:ext cx="1526" cy="269"/>
-            </a:xfrm>
-            <a:prstGeom prst="roundRect">
-              <a:avLst/>
-            </a:prstGeom>
-            <a:solidFill>
-              <a:schemeClr val="bg1"/>
-            </a:solidFill>
-            <a:ln w="19050">
-              <a:solidFill>
-                <a:srgbClr val="FFC000"/>
-              </a:solidFill>
-            </a:ln>
-          </p:spPr>
-          <p:style>
-            <a:lnRef idx="2">
-              <a:schemeClr val="accent1">
-                <a:lumMod val="75000"/>
-              </a:schemeClr>
-            </a:lnRef>
-            <a:fillRef idx="1">
-              <a:schemeClr val="accent1"/>
-            </a:fillRef>
-            <a:effectRef idx="0">
-              <a:srgbClr val="FFFFFF"/>
-            </a:effectRef>
-            <a:fontRef idx="minor">
-              <a:schemeClr val="lt1"/>
-            </a:fontRef>
-          </p:style>
-          <p:txBody>
-            <a:bodyPr rtlCol="0" anchor="ctr"/>
-            <a:p>
-              <a:pPr algn="ctr"/>
-              <a:r>
-                <a:rPr lang="en-US" sz="900">
-                  <a:solidFill>
-                    <a:schemeClr val="tx1"/>
-                  </a:solidFill>
-                  <a:effectLst>
-                    <a:outerShdw blurRad="38100" dist="19050" dir="2700000" algn="tl" rotWithShape="0">
-                      <a:schemeClr val="dk1">
-                        <a:alpha val="40000"/>
-                      </a:schemeClr>
-                    </a:outerShdw>
-                  </a:effectLst>
-                </a:rPr>
-                <a:t>HTTP Request</a:t>
-              </a:r>
-              <a:endParaRPr lang="en-US" sz="900">
-                <a:solidFill>
-                  <a:schemeClr val="tx1"/>
-                </a:solidFill>
-                <a:effectLst>
-                  <a:outerShdw blurRad="38100" dist="19050" dir="2700000" algn="tl" rotWithShape="0">
-                    <a:schemeClr val="dk1">
-                      <a:alpha val="40000"/>
-                    </a:schemeClr>
-                  </a:outerShdw>
-                </a:effectLst>
-              </a:endParaRPr>
-            </a:p>
-          </p:txBody>
-        </p:sp>
-      </p:grpSp>
-    </p:spTree>
-  </p:cSld>
-  <p:clrMapOvr>
-    <a:masterClrMapping/>
-  </p:clrMapOvr>
-</p:sld>
-</file>
-
-<file path=ppt/slides/slide4.xml><?xml version="1.0" encoding="utf-8"?>
 <p:sld xmlns:a="http://schemas.openxmlformats.org/drawingml/2006/main" xmlns:r="http://schemas.openxmlformats.org/officeDocument/2006/relationships" xmlns:p="http://schemas.openxmlformats.org/presentationml/2006/main">
   <p:cSld>
     <p:spTree>
@@ -8384,6 +6674,2380 @@
 </p:sld>
 </file>
 
+<file path=ppt/slides/slide4.xml><?xml version="1.0" encoding="utf-8"?>
+<p:sld xmlns:a="http://schemas.openxmlformats.org/drawingml/2006/main" xmlns:r="http://schemas.openxmlformats.org/officeDocument/2006/relationships" xmlns:p="http://schemas.openxmlformats.org/presentationml/2006/main">
+  <p:cSld>
+    <p:spTree>
+      <p:nvGrpSpPr>
+        <p:cNvPr id="1" name=""/>
+        <p:cNvGrpSpPr/>
+        <p:nvPr/>
+      </p:nvGrpSpPr>
+      <p:grpSpPr/>
+      <p:grpSp>
+        <p:nvGrpSpPr>
+          <p:cNvPr id="8" name="Group 7"/>
+          <p:cNvGrpSpPr/>
+          <p:nvPr/>
+        </p:nvGrpSpPr>
+        <p:grpSpPr>
+          <a:xfrm>
+            <a:off x="5074285" y="356235"/>
+            <a:ext cx="5622925" cy="2967355"/>
+            <a:chOff x="700" y="5827"/>
+            <a:chExt cx="8855" cy="4673"/>
+          </a:xfrm>
+        </p:grpSpPr>
+        <p:pic>
+          <p:nvPicPr>
+            <p:cNvPr id="7" name="Picture 6" descr="3juIs"/>
+            <p:cNvPicPr>
+              <a:picLocks noChangeAspect="1"/>
+            </p:cNvPicPr>
+            <p:nvPr/>
+          </p:nvPicPr>
+          <p:blipFill>
+            <a:blip r:embed="rId1"/>
+            <a:srcRect r="37557"/>
+            <a:stretch>
+              <a:fillRect/>
+            </a:stretch>
+          </p:blipFill>
+          <p:spPr>
+            <a:xfrm>
+              <a:off x="700" y="6420"/>
+              <a:ext cx="8855" cy="4080"/>
+            </a:xfrm>
+            <a:prstGeom prst="rect">
+              <a:avLst/>
+            </a:prstGeom>
+          </p:spPr>
+        </p:pic>
+        <p:sp>
+          <p:nvSpPr>
+            <p:cNvPr id="53" name="Text Box 52"/>
+            <p:cNvSpPr txBox="1"/>
+            <p:nvPr>
+              <p:custDataLst>
+                <p:tags r:id="rId2"/>
+              </p:custDataLst>
+            </p:nvPr>
+          </p:nvSpPr>
+          <p:spPr>
+            <a:xfrm>
+              <a:off x="700" y="5827"/>
+              <a:ext cx="8855" cy="593"/>
+            </a:xfrm>
+            <a:prstGeom prst="roundRect">
+              <a:avLst/>
+            </a:prstGeom>
+            <a:solidFill>
+              <a:schemeClr val="accent2">
+                <a:lumMod val="20000"/>
+                <a:lumOff val="80000"/>
+              </a:schemeClr>
+            </a:solidFill>
+          </p:spPr>
+          <p:txBody>
+            <a:bodyPr wrap="square" rtlCol="0">
+              <a:noAutofit/>
+              <a:scene3d>
+                <a:camera prst="orthographicFront"/>
+                <a:lightRig rig="threePt" dir="t"/>
+              </a:scene3d>
+            </a:bodyPr>
+            <a:p>
+              <a:r>
+                <a:rPr lang="en-US" sz="1600" b="1">
+                  <a:solidFill>
+                    <a:schemeClr val="tx1"/>
+                  </a:solidFill>
+                  <a:effectLst>
+                    <a:outerShdw blurRad="38100" dist="19050" dir="2700000" algn="tl" rotWithShape="0">
+                      <a:schemeClr val="dk1">
+                        <a:alpha val="40000"/>
+                      </a:schemeClr>
+                    </a:outerShdw>
+                  </a:effectLst>
+                </a:rPr>
+                <a:t>1. Lưu session trong database</a:t>
+              </a:r>
+              <a:endParaRPr lang="en-US" sz="1600" b="1">
+                <a:solidFill>
+                  <a:schemeClr val="tx1"/>
+                </a:solidFill>
+                <a:effectLst>
+                  <a:outerShdw blurRad="38100" dist="19050" dir="2700000" algn="tl" rotWithShape="0">
+                    <a:schemeClr val="dk1">
+                      <a:alpha val="40000"/>
+                    </a:schemeClr>
+                  </a:outerShdw>
+                </a:effectLst>
+              </a:endParaRPr>
+            </a:p>
+          </p:txBody>
+        </p:sp>
+      </p:grpSp>
+      <p:grpSp>
+        <p:nvGrpSpPr>
+          <p:cNvPr id="15" name="Group 14"/>
+          <p:cNvGrpSpPr/>
+          <p:nvPr/>
+        </p:nvGrpSpPr>
+        <p:grpSpPr>
+          <a:xfrm>
+            <a:off x="444500" y="732790"/>
+            <a:ext cx="3187700" cy="5393055"/>
+            <a:chOff x="700" y="1154"/>
+            <a:chExt cx="5020" cy="8493"/>
+          </a:xfrm>
+        </p:grpSpPr>
+        <p:sp>
+          <p:nvSpPr>
+            <p:cNvPr id="11" name="Text Box 10"/>
+            <p:cNvSpPr txBox="1"/>
+            <p:nvPr>
+              <p:custDataLst>
+                <p:tags r:id="rId3"/>
+              </p:custDataLst>
+            </p:nvPr>
+          </p:nvSpPr>
+          <p:spPr>
+            <a:xfrm>
+              <a:off x="700" y="1154"/>
+              <a:ext cx="4971" cy="593"/>
+            </a:xfrm>
+            <a:prstGeom prst="roundRect">
+              <a:avLst/>
+            </a:prstGeom>
+            <a:solidFill>
+              <a:schemeClr val="accent2">
+                <a:lumMod val="20000"/>
+                <a:lumOff val="80000"/>
+              </a:schemeClr>
+            </a:solidFill>
+          </p:spPr>
+          <p:txBody>
+            <a:bodyPr wrap="square" rtlCol="0">
+              <a:noAutofit/>
+              <a:scene3d>
+                <a:camera prst="orthographicFront"/>
+                <a:lightRig rig="threePt" dir="t"/>
+              </a:scene3d>
+            </a:bodyPr>
+            <a:p>
+              <a:r>
+                <a:rPr lang="en-US" sz="1600" b="1">
+                  <a:solidFill>
+                    <a:schemeClr val="tx1"/>
+                  </a:solidFill>
+                  <a:effectLst>
+                    <a:outerShdw blurRad="38100" dist="19050" dir="2700000" algn="tl" rotWithShape="0">
+                      <a:schemeClr val="dk1">
+                        <a:alpha val="40000"/>
+                      </a:schemeClr>
+                    </a:outerShdw>
+                  </a:effectLst>
+                </a:rPr>
+                <a:t>2. Lưu session trong file của project</a:t>
+              </a:r>
+              <a:endParaRPr lang="en-US" sz="1600" b="1">
+                <a:solidFill>
+                  <a:schemeClr val="tx1"/>
+                </a:solidFill>
+                <a:effectLst>
+                  <a:outerShdw blurRad="38100" dist="19050" dir="2700000" algn="tl" rotWithShape="0">
+                    <a:schemeClr val="dk1">
+                      <a:alpha val="40000"/>
+                    </a:schemeClr>
+                  </a:outerShdw>
+                </a:effectLst>
+              </a:endParaRPr>
+            </a:p>
+          </p:txBody>
+        </p:sp>
+        <p:grpSp>
+          <p:nvGrpSpPr>
+            <p:cNvPr id="14" name="Group 13"/>
+            <p:cNvGrpSpPr/>
+            <p:nvPr/>
+          </p:nvGrpSpPr>
+          <p:grpSpPr>
+            <a:xfrm>
+              <a:off x="700" y="1747"/>
+              <a:ext cx="5020" cy="7900"/>
+              <a:chOff x="700" y="1747"/>
+              <a:chExt cx="5020" cy="7900"/>
+            </a:xfrm>
+          </p:grpSpPr>
+          <p:pic>
+            <p:nvPicPr>
+              <p:cNvPr id="12" name="Picture 11"/>
+              <p:cNvPicPr/>
+              <p:nvPr/>
+            </p:nvPicPr>
+            <p:blipFill>
+              <a:blip r:embed="rId4"/>
+            </p:blipFill>
+            <p:spPr>
+              <a:xfrm>
+                <a:off x="700" y="1747"/>
+                <a:ext cx="4972" cy="7901"/>
+              </a:xfrm>
+              <a:prstGeom prst="rect">
+                <a:avLst/>
+              </a:prstGeom>
+            </p:spPr>
+          </p:pic>
+          <p:sp>
+            <p:nvSpPr>
+              <p:cNvPr id="13" name="Rectangles 12"/>
+              <p:cNvSpPr/>
+              <p:nvPr/>
+            </p:nvSpPr>
+            <p:spPr>
+              <a:xfrm>
+                <a:off x="1640" y="6740"/>
+                <a:ext cx="4080" cy="900"/>
+              </a:xfrm>
+              <a:prstGeom prst="rect">
+                <a:avLst/>
+              </a:prstGeom>
+              <a:noFill/>
+              <a:ln w="19050">
+                <a:solidFill>
+                  <a:srgbClr val="FF0000"/>
+                </a:solidFill>
+              </a:ln>
+            </p:spPr>
+            <p:style>
+              <a:lnRef idx="2">
+                <a:schemeClr val="accent1">
+                  <a:lumMod val="75000"/>
+                </a:schemeClr>
+              </a:lnRef>
+              <a:fillRef idx="1">
+                <a:schemeClr val="accent1"/>
+              </a:fillRef>
+              <a:effectRef idx="0">
+                <a:srgbClr val="FFFFFF"/>
+              </a:effectRef>
+              <a:fontRef idx="minor">
+                <a:schemeClr val="lt1"/>
+              </a:fontRef>
+            </p:style>
+            <p:txBody>
+              <a:bodyPr rtlCol="0" anchor="ctr"/>
+              <a:p>
+                <a:pPr algn="ctr"/>
+                <a:endParaRPr lang="en-US" sz="1400">
+                  <a:solidFill>
+                    <a:schemeClr val="tx1"/>
+                  </a:solidFill>
+                  <a:effectLst>
+                    <a:outerShdw blurRad="38100" dist="19050" dir="2700000" algn="tl" rotWithShape="0">
+                      <a:schemeClr val="dk1">
+                        <a:alpha val="40000"/>
+                      </a:schemeClr>
+                    </a:outerShdw>
+                  </a:effectLst>
+                </a:endParaRPr>
+              </a:p>
+            </p:txBody>
+          </p:sp>
+        </p:grpSp>
+      </p:grpSp>
+      <p:sp>
+        <p:nvSpPr>
+          <p:cNvPr id="17" name="Text Box 16"/>
+          <p:cNvSpPr txBox="1"/>
+          <p:nvPr>
+            <p:custDataLst>
+              <p:tags r:id="rId5"/>
+            </p:custDataLst>
+          </p:nvPr>
+        </p:nvSpPr>
+        <p:spPr>
+          <a:xfrm>
+            <a:off x="5074285" y="3759835"/>
+            <a:ext cx="5622925" cy="376555"/>
+          </a:xfrm>
+          <a:prstGeom prst="roundRect">
+            <a:avLst/>
+          </a:prstGeom>
+          <a:solidFill>
+            <a:schemeClr val="accent2">
+              <a:lumMod val="20000"/>
+              <a:lumOff val="80000"/>
+            </a:schemeClr>
+          </a:solidFill>
+        </p:spPr>
+        <p:txBody>
+          <a:bodyPr wrap="square" rtlCol="0">
+            <a:noAutofit/>
+            <a:scene3d>
+              <a:camera prst="orthographicFront"/>
+              <a:lightRig rig="threePt" dir="t"/>
+            </a:scene3d>
+          </a:bodyPr>
+          <a:p>
+            <a:r>
+              <a:rPr lang="en-US" sz="1600" b="1">
+                <a:solidFill>
+                  <a:schemeClr val="tx1"/>
+                </a:solidFill>
+                <a:effectLst>
+                  <a:outerShdw blurRad="38100" dist="19050" dir="2700000" algn="tl" rotWithShape="0">
+                    <a:schemeClr val="dk1">
+                      <a:alpha val="40000"/>
+                    </a:schemeClr>
+                  </a:outerShdw>
+                </a:effectLst>
+              </a:rPr>
+              <a:t>3. Lưu session trong bộ nhớ của server</a:t>
+            </a:r>
+            <a:endParaRPr lang="en-US" sz="1600" b="1">
+              <a:solidFill>
+                <a:schemeClr val="tx1"/>
+              </a:solidFill>
+              <a:effectLst>
+                <a:outerShdw blurRad="38100" dist="19050" dir="2700000" algn="tl" rotWithShape="0">
+                  <a:schemeClr val="dk1">
+                    <a:alpha val="40000"/>
+                  </a:schemeClr>
+                </a:outerShdw>
+              </a:effectLst>
+            </a:endParaRPr>
+          </a:p>
+        </p:txBody>
+      </p:sp>
+    </p:spTree>
+  </p:cSld>
+  <p:clrMapOvr>
+    <a:masterClrMapping/>
+  </p:clrMapOvr>
+</p:sld>
+</file>
+
+<file path=ppt/slides/slide5.xml><?xml version="1.0" encoding="utf-8"?>
+<p:sld xmlns:a="http://schemas.openxmlformats.org/drawingml/2006/main" xmlns:r="http://schemas.openxmlformats.org/officeDocument/2006/relationships" xmlns:p="http://schemas.openxmlformats.org/presentationml/2006/main">
+  <p:cSld>
+    <p:spTree>
+      <p:nvGrpSpPr>
+        <p:cNvPr id="1" name=""/>
+        <p:cNvGrpSpPr/>
+        <p:nvPr/>
+      </p:nvGrpSpPr>
+      <p:grpSpPr/>
+      <p:grpSp>
+        <p:nvGrpSpPr>
+          <p:cNvPr id="3" name="Group 2"/>
+          <p:cNvGrpSpPr/>
+          <p:nvPr/>
+        </p:nvGrpSpPr>
+        <p:grpSpPr>
+          <a:xfrm>
+            <a:off x="0" y="127000"/>
+            <a:ext cx="12190730" cy="6604635"/>
+            <a:chOff x="0" y="200"/>
+            <a:chExt cx="19198" cy="10401"/>
+          </a:xfrm>
+        </p:grpSpPr>
+        <p:pic>
+          <p:nvPicPr>
+            <p:cNvPr id="4" name="Picture 3"/>
+            <p:cNvPicPr>
+              <a:picLocks noChangeAspect="1"/>
+            </p:cNvPicPr>
+            <p:nvPr>
+              <p:custDataLst>
+                <p:tags r:id="rId1"/>
+              </p:custDataLst>
+            </p:nvPr>
+          </p:nvPicPr>
+          <p:blipFill>
+            <a:blip r:embed="rId2"/>
+            <a:stretch>
+              <a:fillRect/>
+            </a:stretch>
+          </p:blipFill>
+          <p:spPr>
+            <a:xfrm>
+              <a:off x="0" y="200"/>
+              <a:ext cx="19198" cy="10401"/>
+            </a:xfrm>
+            <a:prstGeom prst="rect">
+              <a:avLst/>
+            </a:prstGeom>
+          </p:spPr>
+        </p:pic>
+        <p:sp>
+          <p:nvSpPr>
+            <p:cNvPr id="13" name="Rectangles 12"/>
+            <p:cNvSpPr/>
+            <p:nvPr>
+              <p:custDataLst>
+                <p:tags r:id="rId3"/>
+              </p:custDataLst>
+            </p:nvPr>
+          </p:nvSpPr>
+          <p:spPr>
+            <a:xfrm>
+              <a:off x="7338" y="7308"/>
+              <a:ext cx="2262" cy="268"/>
+            </a:xfrm>
+            <a:prstGeom prst="rect">
+              <a:avLst/>
+            </a:prstGeom>
+            <a:noFill/>
+            <a:ln w="28575">
+              <a:solidFill>
+                <a:srgbClr val="FF0000"/>
+              </a:solidFill>
+            </a:ln>
+            <a:extLst>
+              <a:ext uri="{909E8E84-426E-40DD-AFC4-6F175D3DCCD1}">
+                <a14:hiddenFill xmlns:a14="http://schemas.microsoft.com/office/drawing/2010/main">
+                  <a:solidFill>
+                    <a:schemeClr val="accent1"/>
+                  </a:solidFill>
+                </a14:hiddenFill>
+              </a:ext>
+            </a:extLst>
+          </p:spPr>
+          <p:style>
+            <a:lnRef idx="2">
+              <a:schemeClr val="accent1">
+                <a:lumMod val="75000"/>
+              </a:schemeClr>
+            </a:lnRef>
+            <a:fillRef idx="1">
+              <a:schemeClr val="accent1"/>
+            </a:fillRef>
+            <a:effectRef idx="0">
+              <a:srgbClr val="FFFFFF"/>
+            </a:effectRef>
+            <a:fontRef idx="minor">
+              <a:schemeClr val="lt1"/>
+            </a:fontRef>
+          </p:style>
+          <p:txBody>
+            <a:bodyPr rtlCol="0" anchor="ctr"/>
+            <a:p>
+              <a:pPr algn="ctr"/>
+              <a:endParaRPr lang="en-US"/>
+            </a:p>
+          </p:txBody>
+        </p:sp>
+        <p:sp>
+          <p:nvSpPr>
+            <p:cNvPr id="14" name="Rectangles 13"/>
+            <p:cNvSpPr/>
+            <p:nvPr>
+              <p:custDataLst>
+                <p:tags r:id="rId4"/>
+              </p:custDataLst>
+            </p:nvPr>
+          </p:nvSpPr>
+          <p:spPr>
+            <a:xfrm>
+              <a:off x="7338" y="4305"/>
+              <a:ext cx="2289" cy="212"/>
+            </a:xfrm>
+            <a:prstGeom prst="rect">
+              <a:avLst/>
+            </a:prstGeom>
+            <a:noFill/>
+            <a:ln w="28575">
+              <a:solidFill>
+                <a:srgbClr val="FF0000"/>
+              </a:solidFill>
+            </a:ln>
+            <a:extLst>
+              <a:ext uri="{909E8E84-426E-40DD-AFC4-6F175D3DCCD1}">
+                <a14:hiddenFill xmlns:a14="http://schemas.microsoft.com/office/drawing/2010/main">
+                  <a:solidFill>
+                    <a:schemeClr val="accent1"/>
+                  </a:solidFill>
+                </a14:hiddenFill>
+              </a:ext>
+            </a:extLst>
+          </p:spPr>
+          <p:style>
+            <a:lnRef idx="2">
+              <a:schemeClr val="accent1">
+                <a:lumMod val="75000"/>
+              </a:schemeClr>
+            </a:lnRef>
+            <a:fillRef idx="1">
+              <a:schemeClr val="accent1"/>
+            </a:fillRef>
+            <a:effectRef idx="0">
+              <a:srgbClr val="FFFFFF"/>
+            </a:effectRef>
+            <a:fontRef idx="minor">
+              <a:schemeClr val="lt1"/>
+            </a:fontRef>
+          </p:style>
+          <p:txBody>
+            <a:bodyPr rtlCol="0" anchor="ctr"/>
+            <a:p>
+              <a:pPr algn="ctr"/>
+              <a:endParaRPr lang="en-US"/>
+            </a:p>
+          </p:txBody>
+        </p:sp>
+        <p:sp>
+          <p:nvSpPr>
+            <p:cNvPr id="28" name="Double Brace 27"/>
+            <p:cNvSpPr/>
+            <p:nvPr>
+              <p:custDataLst>
+                <p:tags r:id="rId5"/>
+              </p:custDataLst>
+            </p:nvPr>
+          </p:nvSpPr>
+          <p:spPr>
+            <a:xfrm>
+              <a:off x="6905" y="7670"/>
+              <a:ext cx="11046" cy="2847"/>
+            </a:xfrm>
+            <a:prstGeom prst="bracePair">
+              <a:avLst/>
+            </a:prstGeom>
+            <a:ln w="38100">
+              <a:solidFill>
+                <a:srgbClr val="FF0000"/>
+              </a:solidFill>
+            </a:ln>
+          </p:spPr>
+          <p:style>
+            <a:lnRef idx="2">
+              <a:schemeClr val="accent1"/>
+            </a:lnRef>
+            <a:fillRef idx="0">
+              <a:srgbClr val="FFFFFF"/>
+            </a:fillRef>
+            <a:effectRef idx="0">
+              <a:srgbClr val="FFFFFF"/>
+            </a:effectRef>
+            <a:fontRef idx="minor">
+              <a:schemeClr val="tx1"/>
+            </a:fontRef>
+          </p:style>
+          <p:txBody>
+            <a:bodyPr rtlCol="0" anchor="ctr"/>
+            <a:p>
+              <a:pPr algn="ctr"/>
+              <a:endParaRPr lang="en-US"/>
+            </a:p>
+          </p:txBody>
+        </p:sp>
+        <p:sp>
+          <p:nvSpPr>
+            <p:cNvPr id="29" name="Double Brace 28"/>
+            <p:cNvSpPr/>
+            <p:nvPr>
+              <p:custDataLst>
+                <p:tags r:id="rId6"/>
+              </p:custDataLst>
+            </p:nvPr>
+          </p:nvSpPr>
+          <p:spPr>
+            <a:xfrm>
+              <a:off x="6905" y="4517"/>
+              <a:ext cx="6287" cy="2586"/>
+            </a:xfrm>
+            <a:prstGeom prst="bracePair">
+              <a:avLst/>
+            </a:prstGeom>
+            <a:ln w="38100">
+              <a:solidFill>
+                <a:srgbClr val="FF0000"/>
+              </a:solidFill>
+            </a:ln>
+          </p:spPr>
+          <p:style>
+            <a:lnRef idx="2">
+              <a:schemeClr val="accent1"/>
+            </a:lnRef>
+            <a:fillRef idx="0">
+              <a:srgbClr val="FFFFFF"/>
+            </a:fillRef>
+            <a:effectRef idx="0">
+              <a:srgbClr val="FFFFFF"/>
+            </a:effectRef>
+            <a:fontRef idx="minor">
+              <a:schemeClr val="tx1"/>
+            </a:fontRef>
+          </p:style>
+          <p:txBody>
+            <a:bodyPr rtlCol="0" anchor="ctr"/>
+            <a:p>
+              <a:pPr algn="ctr"/>
+              <a:endParaRPr lang="en-US"/>
+            </a:p>
+          </p:txBody>
+        </p:sp>
+        <p:sp>
+          <p:nvSpPr>
+            <p:cNvPr id="53" name="Text Box 52"/>
+            <p:cNvSpPr txBox="1"/>
+            <p:nvPr>
+              <p:custDataLst>
+                <p:tags r:id="rId7"/>
+              </p:custDataLst>
+            </p:nvPr>
+          </p:nvSpPr>
+          <p:spPr>
+            <a:xfrm>
+              <a:off x="2497" y="4875"/>
+              <a:ext cx="4009" cy="1870"/>
+            </a:xfrm>
+            <a:prstGeom prst="roundRect">
+              <a:avLst/>
+            </a:prstGeom>
+            <a:solidFill>
+              <a:schemeClr val="accent2">
+                <a:lumMod val="20000"/>
+                <a:lumOff val="80000"/>
+              </a:schemeClr>
+            </a:solidFill>
+          </p:spPr>
+          <p:txBody>
+            <a:bodyPr wrap="square" rtlCol="0">
+              <a:spAutoFit/>
+              <a:scene3d>
+                <a:camera prst="orthographicFront"/>
+                <a:lightRig rig="threePt" dir="t"/>
+              </a:scene3d>
+            </a:bodyPr>
+            <a:p>
+              <a:r>
+                <a:rPr lang="en-US" sz="1600">
+                  <a:solidFill>
+                    <a:schemeClr val="tx1"/>
+                  </a:solidFill>
+                  <a:effectLst>
+                    <a:outerShdw blurRad="38100" dist="19050" dir="2700000" algn="tl" rotWithShape="0">
+                      <a:schemeClr val="dk1">
+                        <a:alpha val="40000"/>
+                      </a:schemeClr>
+                    </a:outerShdw>
+                  </a:effectLst>
+                </a:rPr>
+                <a:t>Trong lần đầu truy cập PHPSESSID sẽ được tạo và gửi về trong </a:t>
+              </a:r>
+              <a:r>
+                <a:rPr lang="en-US" sz="1600" b="1">
+                  <a:solidFill>
+                    <a:schemeClr val="tx1"/>
+                  </a:solidFill>
+                  <a:effectLst>
+                    <a:outerShdw blurRad="38100" dist="19050" dir="2700000" algn="tl" rotWithShape="0">
+                      <a:schemeClr val="dk1">
+                        <a:alpha val="40000"/>
+                      </a:schemeClr>
+                    </a:outerShdw>
+                  </a:effectLst>
+                </a:rPr>
+                <a:t>header </a:t>
+              </a:r>
+              <a:r>
+                <a:rPr lang="en-US" sz="1600">
+                  <a:solidFill>
+                    <a:schemeClr val="tx1"/>
+                  </a:solidFill>
+                  <a:effectLst>
+                    <a:outerShdw blurRad="38100" dist="19050" dir="2700000" algn="tl" rotWithShape="0">
+                      <a:schemeClr val="dk1">
+                        <a:alpha val="40000"/>
+                      </a:schemeClr>
+                    </a:outerShdw>
+                  </a:effectLst>
+                </a:rPr>
+                <a:t>của </a:t>
+              </a:r>
+              <a:r>
+                <a:rPr lang="en-US" sz="1600" b="1">
+                  <a:solidFill>
+                    <a:schemeClr val="tx1"/>
+                  </a:solidFill>
+                  <a:effectLst>
+                    <a:outerShdw blurRad="38100" dist="19050" dir="2700000" algn="tl" rotWithShape="0">
+                      <a:schemeClr val="dk1">
+                        <a:alpha val="40000"/>
+                      </a:schemeClr>
+                    </a:outerShdw>
+                  </a:effectLst>
+                </a:rPr>
+                <a:t>response</a:t>
+              </a:r>
+              <a:endParaRPr lang="en-US" sz="1600" b="1">
+                <a:solidFill>
+                  <a:schemeClr val="tx1"/>
+                </a:solidFill>
+                <a:effectLst>
+                  <a:outerShdw blurRad="38100" dist="19050" dir="2700000" algn="tl" rotWithShape="0">
+                    <a:schemeClr val="dk1">
+                      <a:alpha val="40000"/>
+                    </a:schemeClr>
+                  </a:outerShdw>
+                </a:effectLst>
+              </a:endParaRPr>
+            </a:p>
+          </p:txBody>
+        </p:sp>
+        <p:sp>
+          <p:nvSpPr>
+            <p:cNvPr id="54" name="Text Box 53"/>
+            <p:cNvSpPr txBox="1"/>
+            <p:nvPr>
+              <p:custDataLst>
+                <p:tags r:id="rId8"/>
+              </p:custDataLst>
+            </p:nvPr>
+          </p:nvSpPr>
+          <p:spPr>
+            <a:xfrm>
+              <a:off x="1402" y="8150"/>
+              <a:ext cx="5104" cy="1887"/>
+            </a:xfrm>
+            <a:prstGeom prst="roundRect">
+              <a:avLst/>
+            </a:prstGeom>
+            <a:solidFill>
+              <a:schemeClr val="accent2">
+                <a:lumMod val="20000"/>
+                <a:lumOff val="80000"/>
+              </a:schemeClr>
+            </a:solidFill>
+          </p:spPr>
+          <p:txBody>
+            <a:bodyPr wrap="square" rtlCol="0">
+              <a:spAutoFit/>
+              <a:scene3d>
+                <a:camera prst="orthographicFront"/>
+                <a:lightRig rig="threePt" dir="t"/>
+              </a:scene3d>
+            </a:bodyPr>
+            <a:p>
+              <a:r>
+                <a:rPr lang="en-US" sz="1600">
+                  <a:solidFill>
+                    <a:schemeClr val="tx1"/>
+                  </a:solidFill>
+                  <a:effectLst>
+                    <a:outerShdw blurRad="38100" dist="19050" dir="2700000" algn="tl" rotWithShape="0">
+                      <a:schemeClr val="dk1">
+                        <a:alpha val="40000"/>
+                      </a:schemeClr>
+                    </a:outerShdw>
+                  </a:effectLst>
+                </a:rPr>
+                <a:t>Trong lần đầu truy cập trình duyệt không tìm thấy các cookie cũ, do đó nó sẽ gửi một </a:t>
+              </a:r>
+              <a:r>
+                <a:rPr lang="en-US" sz="1600" b="1">
+                  <a:solidFill>
+                    <a:schemeClr val="tx1"/>
+                  </a:solidFill>
+                  <a:effectLst>
+                    <a:outerShdw blurRad="38100" dist="19050" dir="2700000" algn="tl" rotWithShape="0">
+                      <a:schemeClr val="dk1">
+                        <a:alpha val="40000"/>
+                      </a:schemeClr>
+                    </a:outerShdw>
+                  </a:effectLst>
+                </a:rPr>
+                <a:t>request </a:t>
+              </a:r>
+              <a:r>
+                <a:rPr lang="en-US" sz="1600">
+                  <a:solidFill>
+                    <a:schemeClr val="tx1"/>
+                  </a:solidFill>
+                  <a:effectLst>
+                    <a:outerShdw blurRad="38100" dist="19050" dir="2700000" algn="tl" rotWithShape="0">
+                      <a:schemeClr val="dk1">
+                        <a:alpha val="40000"/>
+                      </a:schemeClr>
+                    </a:outerShdw>
+                  </a:effectLst>
+                </a:rPr>
+                <a:t>không có cookie nào.</a:t>
+              </a:r>
+              <a:endParaRPr lang="en-US" sz="1600" b="1">
+                <a:solidFill>
+                  <a:schemeClr val="tx1"/>
+                </a:solidFill>
+                <a:effectLst>
+                  <a:outerShdw blurRad="38100" dist="19050" dir="2700000" algn="tl" rotWithShape="0">
+                    <a:schemeClr val="dk1">
+                      <a:alpha val="40000"/>
+                    </a:schemeClr>
+                  </a:outerShdw>
+                </a:effectLst>
+              </a:endParaRPr>
+            </a:p>
+          </p:txBody>
+        </p:sp>
+      </p:grpSp>
+    </p:spTree>
+  </p:cSld>
+  <p:clrMapOvr>
+    <a:masterClrMapping/>
+  </p:clrMapOvr>
+</p:sld>
+</file>
+
+<file path=ppt/slides/slide6.xml><?xml version="1.0" encoding="utf-8"?>
+<p:sld xmlns:a="http://schemas.openxmlformats.org/drawingml/2006/main" xmlns:r="http://schemas.openxmlformats.org/officeDocument/2006/relationships" xmlns:p="http://schemas.openxmlformats.org/presentationml/2006/main">
+  <p:cSld>
+    <p:spTree>
+      <p:nvGrpSpPr>
+        <p:cNvPr id="1" name=""/>
+        <p:cNvGrpSpPr/>
+        <p:nvPr/>
+      </p:nvGrpSpPr>
+      <p:grpSpPr/>
+      <p:grpSp>
+        <p:nvGrpSpPr>
+          <p:cNvPr id="5" name="Group 4"/>
+          <p:cNvGrpSpPr/>
+          <p:nvPr/>
+        </p:nvGrpSpPr>
+        <p:grpSpPr>
+          <a:xfrm>
+            <a:off x="0" y="127635"/>
+            <a:ext cx="12188190" cy="6602730"/>
+            <a:chOff x="0" y="201"/>
+            <a:chExt cx="19194" cy="10398"/>
+          </a:xfrm>
+        </p:grpSpPr>
+        <p:pic>
+          <p:nvPicPr>
+            <p:cNvPr id="4" name="Picture 3"/>
+            <p:cNvPicPr>
+              <a:picLocks noChangeAspect="1"/>
+            </p:cNvPicPr>
+            <p:nvPr>
+              <p:custDataLst>
+                <p:tags r:id="rId1"/>
+              </p:custDataLst>
+            </p:nvPr>
+          </p:nvPicPr>
+          <p:blipFill>
+            <a:blip r:embed="rId2"/>
+            <a:stretch>
+              <a:fillRect/>
+            </a:stretch>
+          </p:blipFill>
+          <p:spPr>
+            <a:xfrm>
+              <a:off x="0" y="201"/>
+              <a:ext cx="19195" cy="10398"/>
+            </a:xfrm>
+            <a:prstGeom prst="rect">
+              <a:avLst/>
+            </a:prstGeom>
+          </p:spPr>
+        </p:pic>
+        <p:sp>
+          <p:nvSpPr>
+            <p:cNvPr id="13" name="Rectangles 12"/>
+            <p:cNvSpPr/>
+            <p:nvPr>
+              <p:custDataLst>
+                <p:tags r:id="rId3"/>
+              </p:custDataLst>
+            </p:nvPr>
+          </p:nvSpPr>
+          <p:spPr>
+            <a:xfrm>
+              <a:off x="7338" y="7108"/>
+              <a:ext cx="2262" cy="268"/>
+            </a:xfrm>
+            <a:prstGeom prst="rect">
+              <a:avLst/>
+            </a:prstGeom>
+            <a:noFill/>
+            <a:ln w="28575">
+              <a:solidFill>
+                <a:srgbClr val="FF0000"/>
+              </a:solidFill>
+            </a:ln>
+            <a:extLst>
+              <a:ext uri="{909E8E84-426E-40DD-AFC4-6F175D3DCCD1}">
+                <a14:hiddenFill xmlns:a14="http://schemas.microsoft.com/office/drawing/2010/main">
+                  <a:solidFill>
+                    <a:schemeClr val="accent1"/>
+                  </a:solidFill>
+                </a14:hiddenFill>
+              </a:ext>
+            </a:extLst>
+          </p:spPr>
+          <p:style>
+            <a:lnRef idx="2">
+              <a:schemeClr val="accent1">
+                <a:lumMod val="75000"/>
+              </a:schemeClr>
+            </a:lnRef>
+            <a:fillRef idx="1">
+              <a:schemeClr val="accent1"/>
+            </a:fillRef>
+            <a:effectRef idx="0">
+              <a:srgbClr val="FFFFFF"/>
+            </a:effectRef>
+            <a:fontRef idx="minor">
+              <a:schemeClr val="lt1"/>
+            </a:fontRef>
+          </p:style>
+          <p:txBody>
+            <a:bodyPr rtlCol="0" anchor="ctr"/>
+            <a:p>
+              <a:pPr algn="ctr"/>
+              <a:endParaRPr lang="en-US"/>
+            </a:p>
+          </p:txBody>
+        </p:sp>
+        <p:sp>
+          <p:nvSpPr>
+            <p:cNvPr id="14" name="Rectangles 13"/>
+            <p:cNvSpPr/>
+            <p:nvPr>
+              <p:custDataLst>
+                <p:tags r:id="rId4"/>
+              </p:custDataLst>
+            </p:nvPr>
+          </p:nvSpPr>
+          <p:spPr>
+            <a:xfrm>
+              <a:off x="7338" y="4345"/>
+              <a:ext cx="2289" cy="212"/>
+            </a:xfrm>
+            <a:prstGeom prst="rect">
+              <a:avLst/>
+            </a:prstGeom>
+            <a:noFill/>
+            <a:ln w="28575">
+              <a:solidFill>
+                <a:srgbClr val="FF0000"/>
+              </a:solidFill>
+            </a:ln>
+            <a:extLst>
+              <a:ext uri="{909E8E84-426E-40DD-AFC4-6F175D3DCCD1}">
+                <a14:hiddenFill xmlns:a14="http://schemas.microsoft.com/office/drawing/2010/main">
+                  <a:solidFill>
+                    <a:schemeClr val="accent1"/>
+                  </a:solidFill>
+                </a14:hiddenFill>
+              </a:ext>
+            </a:extLst>
+          </p:spPr>
+          <p:style>
+            <a:lnRef idx="2">
+              <a:schemeClr val="accent1">
+                <a:lumMod val="75000"/>
+              </a:schemeClr>
+            </a:lnRef>
+            <a:fillRef idx="1">
+              <a:schemeClr val="accent1"/>
+            </a:fillRef>
+            <a:effectRef idx="0">
+              <a:srgbClr val="FFFFFF"/>
+            </a:effectRef>
+            <a:fontRef idx="minor">
+              <a:schemeClr val="lt1"/>
+            </a:fontRef>
+          </p:style>
+          <p:txBody>
+            <a:bodyPr rtlCol="0" anchor="ctr"/>
+            <a:p>
+              <a:pPr algn="ctr"/>
+              <a:endParaRPr lang="en-US"/>
+            </a:p>
+          </p:txBody>
+        </p:sp>
+        <p:sp>
+          <p:nvSpPr>
+            <p:cNvPr id="28" name="Double Brace 27"/>
+            <p:cNvSpPr/>
+            <p:nvPr>
+              <p:custDataLst>
+                <p:tags r:id="rId5"/>
+              </p:custDataLst>
+            </p:nvPr>
+          </p:nvSpPr>
+          <p:spPr>
+            <a:xfrm>
+              <a:off x="6905" y="7521"/>
+              <a:ext cx="11206" cy="2996"/>
+            </a:xfrm>
+            <a:prstGeom prst="bracePair">
+              <a:avLst/>
+            </a:prstGeom>
+            <a:ln w="38100">
+              <a:solidFill>
+                <a:srgbClr val="FF0000"/>
+              </a:solidFill>
+            </a:ln>
+          </p:spPr>
+          <p:style>
+            <a:lnRef idx="2">
+              <a:schemeClr val="accent1"/>
+            </a:lnRef>
+            <a:fillRef idx="0">
+              <a:srgbClr val="FFFFFF"/>
+            </a:fillRef>
+            <a:effectRef idx="0">
+              <a:srgbClr val="FFFFFF"/>
+            </a:effectRef>
+            <a:fontRef idx="minor">
+              <a:schemeClr val="tx1"/>
+            </a:fontRef>
+          </p:style>
+          <p:txBody>
+            <a:bodyPr rtlCol="0" anchor="ctr"/>
+            <a:p>
+              <a:pPr algn="ctr"/>
+              <a:endParaRPr lang="en-US"/>
+            </a:p>
+          </p:txBody>
+        </p:sp>
+        <p:sp>
+          <p:nvSpPr>
+            <p:cNvPr id="29" name="Double Brace 28"/>
+            <p:cNvSpPr/>
+            <p:nvPr>
+              <p:custDataLst>
+                <p:tags r:id="rId6"/>
+              </p:custDataLst>
+            </p:nvPr>
+          </p:nvSpPr>
+          <p:spPr>
+            <a:xfrm>
+              <a:off x="7044" y="4650"/>
+              <a:ext cx="5989" cy="2313"/>
+            </a:xfrm>
+            <a:prstGeom prst="bracePair">
+              <a:avLst/>
+            </a:prstGeom>
+            <a:ln w="38100">
+              <a:solidFill>
+                <a:srgbClr val="FF0000"/>
+              </a:solidFill>
+            </a:ln>
+          </p:spPr>
+          <p:style>
+            <a:lnRef idx="2">
+              <a:schemeClr val="accent1"/>
+            </a:lnRef>
+            <a:fillRef idx="0">
+              <a:srgbClr val="FFFFFF"/>
+            </a:fillRef>
+            <a:effectRef idx="0">
+              <a:srgbClr val="FFFFFF"/>
+            </a:effectRef>
+            <a:fontRef idx="minor">
+              <a:schemeClr val="tx1"/>
+            </a:fontRef>
+          </p:style>
+          <p:txBody>
+            <a:bodyPr rtlCol="0" anchor="ctr"/>
+            <a:p>
+              <a:pPr algn="ctr"/>
+              <a:endParaRPr lang="en-US"/>
+            </a:p>
+          </p:txBody>
+        </p:sp>
+        <p:sp>
+          <p:nvSpPr>
+            <p:cNvPr id="53" name="Text Box 52"/>
+            <p:cNvSpPr txBox="1"/>
+            <p:nvPr>
+              <p:custDataLst>
+                <p:tags r:id="rId7"/>
+              </p:custDataLst>
+            </p:nvPr>
+          </p:nvSpPr>
+          <p:spPr>
+            <a:xfrm>
+              <a:off x="2497" y="4557"/>
+              <a:ext cx="4009" cy="2737"/>
+            </a:xfrm>
+            <a:prstGeom prst="roundRect">
+              <a:avLst/>
+            </a:prstGeom>
+            <a:solidFill>
+              <a:schemeClr val="accent2">
+                <a:lumMod val="20000"/>
+                <a:lumOff val="80000"/>
+              </a:schemeClr>
+            </a:solidFill>
+          </p:spPr>
+          <p:txBody>
+            <a:bodyPr wrap="square" rtlCol="0">
+              <a:spAutoFit/>
+              <a:scene3d>
+                <a:camera prst="orthographicFront"/>
+                <a:lightRig rig="threePt" dir="t"/>
+              </a:scene3d>
+            </a:bodyPr>
+            <a:p>
+              <a:r>
+                <a:rPr lang="en-US" sz="1600">
+                  <a:solidFill>
+                    <a:schemeClr val="tx1"/>
+                  </a:solidFill>
+                  <a:effectLst>
+                    <a:outerShdw blurRad="38100" dist="19050" dir="2700000" algn="tl" rotWithShape="0">
+                      <a:schemeClr val="dk1">
+                        <a:alpha val="40000"/>
+                      </a:schemeClr>
+                    </a:outerShdw>
+                  </a:effectLst>
+                </a:rPr>
+                <a:t>Do request có chứa cookie và </a:t>
+              </a:r>
+              <a:r>
+                <a:rPr lang="en-US" sz="1600" b="1">
+                  <a:solidFill>
+                    <a:schemeClr val="tx1"/>
+                  </a:solidFill>
+                  <a:effectLst>
+                    <a:outerShdw blurRad="38100" dist="19050" dir="2700000" algn="tl" rotWithShape="0">
+                      <a:schemeClr val="dk1">
+                        <a:alpha val="40000"/>
+                      </a:schemeClr>
+                    </a:outerShdw>
+                  </a:effectLst>
+                </a:rPr>
+                <a:t>PHPSESSID </a:t>
+              </a:r>
+              <a:r>
+                <a:rPr lang="en-US" sz="1600">
+                  <a:solidFill>
+                    <a:schemeClr val="tx1"/>
+                  </a:solidFill>
+                  <a:effectLst>
+                    <a:outerShdw blurRad="38100" dist="19050" dir="2700000" algn="tl" rotWithShape="0">
+                      <a:schemeClr val="dk1">
+                        <a:alpha val="40000"/>
+                      </a:schemeClr>
+                    </a:outerShdw>
+                  </a:effectLst>
+                </a:rPr>
+                <a:t>của request được tình thấy trong dữ liệu session nên server PHP sẽ không gửi về cookie nào mới</a:t>
+              </a:r>
+              <a:endParaRPr lang="en-US" sz="1600">
+                <a:solidFill>
+                  <a:schemeClr val="tx1"/>
+                </a:solidFill>
+                <a:effectLst>
+                  <a:outerShdw blurRad="38100" dist="19050" dir="2700000" algn="tl" rotWithShape="0">
+                    <a:schemeClr val="dk1">
+                      <a:alpha val="40000"/>
+                    </a:schemeClr>
+                  </a:outerShdw>
+                </a:effectLst>
+              </a:endParaRPr>
+            </a:p>
+          </p:txBody>
+        </p:sp>
+        <p:sp>
+          <p:nvSpPr>
+            <p:cNvPr id="54" name="Text Box 53"/>
+            <p:cNvSpPr txBox="1"/>
+            <p:nvPr>
+              <p:custDataLst>
+                <p:tags r:id="rId8"/>
+              </p:custDataLst>
+            </p:nvPr>
+          </p:nvSpPr>
+          <p:spPr>
+            <a:xfrm>
+              <a:off x="1402" y="8150"/>
+              <a:ext cx="5104" cy="1448"/>
+            </a:xfrm>
+            <a:prstGeom prst="roundRect">
+              <a:avLst/>
+            </a:prstGeom>
+            <a:solidFill>
+              <a:schemeClr val="accent2">
+                <a:lumMod val="20000"/>
+                <a:lumOff val="80000"/>
+              </a:schemeClr>
+            </a:solidFill>
+          </p:spPr>
+          <p:txBody>
+            <a:bodyPr wrap="square" rtlCol="0">
+              <a:spAutoFit/>
+              <a:scene3d>
+                <a:camera prst="orthographicFront"/>
+                <a:lightRig rig="threePt" dir="t"/>
+              </a:scene3d>
+            </a:bodyPr>
+            <a:p>
+              <a:r>
+                <a:rPr lang="en-US" sz="1600">
+                  <a:solidFill>
+                    <a:schemeClr val="tx1"/>
+                  </a:solidFill>
+                  <a:effectLst>
+                    <a:outerShdw blurRad="38100" dist="19050" dir="2700000" algn="tl" rotWithShape="0">
+                      <a:schemeClr val="dk1">
+                        <a:alpha val="40000"/>
+                      </a:schemeClr>
+                    </a:outerShdw>
+                  </a:effectLst>
+                </a:rPr>
+                <a:t>Sau khi có cookie, mỗi lần gửi </a:t>
+              </a:r>
+              <a:r>
+                <a:rPr lang="en-US" sz="1600" b="1">
+                  <a:solidFill>
+                    <a:schemeClr val="tx1"/>
+                  </a:solidFill>
+                  <a:effectLst>
+                    <a:outerShdw blurRad="38100" dist="19050" dir="2700000" algn="tl" rotWithShape="0">
+                      <a:schemeClr val="dk1">
+                        <a:alpha val="40000"/>
+                      </a:schemeClr>
+                    </a:outerShdw>
+                  </a:effectLst>
+                </a:rPr>
+                <a:t>request header</a:t>
+              </a:r>
+              <a:r>
+                <a:rPr lang="en-US" sz="1600">
+                  <a:solidFill>
+                    <a:schemeClr val="tx1"/>
+                  </a:solidFill>
+                  <a:effectLst>
+                    <a:outerShdw blurRad="38100" dist="19050" dir="2700000" algn="tl" rotWithShape="0">
+                      <a:schemeClr val="dk1">
+                        <a:alpha val="40000"/>
+                      </a:schemeClr>
+                    </a:outerShdw>
+                  </a:effectLst>
+                </a:rPr>
+                <a:t> sẽ được đính kèm cookie này.</a:t>
+              </a:r>
+              <a:endParaRPr lang="en-US" sz="1600">
+                <a:solidFill>
+                  <a:schemeClr val="tx1"/>
+                </a:solidFill>
+                <a:effectLst>
+                  <a:outerShdw blurRad="38100" dist="19050" dir="2700000" algn="tl" rotWithShape="0">
+                    <a:schemeClr val="dk1">
+                      <a:alpha val="40000"/>
+                    </a:schemeClr>
+                  </a:outerShdw>
+                </a:effectLst>
+              </a:endParaRPr>
+            </a:p>
+          </p:txBody>
+        </p:sp>
+      </p:grpSp>
+    </p:spTree>
+  </p:cSld>
+  <p:clrMapOvr>
+    <a:masterClrMapping/>
+  </p:clrMapOvr>
+</p:sld>
+</file>
+
+<file path=ppt/slides/slide7.xml><?xml version="1.0" encoding="utf-8"?>
+<p:sld xmlns:a="http://schemas.openxmlformats.org/drawingml/2006/main" xmlns:r="http://schemas.openxmlformats.org/officeDocument/2006/relationships" xmlns:p="http://schemas.openxmlformats.org/presentationml/2006/main">
+  <p:cSld>
+    <p:spTree>
+      <p:nvGrpSpPr>
+        <p:cNvPr id="1" name=""/>
+        <p:cNvGrpSpPr/>
+        <p:nvPr/>
+      </p:nvGrpSpPr>
+      <p:grpSpPr/>
+      <p:grpSp>
+        <p:nvGrpSpPr>
+          <p:cNvPr id="23" name="Group 22"/>
+          <p:cNvGrpSpPr/>
+          <p:nvPr/>
+        </p:nvGrpSpPr>
+        <p:grpSpPr>
+          <a:xfrm>
+            <a:off x="347345" y="360045"/>
+            <a:ext cx="11131550" cy="6339205"/>
+            <a:chOff x="547" y="567"/>
+            <a:chExt cx="17530" cy="9983"/>
+          </a:xfrm>
+        </p:grpSpPr>
+        <p:sp>
+          <p:nvSpPr>
+            <p:cNvPr id="22" name="Rectangular Callout 21"/>
+            <p:cNvSpPr/>
+            <p:nvPr/>
+          </p:nvSpPr>
+          <p:spPr>
+            <a:xfrm>
+              <a:off x="659" y="5600"/>
+              <a:ext cx="17419" cy="4951"/>
+            </a:xfrm>
+            <a:prstGeom prst="wedgeRectCallout">
+              <a:avLst>
+                <a:gd name="adj1" fmla="val 3022"/>
+                <a:gd name="adj2" fmla="val -65269"/>
+              </a:avLst>
+            </a:prstGeom>
+            <a:solidFill>
+              <a:schemeClr val="accent5">
+                <a:lumMod val="20000"/>
+                <a:lumOff val="80000"/>
+              </a:schemeClr>
+            </a:solidFill>
+            <a:ln w="19050">
+              <a:solidFill>
+                <a:srgbClr val="FFC000"/>
+              </a:solidFill>
+            </a:ln>
+          </p:spPr>
+          <p:style>
+            <a:lnRef idx="2">
+              <a:schemeClr val="accent1">
+                <a:lumMod val="75000"/>
+              </a:schemeClr>
+            </a:lnRef>
+            <a:fillRef idx="1">
+              <a:schemeClr val="accent1"/>
+            </a:fillRef>
+            <a:effectRef idx="0">
+              <a:srgbClr val="FFFFFF"/>
+            </a:effectRef>
+            <a:fontRef idx="minor">
+              <a:schemeClr val="lt1"/>
+            </a:fontRef>
+          </p:style>
+          <p:txBody>
+            <a:bodyPr rtlCol="0" anchor="ctr"/>
+            <a:p>
+              <a:pPr algn="ctr"/>
+              <a:endParaRPr lang="en-US" sz="1400">
+                <a:solidFill>
+                  <a:schemeClr val="tx1"/>
+                </a:solidFill>
+                <a:effectLst>
+                  <a:outerShdw blurRad="38100" dist="19050" dir="2700000" algn="tl" rotWithShape="0">
+                    <a:schemeClr val="dk1">
+                      <a:alpha val="40000"/>
+                    </a:schemeClr>
+                  </a:outerShdw>
+                </a:effectLst>
+              </a:endParaRPr>
+            </a:p>
+          </p:txBody>
+        </p:sp>
+        <p:grpSp>
+          <p:nvGrpSpPr>
+            <p:cNvPr id="7" name="Group 6"/>
+            <p:cNvGrpSpPr/>
+            <p:nvPr/>
+          </p:nvGrpSpPr>
+          <p:grpSpPr>
+            <a:xfrm>
+              <a:off x="547" y="567"/>
+              <a:ext cx="7184" cy="2984"/>
+              <a:chOff x="547" y="567"/>
+              <a:chExt cx="7184" cy="2984"/>
+            </a:xfrm>
+          </p:grpSpPr>
+          <p:pic>
+            <p:nvPicPr>
+              <p:cNvPr id="4" name="Picture 3"/>
+              <p:cNvPicPr>
+                <a:picLocks noChangeAspect="1"/>
+              </p:cNvPicPr>
+              <p:nvPr>
+                <p:custDataLst>
+                  <p:tags r:id="rId1"/>
+                </p:custDataLst>
+              </p:nvPr>
+            </p:nvPicPr>
+            <p:blipFill>
+              <a:blip r:embed="rId2"/>
+              <a:stretch>
+                <a:fillRect/>
+              </a:stretch>
+            </p:blipFill>
+            <p:spPr>
+              <a:xfrm>
+                <a:off x="547" y="567"/>
+                <a:ext cx="7185" cy="2985"/>
+              </a:xfrm>
+              <a:prstGeom prst="rect">
+                <a:avLst/>
+              </a:prstGeom>
+              <a:ln>
+                <a:solidFill>
+                  <a:srgbClr val="000000"/>
+                </a:solidFill>
+              </a:ln>
+            </p:spPr>
+          </p:pic>
+          <p:sp>
+            <p:nvSpPr>
+              <p:cNvPr id="5" name="Oval 4"/>
+              <p:cNvSpPr/>
+              <p:nvPr/>
+            </p:nvSpPr>
+            <p:spPr>
+              <a:xfrm>
+                <a:off x="560" y="2700"/>
+                <a:ext cx="1680" cy="360"/>
+              </a:xfrm>
+              <a:prstGeom prst="ellipse">
+                <a:avLst/>
+              </a:prstGeom>
+              <a:noFill/>
+              <a:ln w="19050">
+                <a:solidFill>
+                  <a:srgbClr val="FF0000"/>
+                </a:solidFill>
+              </a:ln>
+            </p:spPr>
+            <p:style>
+              <a:lnRef idx="2">
+                <a:schemeClr val="accent1">
+                  <a:lumMod val="75000"/>
+                </a:schemeClr>
+              </a:lnRef>
+              <a:fillRef idx="1">
+                <a:schemeClr val="accent1"/>
+              </a:fillRef>
+              <a:effectRef idx="0">
+                <a:srgbClr val="FFFFFF"/>
+              </a:effectRef>
+              <a:fontRef idx="minor">
+                <a:schemeClr val="lt1"/>
+              </a:fontRef>
+            </p:style>
+            <p:txBody>
+              <a:bodyPr rtlCol="0" anchor="ctr"/>
+              <a:p>
+                <a:pPr algn="ctr"/>
+                <a:endParaRPr lang="en-US" sz="1400">
+                  <a:solidFill>
+                    <a:schemeClr val="tx1"/>
+                  </a:solidFill>
+                  <a:effectLst>
+                    <a:outerShdw blurRad="38100" dist="19050" dir="2700000" algn="tl" rotWithShape="0">
+                      <a:schemeClr val="dk1">
+                        <a:alpha val="40000"/>
+                      </a:schemeClr>
+                    </a:outerShdw>
+                  </a:effectLst>
+                </a:endParaRPr>
+              </a:p>
+            </p:txBody>
+          </p:sp>
+          <p:sp>
+            <p:nvSpPr>
+              <p:cNvPr id="6" name="Rectangles 5"/>
+              <p:cNvSpPr/>
+              <p:nvPr/>
+            </p:nvSpPr>
+            <p:spPr>
+              <a:xfrm>
+                <a:off x="1460" y="2070"/>
+                <a:ext cx="2820" cy="370"/>
+              </a:xfrm>
+              <a:prstGeom prst="rect">
+                <a:avLst/>
+              </a:prstGeom>
+              <a:noFill/>
+              <a:ln w="19050">
+                <a:solidFill>
+                  <a:srgbClr val="FF0000"/>
+                </a:solidFill>
+              </a:ln>
+            </p:spPr>
+            <p:style>
+              <a:lnRef idx="2">
+                <a:schemeClr val="accent1">
+                  <a:lumMod val="75000"/>
+                </a:schemeClr>
+              </a:lnRef>
+              <a:fillRef idx="1">
+                <a:schemeClr val="accent1"/>
+              </a:fillRef>
+              <a:effectRef idx="0">
+                <a:srgbClr val="FFFFFF"/>
+              </a:effectRef>
+              <a:fontRef idx="minor">
+                <a:schemeClr val="lt1"/>
+              </a:fontRef>
+            </p:style>
+            <p:txBody>
+              <a:bodyPr rtlCol="0" anchor="ctr"/>
+              <a:p>
+                <a:pPr algn="ctr"/>
+                <a:endParaRPr lang="en-US" sz="1400">
+                  <a:solidFill>
+                    <a:schemeClr val="tx1"/>
+                  </a:solidFill>
+                  <a:effectLst>
+                    <a:outerShdw blurRad="38100" dist="19050" dir="2700000" algn="tl" rotWithShape="0">
+                      <a:schemeClr val="dk1">
+                        <a:alpha val="40000"/>
+                      </a:schemeClr>
+                    </a:outerShdw>
+                  </a:effectLst>
+                </a:endParaRPr>
+              </a:p>
+            </p:txBody>
+          </p:sp>
+        </p:grpSp>
+        <p:pic>
+          <p:nvPicPr>
+            <p:cNvPr id="8" name="Picture 7"/>
+            <p:cNvPicPr>
+              <a:picLocks noChangeAspect="1"/>
+            </p:cNvPicPr>
+            <p:nvPr>
+              <p:custDataLst>
+                <p:tags r:id="rId3"/>
+              </p:custDataLst>
+            </p:nvPr>
+          </p:nvPicPr>
+          <p:blipFill>
+            <a:blip r:embed="rId4"/>
+            <a:stretch>
+              <a:fillRect/>
+            </a:stretch>
+          </p:blipFill>
+          <p:spPr>
+            <a:xfrm>
+              <a:off x="9155" y="975"/>
+              <a:ext cx="8010" cy="2085"/>
+            </a:xfrm>
+            <a:prstGeom prst="rect">
+              <a:avLst/>
+            </a:prstGeom>
+            <a:ln>
+              <a:solidFill>
+                <a:schemeClr val="tx1"/>
+              </a:solidFill>
+            </a:ln>
+          </p:spPr>
+        </p:pic>
+        <p:sp>
+          <p:nvSpPr>
+            <p:cNvPr id="9" name="Right Arrow 8"/>
+            <p:cNvSpPr/>
+            <p:nvPr/>
+          </p:nvSpPr>
+          <p:spPr>
+            <a:xfrm>
+              <a:off x="7867" y="1820"/>
+              <a:ext cx="1152" cy="440"/>
+            </a:xfrm>
+            <a:prstGeom prst="rightArrow">
+              <a:avLst/>
+            </a:prstGeom>
+            <a:solidFill>
+              <a:schemeClr val="accent2">
+                <a:lumMod val="20000"/>
+                <a:lumOff val="80000"/>
+              </a:schemeClr>
+            </a:solidFill>
+            <a:ln w="19050">
+              <a:solidFill>
+                <a:schemeClr val="tx1"/>
+              </a:solidFill>
+            </a:ln>
+          </p:spPr>
+          <p:style>
+            <a:lnRef idx="2">
+              <a:schemeClr val="accent1">
+                <a:lumMod val="75000"/>
+              </a:schemeClr>
+            </a:lnRef>
+            <a:fillRef idx="1">
+              <a:schemeClr val="accent1"/>
+            </a:fillRef>
+            <a:effectRef idx="0">
+              <a:srgbClr val="FFFFFF"/>
+            </a:effectRef>
+            <a:fontRef idx="minor">
+              <a:schemeClr val="lt1"/>
+            </a:fontRef>
+          </p:style>
+          <p:txBody>
+            <a:bodyPr rtlCol="0" anchor="ctr"/>
+            <a:p>
+              <a:pPr algn="ctr"/>
+              <a:endParaRPr lang="en-US" sz="1400">
+                <a:solidFill>
+                  <a:schemeClr val="tx1"/>
+                </a:solidFill>
+                <a:effectLst>
+                  <a:outerShdw blurRad="38100" dist="19050" dir="2700000" algn="tl" rotWithShape="0">
+                    <a:schemeClr val="dk1">
+                      <a:alpha val="40000"/>
+                    </a:schemeClr>
+                  </a:outerShdw>
+                </a:effectLst>
+              </a:endParaRPr>
+            </a:p>
+          </p:txBody>
+        </p:sp>
+        <p:sp>
+          <p:nvSpPr>
+            <p:cNvPr id="10" name="Rounded Rectangle 9"/>
+            <p:cNvSpPr/>
+            <p:nvPr/>
+          </p:nvSpPr>
+          <p:spPr>
+            <a:xfrm>
+              <a:off x="780" y="5820"/>
+              <a:ext cx="16920" cy="4440"/>
+            </a:xfrm>
+            <a:prstGeom prst="roundRect">
+              <a:avLst>
+                <a:gd name="adj" fmla="val 7657"/>
+              </a:avLst>
+            </a:prstGeom>
+            <a:solidFill>
+              <a:schemeClr val="bg1"/>
+            </a:solidFill>
+            <a:ln w="19050">
+              <a:solidFill>
+                <a:srgbClr val="FFC000"/>
+              </a:solidFill>
+            </a:ln>
+          </p:spPr>
+          <p:style>
+            <a:lnRef idx="2">
+              <a:schemeClr val="accent1">
+                <a:lumMod val="75000"/>
+              </a:schemeClr>
+            </a:lnRef>
+            <a:fillRef idx="1">
+              <a:schemeClr val="accent1"/>
+            </a:fillRef>
+            <a:effectRef idx="0">
+              <a:srgbClr val="FFFFFF"/>
+            </a:effectRef>
+            <a:fontRef idx="minor">
+              <a:schemeClr val="lt1"/>
+            </a:fontRef>
+          </p:style>
+          <p:txBody>
+            <a:bodyPr rtlCol="0" anchor="t" anchorCtr="0"/>
+            <a:p>
+              <a:pPr algn="l"/>
+              <a:r>
+                <a:rPr lang="en-US" sz="1400" b="1">
+                  <a:solidFill>
+                    <a:schemeClr val="tx1"/>
+                  </a:solidFill>
+                  <a:effectLst>
+                    <a:outerShdw blurRad="38100" dist="19050" dir="2700000" algn="tl" rotWithShape="0">
+                      <a:schemeClr val="dk1">
+                        <a:alpha val="40000"/>
+                      </a:schemeClr>
+                    </a:outerShdw>
+                  </a:effectLst>
+                </a:rPr>
+                <a:t>Session</a:t>
+              </a:r>
+              <a:endParaRPr lang="en-US" sz="1400" b="1">
+                <a:solidFill>
+                  <a:schemeClr val="tx1"/>
+                </a:solidFill>
+                <a:effectLst>
+                  <a:outerShdw blurRad="38100" dist="19050" dir="2700000" algn="tl" rotWithShape="0">
+                    <a:schemeClr val="dk1">
+                      <a:alpha val="40000"/>
+                    </a:schemeClr>
+                  </a:outerShdw>
+                </a:effectLst>
+              </a:endParaRPr>
+            </a:p>
+          </p:txBody>
+        </p:sp>
+        <p:sp>
+          <p:nvSpPr>
+            <p:cNvPr id="11" name="Rounded Rectangle 10"/>
+            <p:cNvSpPr/>
+            <p:nvPr/>
+          </p:nvSpPr>
+          <p:spPr>
+            <a:xfrm>
+              <a:off x="980" y="7000"/>
+              <a:ext cx="5599" cy="3100"/>
+            </a:xfrm>
+            <a:prstGeom prst="roundRect">
+              <a:avLst>
+                <a:gd name="adj" fmla="val 9580"/>
+              </a:avLst>
+            </a:prstGeom>
+            <a:noFill/>
+            <a:ln w="19050">
+              <a:solidFill>
+                <a:srgbClr val="FFC000"/>
+              </a:solidFill>
+            </a:ln>
+          </p:spPr>
+          <p:style>
+            <a:lnRef idx="2">
+              <a:schemeClr val="accent1">
+                <a:lumMod val="75000"/>
+              </a:schemeClr>
+            </a:lnRef>
+            <a:fillRef idx="1">
+              <a:schemeClr val="accent1"/>
+            </a:fillRef>
+            <a:effectRef idx="0">
+              <a:srgbClr val="FFFFFF"/>
+            </a:effectRef>
+            <a:fontRef idx="minor">
+              <a:schemeClr val="lt1"/>
+            </a:fontRef>
+          </p:style>
+          <p:txBody>
+            <a:bodyPr rtlCol="0" anchor="ctr"/>
+            <a:p>
+              <a:pPr algn="ctr"/>
+              <a:r>
+                <a:rPr lang="en-US" sz="1400">
+                  <a:solidFill>
+                    <a:schemeClr val="tx1"/>
+                  </a:solidFill>
+                  <a:effectLst>
+                    <a:outerShdw blurRad="38100" dist="19050" dir="2700000" algn="tl" rotWithShape="0">
+                      <a:schemeClr val="dk1">
+                        <a:alpha val="40000"/>
+                      </a:schemeClr>
+                    </a:outerShdw>
+                  </a:effectLst>
+                </a:rPr>
+                <a:t>......</a:t>
+              </a:r>
+              <a:endParaRPr lang="en-US" sz="1400">
+                <a:solidFill>
+                  <a:schemeClr val="tx1"/>
+                </a:solidFill>
+                <a:effectLst>
+                  <a:outerShdw blurRad="38100" dist="19050" dir="2700000" algn="tl" rotWithShape="0">
+                    <a:schemeClr val="dk1">
+                      <a:alpha val="40000"/>
+                    </a:schemeClr>
+                  </a:outerShdw>
+                </a:effectLst>
+              </a:endParaRPr>
+            </a:p>
+            <a:p>
+              <a:pPr algn="ctr"/>
+              <a:r>
+                <a:rPr lang="en-US" sz="1400">
+                  <a:solidFill>
+                    <a:schemeClr val="tx1"/>
+                  </a:solidFill>
+                  <a:effectLst>
+                    <a:outerShdw blurRad="38100" dist="19050" dir="2700000" algn="tl" rotWithShape="0">
+                      <a:schemeClr val="dk1">
+                        <a:alpha val="40000"/>
+                      </a:schemeClr>
+                    </a:outerShdw>
+                  </a:effectLst>
+                </a:rPr>
+                <a:t>“</a:t>
+              </a:r>
+              <a:r>
+                <a:rPr lang="en-US" sz="1400">
+                  <a:solidFill>
+                    <a:schemeClr val="tx1"/>
+                  </a:solidFill>
+                  <a:effectLst>
+                    <a:outerShdw blurRad="38100" dist="19050" dir="2700000" algn="tl" rotWithShape="0">
+                      <a:schemeClr val="dk1">
+                        <a:alpha val="40000"/>
+                      </a:schemeClr>
+                    </a:outerShdw>
+                  </a:effectLst>
+                  <a:sym typeface="+mn-ea"/>
+                </a:rPr>
+                <a:t>name” </a:t>
+              </a:r>
+              <a:r>
+                <a:rPr lang="en-US" sz="1400">
+                  <a:solidFill>
+                    <a:schemeClr val="tx1"/>
+                  </a:solidFill>
+                  <a:effectLst>
+                    <a:outerShdw blurRad="38100" dist="19050" dir="2700000" algn="tl" rotWithShape="0">
+                      <a:schemeClr val="dk1">
+                        <a:alpha val="40000"/>
+                      </a:schemeClr>
+                    </a:outerShdw>
+                  </a:effectLst>
+                </a:rPr>
+                <a:t>: “</a:t>
+              </a:r>
+              <a:r>
+                <a:rPr lang="en-US" sz="1400">
+                  <a:solidFill>
+                    <a:schemeClr val="tx1"/>
+                  </a:solidFill>
+                  <a:effectLst>
+                    <a:outerShdw blurRad="38100" dist="19050" dir="2700000" algn="tl" rotWithShape="0">
+                      <a:schemeClr val="dk1">
+                        <a:alpha val="40000"/>
+                      </a:schemeClr>
+                    </a:outerShdw>
+                  </a:effectLst>
+                  <a:sym typeface="+mn-ea"/>
+                </a:rPr>
+                <a:t>Luân”,</a:t>
+              </a:r>
+              <a:endParaRPr lang="en-US" sz="1400">
+                <a:solidFill>
+                  <a:schemeClr val="tx1"/>
+                </a:solidFill>
+                <a:effectLst>
+                  <a:outerShdw blurRad="38100" dist="19050" dir="2700000" algn="tl" rotWithShape="0">
+                    <a:schemeClr val="dk1">
+                      <a:alpha val="40000"/>
+                    </a:schemeClr>
+                  </a:outerShdw>
+                </a:effectLst>
+                <a:sym typeface="+mn-ea"/>
+              </a:endParaRPr>
+            </a:p>
+            <a:p>
+              <a:pPr algn="ctr"/>
+              <a:r>
+                <a:rPr lang="en-US" sz="1400">
+                  <a:solidFill>
+                    <a:schemeClr val="tx1"/>
+                  </a:solidFill>
+                  <a:effectLst>
+                    <a:outerShdw blurRad="38100" dist="19050" dir="2700000" algn="tl" rotWithShape="0">
+                      <a:schemeClr val="dk1">
+                        <a:alpha val="40000"/>
+                      </a:schemeClr>
+                    </a:outerShdw>
+                  </a:effectLst>
+                </a:rPr>
+                <a:t>......</a:t>
+              </a:r>
+              <a:endParaRPr lang="en-US" sz="1400">
+                <a:solidFill>
+                  <a:schemeClr val="tx1"/>
+                </a:solidFill>
+                <a:effectLst>
+                  <a:outerShdw blurRad="38100" dist="19050" dir="2700000" algn="tl" rotWithShape="0">
+                    <a:schemeClr val="dk1">
+                      <a:alpha val="40000"/>
+                    </a:schemeClr>
+                  </a:outerShdw>
+                </a:effectLst>
+              </a:endParaRPr>
+            </a:p>
+          </p:txBody>
+        </p:sp>
+        <p:pic>
+          <p:nvPicPr>
+            <p:cNvPr id="12" name="Picture 11"/>
+            <p:cNvPicPr/>
+            <p:nvPr/>
+          </p:nvPicPr>
+          <p:blipFill>
+            <a:blip r:embed="rId5"/>
+          </p:blipFill>
+          <p:spPr>
+            <a:xfrm>
+              <a:off x="6300" y="4162"/>
+              <a:ext cx="1005" cy="1047"/>
+            </a:xfrm>
+            <a:prstGeom prst="rect">
+              <a:avLst/>
+            </a:prstGeom>
+          </p:spPr>
+        </p:pic>
+        <p:sp>
+          <p:nvSpPr>
+            <p:cNvPr id="13" name="Rounded Rectangle 12"/>
+            <p:cNvSpPr/>
+            <p:nvPr/>
+          </p:nvSpPr>
+          <p:spPr>
+            <a:xfrm>
+              <a:off x="981" y="6420"/>
+              <a:ext cx="5598" cy="550"/>
+            </a:xfrm>
+            <a:prstGeom prst="roundRect">
+              <a:avLst/>
+            </a:prstGeom>
+            <a:noFill/>
+            <a:ln w="19050">
+              <a:solidFill>
+                <a:srgbClr val="FFC000"/>
+              </a:solidFill>
+            </a:ln>
+          </p:spPr>
+          <p:style>
+            <a:lnRef idx="2">
+              <a:schemeClr val="accent1">
+                <a:lumMod val="75000"/>
+              </a:schemeClr>
+            </a:lnRef>
+            <a:fillRef idx="1">
+              <a:schemeClr val="accent1"/>
+            </a:fillRef>
+            <a:effectRef idx="0">
+              <a:srgbClr val="FFFFFF"/>
+            </a:effectRef>
+            <a:fontRef idx="minor">
+              <a:schemeClr val="lt1"/>
+            </a:fontRef>
+          </p:style>
+          <p:txBody>
+            <a:bodyPr rtlCol="0" anchor="ctr"/>
+            <a:p>
+              <a:pPr algn="l"/>
+              <a:r>
+                <a:rPr lang="en-US" sz="1400">
+                  <a:solidFill>
+                    <a:schemeClr val="tx1"/>
+                  </a:solidFill>
+                  <a:effectLst>
+                    <a:outerShdw blurRad="38100" dist="19050" dir="2700000" algn="tl" rotWithShape="0">
+                      <a:schemeClr val="dk1">
+                        <a:alpha val="40000"/>
+                      </a:schemeClr>
+                    </a:outerShdw>
+                  </a:effectLst>
+                </a:rPr>
+                <a:t>PHPSESSID: 0sqhoae9p3b991m4rsg9q0vgjo</a:t>
+              </a:r>
+              <a:endParaRPr lang="en-US" sz="1400">
+                <a:solidFill>
+                  <a:schemeClr val="tx1"/>
+                </a:solidFill>
+                <a:effectLst>
+                  <a:outerShdw blurRad="38100" dist="19050" dir="2700000" algn="tl" rotWithShape="0">
+                    <a:schemeClr val="dk1">
+                      <a:alpha val="40000"/>
+                    </a:schemeClr>
+                  </a:outerShdw>
+                </a:effectLst>
+              </a:endParaRPr>
+            </a:p>
+          </p:txBody>
+        </p:sp>
+        <p:grpSp>
+          <p:nvGrpSpPr>
+            <p:cNvPr id="17" name="Group 16"/>
+            <p:cNvGrpSpPr/>
+            <p:nvPr/>
+          </p:nvGrpSpPr>
+          <p:grpSpPr>
+            <a:xfrm>
+              <a:off x="6960" y="6420"/>
+              <a:ext cx="3038" cy="3680"/>
+              <a:chOff x="6960" y="6420"/>
+              <a:chExt cx="3038" cy="3680"/>
+            </a:xfrm>
+          </p:grpSpPr>
+          <p:sp>
+            <p:nvSpPr>
+              <p:cNvPr id="14" name="Rounded Rectangle 13"/>
+              <p:cNvSpPr/>
+              <p:nvPr>
+                <p:custDataLst>
+                  <p:tags r:id="rId6"/>
+                </p:custDataLst>
+              </p:nvPr>
+            </p:nvSpPr>
+            <p:spPr>
+              <a:xfrm>
+                <a:off x="6960" y="6420"/>
+                <a:ext cx="3039" cy="550"/>
+              </a:xfrm>
+              <a:prstGeom prst="roundRect">
+                <a:avLst/>
+              </a:prstGeom>
+              <a:noFill/>
+              <a:ln w="19050">
+                <a:solidFill>
+                  <a:srgbClr val="00B050"/>
+                </a:solidFill>
+              </a:ln>
+            </p:spPr>
+            <p:style>
+              <a:lnRef idx="2">
+                <a:schemeClr val="accent1">
+                  <a:lumMod val="75000"/>
+                </a:schemeClr>
+              </a:lnRef>
+              <a:fillRef idx="1">
+                <a:schemeClr val="accent1"/>
+              </a:fillRef>
+              <a:effectRef idx="0">
+                <a:srgbClr val="FFFFFF"/>
+              </a:effectRef>
+              <a:fontRef idx="minor">
+                <a:schemeClr val="lt1"/>
+              </a:fontRef>
+            </p:style>
+            <p:txBody>
+              <a:bodyPr rtlCol="0" anchor="ctr"/>
+              <a:p>
+                <a:pPr algn="ctr"/>
+                <a:r>
+                  <a:rPr lang="en-US" sz="1400">
+                    <a:solidFill>
+                      <a:schemeClr val="tx1"/>
+                    </a:solidFill>
+                    <a:effectLst>
+                      <a:outerShdw blurRad="38100" dist="19050" dir="2700000" algn="tl" rotWithShape="0">
+                        <a:schemeClr val="dk1">
+                          <a:alpha val="40000"/>
+                        </a:schemeClr>
+                      </a:outerShdw>
+                    </a:effectLst>
+                  </a:rPr>
+                  <a:t>PHPSESSID: </a:t>
+                </a:r>
+                <a:r>
+                  <a:rPr lang="en-US" sz="1400">
+                    <a:solidFill>
+                      <a:schemeClr val="tx1"/>
+                    </a:solidFill>
+                    <a:effectLst>
+                      <a:outerShdw blurRad="38100" dist="19050" dir="2700000" algn="tl" rotWithShape="0">
+                        <a:schemeClr val="dk1">
+                          <a:alpha val="40000"/>
+                        </a:schemeClr>
+                      </a:outerShdw>
+                    </a:effectLst>
+                    <a:sym typeface="+mn-ea"/>
+                  </a:rPr>
+                  <a:t>3412i4khl6</a:t>
+                </a:r>
+                <a:endParaRPr lang="en-US" sz="1400">
+                  <a:solidFill>
+                    <a:schemeClr val="tx1"/>
+                  </a:solidFill>
+                  <a:effectLst>
+                    <a:outerShdw blurRad="38100" dist="19050" dir="2700000" algn="tl" rotWithShape="0">
+                      <a:schemeClr val="dk1">
+                        <a:alpha val="40000"/>
+                      </a:schemeClr>
+                    </a:outerShdw>
+                  </a:effectLst>
+                </a:endParaRPr>
+              </a:p>
+            </p:txBody>
+          </p:sp>
+          <p:sp>
+            <p:nvSpPr>
+              <p:cNvPr id="16" name="Rounded Rectangle 15"/>
+              <p:cNvSpPr/>
+              <p:nvPr>
+                <p:custDataLst>
+                  <p:tags r:id="rId7"/>
+                </p:custDataLst>
+              </p:nvPr>
+            </p:nvSpPr>
+            <p:spPr>
+              <a:xfrm>
+                <a:off x="6960" y="7000"/>
+                <a:ext cx="3039" cy="3100"/>
+              </a:xfrm>
+              <a:prstGeom prst="roundRect">
+                <a:avLst>
+                  <a:gd name="adj" fmla="val 7469"/>
+                </a:avLst>
+              </a:prstGeom>
+              <a:noFill/>
+              <a:ln w="19050">
+                <a:solidFill>
+                  <a:srgbClr val="00B050"/>
+                </a:solidFill>
+              </a:ln>
+            </p:spPr>
+            <p:style>
+              <a:lnRef idx="2">
+                <a:schemeClr val="accent1">
+                  <a:lumMod val="75000"/>
+                </a:schemeClr>
+              </a:lnRef>
+              <a:fillRef idx="1">
+                <a:schemeClr val="accent1"/>
+              </a:fillRef>
+              <a:effectRef idx="0">
+                <a:srgbClr val="FFFFFF"/>
+              </a:effectRef>
+              <a:fontRef idx="minor">
+                <a:schemeClr val="lt1"/>
+              </a:fontRef>
+            </p:style>
+            <p:txBody>
+              <a:bodyPr rtlCol="0" anchor="ctr"/>
+              <a:p>
+                <a:pPr algn="ctr"/>
+                <a:endParaRPr lang="en-US" sz="1400">
+                  <a:solidFill>
+                    <a:schemeClr val="tx1"/>
+                  </a:solidFill>
+                  <a:effectLst>
+                    <a:outerShdw blurRad="38100" dist="19050" dir="2700000" algn="tl" rotWithShape="0">
+                      <a:schemeClr val="dk1">
+                        <a:alpha val="40000"/>
+                      </a:schemeClr>
+                    </a:outerShdw>
+                  </a:effectLst>
+                </a:endParaRPr>
+              </a:p>
+            </p:txBody>
+          </p:sp>
+        </p:grpSp>
+        <p:grpSp>
+          <p:nvGrpSpPr>
+            <p:cNvPr id="18" name="Group 17"/>
+            <p:cNvGrpSpPr/>
+            <p:nvPr/>
+          </p:nvGrpSpPr>
+          <p:grpSpPr>
+            <a:xfrm>
+              <a:off x="10380" y="6420"/>
+              <a:ext cx="3038" cy="3680"/>
+              <a:chOff x="6960" y="6420"/>
+              <a:chExt cx="3038" cy="3680"/>
+            </a:xfrm>
+          </p:grpSpPr>
+          <p:sp>
+            <p:nvSpPr>
+              <p:cNvPr id="19" name="Rounded Rectangle 18"/>
+              <p:cNvSpPr/>
+              <p:nvPr>
+                <p:custDataLst>
+                  <p:tags r:id="rId8"/>
+                </p:custDataLst>
+              </p:nvPr>
+            </p:nvSpPr>
+            <p:spPr>
+              <a:xfrm>
+                <a:off x="6960" y="6420"/>
+                <a:ext cx="3039" cy="550"/>
+              </a:xfrm>
+              <a:prstGeom prst="roundRect">
+                <a:avLst/>
+              </a:prstGeom>
+              <a:noFill/>
+              <a:ln w="19050">
+                <a:solidFill>
+                  <a:srgbClr val="00B050"/>
+                </a:solidFill>
+              </a:ln>
+            </p:spPr>
+            <p:style>
+              <a:lnRef idx="2">
+                <a:schemeClr val="accent1">
+                  <a:lumMod val="75000"/>
+                </a:schemeClr>
+              </a:lnRef>
+              <a:fillRef idx="1">
+                <a:schemeClr val="accent1"/>
+              </a:fillRef>
+              <a:effectRef idx="0">
+                <a:srgbClr val="FFFFFF"/>
+              </a:effectRef>
+              <a:fontRef idx="minor">
+                <a:schemeClr val="lt1"/>
+              </a:fontRef>
+            </p:style>
+            <p:txBody>
+              <a:bodyPr rtlCol="0" anchor="ctr"/>
+              <a:p>
+                <a:pPr algn="ctr"/>
+                <a:r>
+                  <a:rPr lang="en-US" sz="1400">
+                    <a:solidFill>
+                      <a:schemeClr val="tx1"/>
+                    </a:solidFill>
+                    <a:effectLst>
+                      <a:outerShdw blurRad="38100" dist="19050" dir="2700000" algn="tl" rotWithShape="0">
+                        <a:schemeClr val="dk1">
+                          <a:alpha val="40000"/>
+                        </a:schemeClr>
+                      </a:outerShdw>
+                    </a:effectLst>
+                  </a:rPr>
+                  <a:t>PHPSESSID: 3412i412iu</a:t>
+                </a:r>
+                <a:endParaRPr lang="en-US" sz="1400">
+                  <a:solidFill>
+                    <a:schemeClr val="tx1"/>
+                  </a:solidFill>
+                  <a:effectLst>
+                    <a:outerShdw blurRad="38100" dist="19050" dir="2700000" algn="tl" rotWithShape="0">
+                      <a:schemeClr val="dk1">
+                        <a:alpha val="40000"/>
+                      </a:schemeClr>
+                    </a:outerShdw>
+                  </a:effectLst>
+                </a:endParaRPr>
+              </a:p>
+            </p:txBody>
+          </p:sp>
+          <p:sp>
+            <p:nvSpPr>
+              <p:cNvPr id="20" name="Rounded Rectangle 19"/>
+              <p:cNvSpPr/>
+              <p:nvPr>
+                <p:custDataLst>
+                  <p:tags r:id="rId9"/>
+                </p:custDataLst>
+              </p:nvPr>
+            </p:nvSpPr>
+            <p:spPr>
+              <a:xfrm>
+                <a:off x="6960" y="7000"/>
+                <a:ext cx="3039" cy="3100"/>
+              </a:xfrm>
+              <a:prstGeom prst="roundRect">
+                <a:avLst>
+                  <a:gd name="adj" fmla="val 7469"/>
+                </a:avLst>
+              </a:prstGeom>
+              <a:noFill/>
+              <a:ln w="19050">
+                <a:solidFill>
+                  <a:srgbClr val="00B050"/>
+                </a:solidFill>
+              </a:ln>
+            </p:spPr>
+            <p:style>
+              <a:lnRef idx="2">
+                <a:schemeClr val="accent1">
+                  <a:lumMod val="75000"/>
+                </a:schemeClr>
+              </a:lnRef>
+              <a:fillRef idx="1">
+                <a:schemeClr val="accent1"/>
+              </a:fillRef>
+              <a:effectRef idx="0">
+                <a:srgbClr val="FFFFFF"/>
+              </a:effectRef>
+              <a:fontRef idx="minor">
+                <a:schemeClr val="lt1"/>
+              </a:fontRef>
+            </p:style>
+            <p:txBody>
+              <a:bodyPr rtlCol="0" anchor="ctr"/>
+              <a:p>
+                <a:pPr algn="ctr"/>
+                <a:endParaRPr lang="en-US" sz="1400">
+                  <a:solidFill>
+                    <a:schemeClr val="tx1"/>
+                  </a:solidFill>
+                  <a:effectLst>
+                    <a:outerShdw blurRad="38100" dist="19050" dir="2700000" algn="tl" rotWithShape="0">
+                      <a:schemeClr val="dk1">
+                        <a:alpha val="40000"/>
+                      </a:schemeClr>
+                    </a:outerShdw>
+                  </a:effectLst>
+                </a:endParaRPr>
+              </a:p>
+            </p:txBody>
+          </p:sp>
+        </p:grpSp>
+        <p:sp>
+          <p:nvSpPr>
+            <p:cNvPr id="21" name="Rounded Rectangle 20"/>
+            <p:cNvSpPr/>
+            <p:nvPr/>
+          </p:nvSpPr>
+          <p:spPr>
+            <a:xfrm>
+              <a:off x="7520" y="4340"/>
+              <a:ext cx="2300" cy="800"/>
+            </a:xfrm>
+            <a:prstGeom prst="roundRect">
+              <a:avLst/>
+            </a:prstGeom>
+            <a:solidFill>
+              <a:srgbClr val="92D050"/>
+            </a:solidFill>
+            <a:ln w="19050">
+              <a:solidFill>
+                <a:srgbClr val="FFC000"/>
+              </a:solidFill>
+            </a:ln>
+          </p:spPr>
+          <p:style>
+            <a:lnRef idx="2">
+              <a:schemeClr val="accent1">
+                <a:lumMod val="75000"/>
+              </a:schemeClr>
+            </a:lnRef>
+            <a:fillRef idx="1">
+              <a:schemeClr val="accent1"/>
+            </a:fillRef>
+            <a:effectRef idx="0">
+              <a:srgbClr val="FFFFFF"/>
+            </a:effectRef>
+            <a:fontRef idx="minor">
+              <a:schemeClr val="lt1"/>
+            </a:fontRef>
+          </p:style>
+          <p:txBody>
+            <a:bodyPr rtlCol="0" anchor="ctr"/>
+            <a:p>
+              <a:pPr algn="ctr"/>
+              <a:r>
+                <a:rPr lang="en-US" sz="1400">
+                  <a:solidFill>
+                    <a:schemeClr val="tx1"/>
+                  </a:solidFill>
+                  <a:effectLst>
+                    <a:outerShdw blurRad="38100" dist="19050" dir="2700000" algn="tl" rotWithShape="0">
+                      <a:schemeClr val="dk1">
+                        <a:alpha val="40000"/>
+                      </a:schemeClr>
+                    </a:outerShdw>
+                  </a:effectLst>
+                </a:rPr>
+                <a:t>My project</a:t>
+              </a:r>
+              <a:endParaRPr lang="en-US" sz="1400">
+                <a:solidFill>
+                  <a:schemeClr val="tx1"/>
+                </a:solidFill>
+                <a:effectLst>
+                  <a:outerShdw blurRad="38100" dist="19050" dir="2700000" algn="tl" rotWithShape="0">
+                    <a:schemeClr val="dk1">
+                      <a:alpha val="40000"/>
+                    </a:schemeClr>
+                  </a:outerShdw>
+                </a:effectLst>
+              </a:endParaRPr>
+            </a:p>
+          </p:txBody>
+        </p:sp>
+      </p:grpSp>
+    </p:spTree>
+  </p:cSld>
+  <p:clrMapOvr>
+    <a:masterClrMapping/>
+  </p:clrMapOvr>
+</p:sld>
+</file>
+
 <file path=ppt/tags/tag1.xml><?xml version="1.0" encoding="utf-8"?>
 <p:tagLst xmlns:p="http://schemas.openxmlformats.org/presentationml/2006/main">
   <p:tag name="KSO_WM_BEAUTIFY_FLAG" val=""/>
@@ -8732,6 +9396,48 @@
 </p:tagLst>
 </file>
 
+<file path=ppt/tags/tag62.xml><?xml version="1.0" encoding="utf-8"?>
+<p:tagLst xmlns:p="http://schemas.openxmlformats.org/presentationml/2006/main">
+  <p:tag name="KSO_WM_BEAUTIFY_FLAG" val=""/>
+</p:tagLst>
+</file>
+
+<file path=ppt/tags/tag63.xml><?xml version="1.0" encoding="utf-8"?>
+<p:tagLst xmlns:p="http://schemas.openxmlformats.org/presentationml/2006/main">
+  <p:tag name="KSO_WM_BEAUTIFY_FLAG" val=""/>
+</p:tagLst>
+</file>
+
+<file path=ppt/tags/tag64.xml><?xml version="1.0" encoding="utf-8"?>
+<p:tagLst xmlns:p="http://schemas.openxmlformats.org/presentationml/2006/main">
+  <p:tag name="KSO_WM_BEAUTIFY_FLAG" val=""/>
+</p:tagLst>
+</file>
+
+<file path=ppt/tags/tag65.xml><?xml version="1.0" encoding="utf-8"?>
+<p:tagLst xmlns:p="http://schemas.openxmlformats.org/presentationml/2006/main">
+  <p:tag name="KSO_WM_BEAUTIFY_FLAG" val=""/>
+</p:tagLst>
+</file>
+
+<file path=ppt/tags/tag66.xml><?xml version="1.0" encoding="utf-8"?>
+<p:tagLst xmlns:p="http://schemas.openxmlformats.org/presentationml/2006/main">
+  <p:tag name="KSO_WM_BEAUTIFY_FLAG" val=""/>
+</p:tagLst>
+</file>
+
+<file path=ppt/tags/tag67.xml><?xml version="1.0" encoding="utf-8"?>
+<p:tagLst xmlns:p="http://schemas.openxmlformats.org/presentationml/2006/main">
+  <p:tag name="KSO_WM_BEAUTIFY_FLAG" val=""/>
+</p:tagLst>
+</file>
+
+<file path=ppt/tags/tag68.xml><?xml version="1.0" encoding="utf-8"?>
+<p:tagLst xmlns:p="http://schemas.openxmlformats.org/presentationml/2006/main">
+  <p:tag name="KSO_WM_BEAUTIFY_FLAG" val=""/>
+</p:tagLst>
+</file>
+
 <file path=ppt/tags/tag7.xml><?xml version="1.0" encoding="utf-8"?>
 <p:tagLst xmlns:p="http://schemas.openxmlformats.org/presentationml/2006/main">
   <p:tag name="KSO_WM_BEAUTIFY_FLAG" val=""/>
@@ -9015,7 +9721,6 @@
       <a:lstStyle>
         <a:defPPr algn="ctr">
           <a:defRPr lang="en-US" sz="1400">
-            <a:ln/>
             <a:solidFill>
               <a:schemeClr val="tx1"/>
             </a:solidFill>
